--- a/structure.pptx
+++ b/structure.pptx
@@ -5,10 +5,10 @@
     <p:sldMasterId id="2147483648" r:id="rId1"/>
   </p:sldMasterIdLst>
   <p:sldIdLst>
-    <p:sldId id="256" r:id="rId2"/>
-    <p:sldId id="257" r:id="rId3"/>
-    <p:sldId id="259" r:id="rId4"/>
-    <p:sldId id="258" r:id="rId5"/>
+    <p:sldId id="257" r:id="rId2"/>
+    <p:sldId id="259" r:id="rId3"/>
+    <p:sldId id="258" r:id="rId4"/>
+    <p:sldId id="260" r:id="rId5"/>
   </p:sldIdLst>
   <p:sldSz cx="12192000" cy="6858000"/>
   <p:notesSz cx="6858000" cy="9144000"/>
@@ -25222,7 +25222,7 @@
           <a:p>
             <a:fld id="{0793B7A2-8215-4AD8-839E-1FE26618B247}" type="datetimeFigureOut">
               <a:rPr lang="zh-CN" altLang="en-US" smtClean="0"/>
-              <a:t>2020/3/26</a:t>
+              <a:t>2020/3/27</a:t>
             </a:fld>
             <a:endParaRPr lang="zh-CN" altLang="en-US"/>
           </a:p>
@@ -25422,7 +25422,7 @@
           <a:p>
             <a:fld id="{0793B7A2-8215-4AD8-839E-1FE26618B247}" type="datetimeFigureOut">
               <a:rPr lang="zh-CN" altLang="en-US" smtClean="0"/>
-              <a:t>2020/3/26</a:t>
+              <a:t>2020/3/27</a:t>
             </a:fld>
             <a:endParaRPr lang="zh-CN" altLang="en-US"/>
           </a:p>
@@ -25632,7 +25632,7 @@
           <a:p>
             <a:fld id="{0793B7A2-8215-4AD8-839E-1FE26618B247}" type="datetimeFigureOut">
               <a:rPr lang="zh-CN" altLang="en-US" smtClean="0"/>
-              <a:t>2020/3/26</a:t>
+              <a:t>2020/3/27</a:t>
             </a:fld>
             <a:endParaRPr lang="zh-CN" altLang="en-US"/>
           </a:p>
@@ -25832,7 +25832,7 @@
           <a:p>
             <a:fld id="{0793B7A2-8215-4AD8-839E-1FE26618B247}" type="datetimeFigureOut">
               <a:rPr lang="zh-CN" altLang="en-US" smtClean="0"/>
-              <a:t>2020/3/26</a:t>
+              <a:t>2020/3/27</a:t>
             </a:fld>
             <a:endParaRPr lang="zh-CN" altLang="en-US"/>
           </a:p>
@@ -26108,7 +26108,7 @@
           <a:p>
             <a:fld id="{0793B7A2-8215-4AD8-839E-1FE26618B247}" type="datetimeFigureOut">
               <a:rPr lang="zh-CN" altLang="en-US" smtClean="0"/>
-              <a:t>2020/3/26</a:t>
+              <a:t>2020/3/27</a:t>
             </a:fld>
             <a:endParaRPr lang="zh-CN" altLang="en-US"/>
           </a:p>
@@ -26376,7 +26376,7 @@
           <a:p>
             <a:fld id="{0793B7A2-8215-4AD8-839E-1FE26618B247}" type="datetimeFigureOut">
               <a:rPr lang="zh-CN" altLang="en-US" smtClean="0"/>
-              <a:t>2020/3/26</a:t>
+              <a:t>2020/3/27</a:t>
             </a:fld>
             <a:endParaRPr lang="zh-CN" altLang="en-US"/>
           </a:p>
@@ -26791,7 +26791,7 @@
           <a:p>
             <a:fld id="{0793B7A2-8215-4AD8-839E-1FE26618B247}" type="datetimeFigureOut">
               <a:rPr lang="zh-CN" altLang="en-US" smtClean="0"/>
-              <a:t>2020/3/26</a:t>
+              <a:t>2020/3/27</a:t>
             </a:fld>
             <a:endParaRPr lang="zh-CN" altLang="en-US"/>
           </a:p>
@@ -26933,7 +26933,7 @@
           <a:p>
             <a:fld id="{0793B7A2-8215-4AD8-839E-1FE26618B247}" type="datetimeFigureOut">
               <a:rPr lang="zh-CN" altLang="en-US" smtClean="0"/>
-              <a:t>2020/3/26</a:t>
+              <a:t>2020/3/27</a:t>
             </a:fld>
             <a:endParaRPr lang="zh-CN" altLang="en-US"/>
           </a:p>
@@ -27046,7 +27046,7 @@
           <a:p>
             <a:fld id="{0793B7A2-8215-4AD8-839E-1FE26618B247}" type="datetimeFigureOut">
               <a:rPr lang="zh-CN" altLang="en-US" smtClean="0"/>
-              <a:t>2020/3/26</a:t>
+              <a:t>2020/3/27</a:t>
             </a:fld>
             <a:endParaRPr lang="zh-CN" altLang="en-US"/>
           </a:p>
@@ -27359,7 +27359,7 @@
           <a:p>
             <a:fld id="{0793B7A2-8215-4AD8-839E-1FE26618B247}" type="datetimeFigureOut">
               <a:rPr lang="zh-CN" altLang="en-US" smtClean="0"/>
-              <a:t>2020/3/26</a:t>
+              <a:t>2020/3/27</a:t>
             </a:fld>
             <a:endParaRPr lang="zh-CN" altLang="en-US"/>
           </a:p>
@@ -27648,7 +27648,7 @@
           <a:p>
             <a:fld id="{0793B7A2-8215-4AD8-839E-1FE26618B247}" type="datetimeFigureOut">
               <a:rPr lang="zh-CN" altLang="en-US" smtClean="0"/>
-              <a:t>2020/3/26</a:t>
+              <a:t>2020/3/27</a:t>
             </a:fld>
             <a:endParaRPr lang="zh-CN" altLang="en-US"/>
           </a:p>
@@ -27891,7 +27891,7 @@
           <a:p>
             <a:fld id="{0793B7A2-8215-4AD8-839E-1FE26618B247}" type="datetimeFigureOut">
               <a:rPr lang="zh-CN" altLang="en-US" smtClean="0"/>
-              <a:t>2020/3/26</a:t>
+              <a:t>2020/3/27</a:t>
             </a:fld>
             <a:endParaRPr lang="zh-CN" altLang="en-US"/>
           </a:p>
@@ -28308,86 +28308,6 @@
           <a:chExt cx="0" cy="0"/>
         </a:xfrm>
       </p:grpSpPr>
-      <p:sp>
-        <p:nvSpPr>
-          <p:cNvPr id="2" name="Title 1">
-            <a:extLst>
-              <a:ext uri="{FF2B5EF4-FFF2-40B4-BE49-F238E27FC236}">
-                <a16:creationId xmlns:a16="http://schemas.microsoft.com/office/drawing/2014/main" id="{F8383846-295A-4397-986C-DB09FDE28D09}"/>
-              </a:ext>
-            </a:extLst>
-          </p:cNvPr>
-          <p:cNvSpPr>
-            <a:spLocks noGrp="1"/>
-          </p:cNvSpPr>
-          <p:nvPr>
-            <p:ph type="ctrTitle"/>
-          </p:nvPr>
-        </p:nvSpPr>
-        <p:spPr/>
-        <p:txBody>
-          <a:bodyPr/>
-          <a:lstStyle/>
-          <a:p>
-            <a:endParaRPr lang="zh-CN" altLang="en-US"/>
-          </a:p>
-        </p:txBody>
-      </p:sp>
-      <p:sp>
-        <p:nvSpPr>
-          <p:cNvPr id="3" name="Subtitle 2">
-            <a:extLst>
-              <a:ext uri="{FF2B5EF4-FFF2-40B4-BE49-F238E27FC236}">
-                <a16:creationId xmlns:a16="http://schemas.microsoft.com/office/drawing/2014/main" id="{82529466-B9B6-43E5-B9D1-5BD3EAF41B3F}"/>
-              </a:ext>
-            </a:extLst>
-          </p:cNvPr>
-          <p:cNvSpPr>
-            <a:spLocks noGrp="1"/>
-          </p:cNvSpPr>
-          <p:nvPr>
-            <p:ph type="subTitle" idx="1"/>
-          </p:nvPr>
-        </p:nvSpPr>
-        <p:spPr/>
-        <p:txBody>
-          <a:bodyPr/>
-          <a:lstStyle/>
-          <a:p>
-            <a:endParaRPr lang="zh-CN" altLang="en-US"/>
-          </a:p>
-        </p:txBody>
-      </p:sp>
-    </p:spTree>
-    <p:extLst>
-      <p:ext uri="{BB962C8B-B14F-4D97-AF65-F5344CB8AC3E}">
-        <p14:creationId xmlns:p14="http://schemas.microsoft.com/office/powerpoint/2010/main" val="3268440419"/>
-      </p:ext>
-    </p:extLst>
-  </p:cSld>
-  <p:clrMapOvr>
-    <a:masterClrMapping/>
-  </p:clrMapOvr>
-</p:sld>
-</file>
-
-<file path=ppt/slides/slide2.xml><?xml version="1.0" encoding="utf-8"?>
-<p:sld xmlns:a="http://schemas.openxmlformats.org/drawingml/2006/main" xmlns:r="http://schemas.openxmlformats.org/officeDocument/2006/relationships" xmlns:p="http://schemas.openxmlformats.org/presentationml/2006/main">
-  <p:cSld>
-    <p:spTree>
-      <p:nvGrpSpPr>
-        <p:cNvPr id="1" name=""/>
-        <p:cNvGrpSpPr/>
-        <p:nvPr/>
-      </p:nvGrpSpPr>
-      <p:grpSpPr>
-        <a:xfrm>
-          <a:off x="0" y="0"/>
-          <a:ext cx="0" cy="0"/>
-          <a:chOff x="0" y="0"/>
-          <a:chExt cx="0" cy="0"/>
-        </a:xfrm>
-      </p:grpSpPr>
       <p:graphicFrame>
         <p:nvGraphicFramePr>
           <p:cNvPr id="4" name="Diagram 3">
@@ -28669,7 +28589,7 @@
 </p:sld>
 </file>
 
-<file path=ppt/slides/slide3.xml><?xml version="1.0" encoding="utf-8"?>
+<file path=ppt/slides/slide2.xml><?xml version="1.0" encoding="utf-8"?>
 <p:sld xmlns:a="http://schemas.openxmlformats.org/drawingml/2006/main" xmlns:r="http://schemas.openxmlformats.org/officeDocument/2006/relationships" xmlns:p="http://schemas.openxmlformats.org/presentationml/2006/main">
   <p:cSld>
     <p:spTree>
@@ -29143,7 +29063,7 @@
 </p:sld>
 </file>
 
-<file path=ppt/slides/slide4.xml><?xml version="1.0" encoding="utf-8"?>
+<file path=ppt/slides/slide3.xml><?xml version="1.0" encoding="utf-8"?>
 <p:sld xmlns:a="http://schemas.openxmlformats.org/drawingml/2006/main" xmlns:r="http://schemas.openxmlformats.org/officeDocument/2006/relationships" xmlns:p="http://schemas.openxmlformats.org/presentationml/2006/main">
   <p:cSld>
     <p:spTree>
@@ -30017,6 +29937,1881 @@
 </p:sld>
 </file>
 
+<file path=ppt/slides/slide4.xml><?xml version="1.0" encoding="utf-8"?>
+<p:sld xmlns:a="http://schemas.openxmlformats.org/drawingml/2006/main" xmlns:r="http://schemas.openxmlformats.org/officeDocument/2006/relationships" xmlns:p="http://schemas.openxmlformats.org/presentationml/2006/main">
+  <p:cSld>
+    <p:spTree>
+      <p:nvGrpSpPr>
+        <p:cNvPr id="1" name=""/>
+        <p:cNvGrpSpPr/>
+        <p:nvPr/>
+      </p:nvGrpSpPr>
+      <p:grpSpPr>
+        <a:xfrm>
+          <a:off x="0" y="0"/>
+          <a:ext cx="0" cy="0"/>
+          <a:chOff x="0" y="0"/>
+          <a:chExt cx="0" cy="0"/>
+        </a:xfrm>
+      </p:grpSpPr>
+      <p:sp>
+        <p:nvSpPr>
+          <p:cNvPr id="16" name="Oval 15">
+            <a:extLst>
+              <a:ext uri="{FF2B5EF4-FFF2-40B4-BE49-F238E27FC236}">
+                <a16:creationId xmlns:a16="http://schemas.microsoft.com/office/drawing/2014/main" id="{84FDDA4B-49B5-4DAA-87A4-3680890D2028}"/>
+              </a:ext>
+            </a:extLst>
+          </p:cNvPr>
+          <p:cNvSpPr/>
+          <p:nvPr/>
+        </p:nvSpPr>
+        <p:spPr>
+          <a:xfrm>
+            <a:off x="3988583" y="580732"/>
+            <a:ext cx="3343915" cy="744164"/>
+          </a:xfrm>
+          <a:prstGeom prst="ellipse">
+            <a:avLst/>
+          </a:prstGeom>
+        </p:spPr>
+        <p:style>
+          <a:lnRef idx="1">
+            <a:schemeClr val="accent6"/>
+          </a:lnRef>
+          <a:fillRef idx="2">
+            <a:schemeClr val="accent6"/>
+          </a:fillRef>
+          <a:effectRef idx="1">
+            <a:schemeClr val="accent6"/>
+          </a:effectRef>
+          <a:fontRef idx="minor">
+            <a:schemeClr val="dk1"/>
+          </a:fontRef>
+        </p:style>
+        <p:txBody>
+          <a:bodyPr rtlCol="0" anchor="ctr"/>
+          <a:lstStyle/>
+          <a:p>
+            <a:pPr algn="ctr"/>
+            <a:r>
+              <a:rPr lang="zh-CN" altLang="en-US" sz="1200" dirty="0"/>
+              <a:t>采集并存储数据</a:t>
+            </a:r>
+            <a:endParaRPr lang="en-US" altLang="zh-CN" sz="1200" dirty="0"/>
+          </a:p>
+          <a:p>
+            <a:pPr algn="ctr"/>
+            <a:r>
+              <a:rPr lang="zh-CN" altLang="en-US" sz="1200" dirty="0"/>
+              <a:t>数据保存路径</a:t>
+            </a:r>
+            <a:r>
+              <a:rPr lang="en-US" altLang="zh-CN" sz="1200" dirty="0"/>
+              <a:t>: SUBJECTID//DATA//SESSIONID</a:t>
+            </a:r>
+            <a:endParaRPr lang="zh-CN" altLang="en-US" sz="1200" dirty="0"/>
+          </a:p>
+        </p:txBody>
+      </p:sp>
+      <p:sp>
+        <p:nvSpPr>
+          <p:cNvPr id="17" name="Oval 16">
+            <a:extLst>
+              <a:ext uri="{FF2B5EF4-FFF2-40B4-BE49-F238E27FC236}">
+                <a16:creationId xmlns:a16="http://schemas.microsoft.com/office/drawing/2014/main" id="{A9479799-77E6-415B-9E81-7FCF0EAEB0EE}"/>
+              </a:ext>
+            </a:extLst>
+          </p:cNvPr>
+          <p:cNvSpPr/>
+          <p:nvPr/>
+        </p:nvSpPr>
+        <p:spPr>
+          <a:xfrm>
+            <a:off x="3989703" y="2506709"/>
+            <a:ext cx="3343915" cy="744164"/>
+          </a:xfrm>
+          <a:prstGeom prst="ellipse">
+            <a:avLst/>
+          </a:prstGeom>
+        </p:spPr>
+        <p:style>
+          <a:lnRef idx="1">
+            <a:schemeClr val="accent6"/>
+          </a:lnRef>
+          <a:fillRef idx="2">
+            <a:schemeClr val="accent6"/>
+          </a:fillRef>
+          <a:effectRef idx="1">
+            <a:schemeClr val="accent6"/>
+          </a:effectRef>
+          <a:fontRef idx="minor">
+            <a:schemeClr val="dk1"/>
+          </a:fontRef>
+        </p:style>
+        <p:txBody>
+          <a:bodyPr rtlCol="0" anchor="ctr"/>
+          <a:lstStyle/>
+          <a:p>
+            <a:pPr algn="ctr"/>
+            <a:r>
+              <a:rPr lang="zh-CN" altLang="en-US" sz="1200" dirty="0"/>
+              <a:t>训练模型</a:t>
+            </a:r>
+            <a:endParaRPr lang="en-US" altLang="zh-CN" sz="1200" dirty="0"/>
+          </a:p>
+          <a:p>
+            <a:pPr algn="ctr"/>
+            <a:r>
+              <a:rPr lang="zh-CN" altLang="en-US" sz="1200" dirty="0"/>
+              <a:t>模型保存路径</a:t>
+            </a:r>
+            <a:r>
+              <a:rPr lang="en-US" altLang="zh-CN" sz="1200" dirty="0"/>
+              <a:t>: SUBJECTID//MODEL//SESSIONID</a:t>
+            </a:r>
+            <a:endParaRPr lang="zh-CN" altLang="en-US" sz="1200" dirty="0"/>
+          </a:p>
+        </p:txBody>
+      </p:sp>
+      <p:sp>
+        <p:nvSpPr>
+          <p:cNvPr id="18" name="Oval 17">
+            <a:extLst>
+              <a:ext uri="{FF2B5EF4-FFF2-40B4-BE49-F238E27FC236}">
+                <a16:creationId xmlns:a16="http://schemas.microsoft.com/office/drawing/2014/main" id="{588BC018-C16C-4D1B-A8AB-47A1E93015C2}"/>
+              </a:ext>
+            </a:extLst>
+          </p:cNvPr>
+          <p:cNvSpPr/>
+          <p:nvPr/>
+        </p:nvSpPr>
+        <p:spPr>
+          <a:xfrm>
+            <a:off x="1014119" y="3480525"/>
+            <a:ext cx="1851063" cy="441756"/>
+          </a:xfrm>
+          <a:prstGeom prst="ellipse">
+            <a:avLst/>
+          </a:prstGeom>
+        </p:spPr>
+        <p:style>
+          <a:lnRef idx="1">
+            <a:schemeClr val="accent5"/>
+          </a:lnRef>
+          <a:fillRef idx="2">
+            <a:schemeClr val="accent5"/>
+          </a:fillRef>
+          <a:effectRef idx="1">
+            <a:schemeClr val="accent5"/>
+          </a:effectRef>
+          <a:fontRef idx="minor">
+            <a:schemeClr val="dk1"/>
+          </a:fontRef>
+        </p:style>
+        <p:txBody>
+          <a:bodyPr rtlCol="0" anchor="ctr"/>
+          <a:lstStyle/>
+          <a:p>
+            <a:pPr algn="ctr"/>
+            <a:r>
+              <a:rPr lang="zh-CN" altLang="en-US" sz="1200" dirty="0"/>
+              <a:t>显示准确率</a:t>
+            </a:r>
+          </a:p>
+        </p:txBody>
+      </p:sp>
+      <p:sp>
+        <p:nvSpPr>
+          <p:cNvPr id="13" name="Arrow: Right 12">
+            <a:extLst>
+              <a:ext uri="{FF2B5EF4-FFF2-40B4-BE49-F238E27FC236}">
+                <a16:creationId xmlns:a16="http://schemas.microsoft.com/office/drawing/2014/main" id="{7B308A18-1A17-403C-9D9F-6098C6263662}"/>
+              </a:ext>
+            </a:extLst>
+          </p:cNvPr>
+          <p:cNvSpPr/>
+          <p:nvPr/>
+        </p:nvSpPr>
+        <p:spPr>
+          <a:xfrm>
+            <a:off x="2703937" y="643560"/>
+            <a:ext cx="1429151" cy="649635"/>
+          </a:xfrm>
+          <a:prstGeom prst="rightArrow">
+            <a:avLst/>
+          </a:prstGeom>
+        </p:spPr>
+        <p:style>
+          <a:lnRef idx="1">
+            <a:schemeClr val="accent3"/>
+          </a:lnRef>
+          <a:fillRef idx="2">
+            <a:schemeClr val="accent3"/>
+          </a:fillRef>
+          <a:effectRef idx="1">
+            <a:schemeClr val="accent3"/>
+          </a:effectRef>
+          <a:fontRef idx="minor">
+            <a:schemeClr val="dk1"/>
+          </a:fontRef>
+        </p:style>
+        <p:txBody>
+          <a:bodyPr rtlCol="0" anchor="ctr"/>
+          <a:lstStyle/>
+          <a:p>
+            <a:pPr algn="ctr"/>
+            <a:r>
+              <a:rPr lang="zh-CN" altLang="en-US" sz="1400" dirty="0"/>
+              <a:t>开始离线采集</a:t>
+            </a:r>
+          </a:p>
+        </p:txBody>
+      </p:sp>
+      <p:sp>
+        <p:nvSpPr>
+          <p:cNvPr id="14" name="Arrow: Right 13">
+            <a:extLst>
+              <a:ext uri="{FF2B5EF4-FFF2-40B4-BE49-F238E27FC236}">
+                <a16:creationId xmlns:a16="http://schemas.microsoft.com/office/drawing/2014/main" id="{9E134A35-2B00-4732-BCB9-454FCAAAC969}"/>
+              </a:ext>
+            </a:extLst>
+          </p:cNvPr>
+          <p:cNvSpPr/>
+          <p:nvPr/>
+        </p:nvSpPr>
+        <p:spPr>
+          <a:xfrm>
+            <a:off x="2703937" y="2557257"/>
+            <a:ext cx="1429152" cy="649635"/>
+          </a:xfrm>
+          <a:prstGeom prst="rightArrow">
+            <a:avLst/>
+          </a:prstGeom>
+        </p:spPr>
+        <p:style>
+          <a:lnRef idx="1">
+            <a:schemeClr val="accent3"/>
+          </a:lnRef>
+          <a:fillRef idx="2">
+            <a:schemeClr val="accent3"/>
+          </a:fillRef>
+          <a:effectRef idx="1">
+            <a:schemeClr val="accent3"/>
+          </a:effectRef>
+          <a:fontRef idx="minor">
+            <a:schemeClr val="dk1"/>
+          </a:fontRef>
+        </p:style>
+        <p:txBody>
+          <a:bodyPr rtlCol="0" anchor="ctr"/>
+          <a:lstStyle/>
+          <a:p>
+            <a:pPr algn="ctr"/>
+            <a:r>
+              <a:rPr lang="zh-CN" altLang="en-US" sz="1400" dirty="0"/>
+              <a:t>模型训练</a:t>
+            </a:r>
+          </a:p>
+        </p:txBody>
+      </p:sp>
+      <p:sp>
+        <p:nvSpPr>
+          <p:cNvPr id="15" name="Arrow: Right 14">
+            <a:extLst>
+              <a:ext uri="{FF2B5EF4-FFF2-40B4-BE49-F238E27FC236}">
+                <a16:creationId xmlns:a16="http://schemas.microsoft.com/office/drawing/2014/main" id="{ED165481-8CF2-4D1D-9D7C-1200A4A80771}"/>
+              </a:ext>
+            </a:extLst>
+          </p:cNvPr>
+          <p:cNvSpPr/>
+          <p:nvPr/>
+        </p:nvSpPr>
+        <p:spPr>
+          <a:xfrm flipH="1">
+            <a:off x="2703937" y="3378786"/>
+            <a:ext cx="1429152" cy="649635"/>
+          </a:xfrm>
+          <a:prstGeom prst="rightArrow">
+            <a:avLst/>
+          </a:prstGeom>
+        </p:spPr>
+        <p:style>
+          <a:lnRef idx="1">
+            <a:schemeClr val="accent3"/>
+          </a:lnRef>
+          <a:fillRef idx="2">
+            <a:schemeClr val="accent3"/>
+          </a:fillRef>
+          <a:effectRef idx="1">
+            <a:schemeClr val="accent3"/>
+          </a:effectRef>
+          <a:fontRef idx="minor">
+            <a:schemeClr val="dk1"/>
+          </a:fontRef>
+        </p:style>
+        <p:txBody>
+          <a:bodyPr rtlCol="0" anchor="ctr"/>
+          <a:lstStyle/>
+          <a:p>
+            <a:pPr algn="ctr"/>
+            <a:r>
+              <a:rPr lang="zh-CN" altLang="en-US" sz="1400" dirty="0"/>
+              <a:t>模型准确率</a:t>
+            </a:r>
+          </a:p>
+        </p:txBody>
+      </p:sp>
+      <p:sp>
+        <p:nvSpPr>
+          <p:cNvPr id="25" name="Oval 24">
+            <a:extLst>
+              <a:ext uri="{FF2B5EF4-FFF2-40B4-BE49-F238E27FC236}">
+                <a16:creationId xmlns:a16="http://schemas.microsoft.com/office/drawing/2014/main" id="{7B758BC1-8D1A-4B5D-9CD2-18171D67FB74}"/>
+              </a:ext>
+            </a:extLst>
+          </p:cNvPr>
+          <p:cNvSpPr/>
+          <p:nvPr/>
+        </p:nvSpPr>
+        <p:spPr>
+          <a:xfrm>
+            <a:off x="3988584" y="5267847"/>
+            <a:ext cx="3343914" cy="744164"/>
+          </a:xfrm>
+          <a:prstGeom prst="ellipse">
+            <a:avLst/>
+          </a:prstGeom>
+        </p:spPr>
+        <p:style>
+          <a:lnRef idx="1">
+            <a:schemeClr val="accent6"/>
+          </a:lnRef>
+          <a:fillRef idx="2">
+            <a:schemeClr val="accent6"/>
+          </a:fillRef>
+          <a:effectRef idx="1">
+            <a:schemeClr val="accent6"/>
+          </a:effectRef>
+          <a:fontRef idx="minor">
+            <a:schemeClr val="dk1"/>
+          </a:fontRef>
+        </p:style>
+        <p:txBody>
+          <a:bodyPr rtlCol="0" anchor="ctr"/>
+          <a:lstStyle/>
+          <a:p>
+            <a:pPr algn="ctr"/>
+            <a:r>
+              <a:rPr lang="zh-CN" altLang="en-US" sz="1200" dirty="0"/>
+              <a:t>采集并存储数据</a:t>
+            </a:r>
+            <a:endParaRPr lang="en-US" altLang="zh-CN" sz="1200" dirty="0"/>
+          </a:p>
+          <a:p>
+            <a:pPr algn="ctr"/>
+            <a:r>
+              <a:rPr lang="zh-CN" altLang="en-US" sz="1200" dirty="0"/>
+              <a:t>数据保存路径</a:t>
+            </a:r>
+            <a:r>
+              <a:rPr lang="en-US" altLang="zh-CN" sz="1200" dirty="0"/>
+              <a:t>: SUBJECTID//DATA_ONLINE</a:t>
+            </a:r>
+            <a:endParaRPr lang="zh-CN" altLang="en-US" sz="1200" dirty="0"/>
+          </a:p>
+        </p:txBody>
+      </p:sp>
+      <p:graphicFrame>
+        <p:nvGraphicFramePr>
+          <p:cNvPr id="2" name="Table 2">
+            <a:extLst>
+              <a:ext uri="{FF2B5EF4-FFF2-40B4-BE49-F238E27FC236}">
+                <a16:creationId xmlns:a16="http://schemas.microsoft.com/office/drawing/2014/main" id="{22E2F61C-43E5-4E1B-8C9D-8E93B2DD82E7}"/>
+              </a:ext>
+            </a:extLst>
+          </p:cNvPr>
+          <p:cNvGraphicFramePr>
+            <a:graphicFrameLocks noGrp="1"/>
+          </p:cNvGraphicFramePr>
+          <p:nvPr>
+            <p:extLst>
+              <p:ext uri="{D42A27DB-BD31-4B8C-83A1-F6EECF244321}">
+                <p14:modId xmlns:p14="http://schemas.microsoft.com/office/powerpoint/2010/main" val="4054744107"/>
+              </p:ext>
+            </p:extLst>
+          </p:nvPr>
+        </p:nvGraphicFramePr>
+        <p:xfrm>
+          <a:off x="137159" y="358777"/>
+          <a:ext cx="2566778" cy="1219200"/>
+        </p:xfrm>
+        <a:graphic>
+          <a:graphicData uri="http://schemas.openxmlformats.org/drawingml/2006/table">
+            <a:tbl>
+              <a:tblPr firstRow="1" bandRow="1">
+                <a:tableStyleId>{5FD0F851-EC5A-4D38-B0AD-8093EC10F338}</a:tableStyleId>
+              </a:tblPr>
+              <a:tblGrid>
+                <a:gridCol w="1283389">
+                  <a:extLst>
+                    <a:ext uri="{9D8B030D-6E8A-4147-A177-3AD203B41FA5}">
+                      <a16:colId xmlns:a16="http://schemas.microsoft.com/office/drawing/2014/main" val="1705216484"/>
+                    </a:ext>
+                  </a:extLst>
+                </a:gridCol>
+                <a:gridCol w="1283389">
+                  <a:extLst>
+                    <a:ext uri="{9D8B030D-6E8A-4147-A177-3AD203B41FA5}">
+                      <a16:colId xmlns:a16="http://schemas.microsoft.com/office/drawing/2014/main" val="3733953455"/>
+                    </a:ext>
+                  </a:extLst>
+                </a:gridCol>
+              </a:tblGrid>
+              <a:tr h="298909">
+                <a:tc>
+                  <a:txBody>
+                    <a:bodyPr/>
+                    <a:lstStyle/>
+                    <a:p>
+                      <a:pPr algn="ctr"/>
+                      <a:r>
+                        <a:rPr lang="zh-CN" altLang="en-US" sz="1400" dirty="0"/>
+                        <a:t>实验信息</a:t>
+                      </a:r>
+                    </a:p>
+                  </a:txBody>
+                  <a:tcPr anchor="ctr"/>
+                </a:tc>
+                <a:tc>
+                  <a:txBody>
+                    <a:bodyPr/>
+                    <a:lstStyle/>
+                    <a:p>
+                      <a:pPr algn="ctr"/>
+                      <a:r>
+                        <a:rPr lang="zh-CN" altLang="en-US" sz="1400" dirty="0"/>
+                        <a:t>动作参数</a:t>
+                      </a:r>
+                    </a:p>
+                  </a:txBody>
+                  <a:tcPr anchor="ctr"/>
+                </a:tc>
+                <a:extLst>
+                  <a:ext uri="{0D108BD9-81ED-4DB2-BD59-A6C34878D82A}">
+                    <a16:rowId xmlns:a16="http://schemas.microsoft.com/office/drawing/2014/main" val="4192788905"/>
+                  </a:ext>
+                </a:extLst>
+              </a:tr>
+              <a:tr h="298909">
+                <a:tc>
+                  <a:txBody>
+                    <a:bodyPr/>
+                    <a:lstStyle/>
+                    <a:p>
+                      <a:pPr algn="ctr"/>
+                      <a:r>
+                        <a:rPr lang="en-US" altLang="zh-CN" sz="1400" dirty="0"/>
+                        <a:t>SUBJECTID</a:t>
+                      </a:r>
+                      <a:endParaRPr lang="zh-CN" altLang="en-US" sz="1400" dirty="0"/>
+                    </a:p>
+                  </a:txBody>
+                  <a:tcPr anchor="ctr"/>
+                </a:tc>
+                <a:tc>
+                  <a:txBody>
+                    <a:bodyPr/>
+                    <a:lstStyle/>
+                    <a:p>
+                      <a:pPr algn="ctr"/>
+                      <a:r>
+                        <a:rPr lang="zh-CN" altLang="en-US" sz="1400" dirty="0"/>
+                        <a:t>想象次数</a:t>
+                      </a:r>
+                    </a:p>
+                  </a:txBody>
+                  <a:tcPr anchor="ctr"/>
+                </a:tc>
+                <a:extLst>
+                  <a:ext uri="{0D108BD9-81ED-4DB2-BD59-A6C34878D82A}">
+                    <a16:rowId xmlns:a16="http://schemas.microsoft.com/office/drawing/2014/main" val="4265954373"/>
+                  </a:ext>
+                </a:extLst>
+              </a:tr>
+              <a:tr h="298909">
+                <a:tc>
+                  <a:txBody>
+                    <a:bodyPr/>
+                    <a:lstStyle/>
+                    <a:p>
+                      <a:pPr algn="ctr"/>
+                      <a:r>
+                        <a:rPr lang="en-US" altLang="zh-CN" sz="1400" dirty="0"/>
+                        <a:t>SESSIONID</a:t>
+                      </a:r>
+                      <a:endParaRPr lang="zh-CN" altLang="en-US" sz="1400" dirty="0"/>
+                    </a:p>
+                  </a:txBody>
+                  <a:tcPr anchor="ctr"/>
+                </a:tc>
+                <a:tc>
+                  <a:txBody>
+                    <a:bodyPr/>
+                    <a:lstStyle/>
+                    <a:p>
+                      <a:pPr algn="ctr"/>
+                      <a:r>
+                        <a:rPr lang="zh-CN" altLang="en-US" sz="1400" dirty="0"/>
+                        <a:t>动作类型</a:t>
+                      </a:r>
+                    </a:p>
+                  </a:txBody>
+                  <a:tcPr anchor="ctr"/>
+                </a:tc>
+                <a:extLst>
+                  <a:ext uri="{0D108BD9-81ED-4DB2-BD59-A6C34878D82A}">
+                    <a16:rowId xmlns:a16="http://schemas.microsoft.com/office/drawing/2014/main" val="1965015625"/>
+                  </a:ext>
+                </a:extLst>
+              </a:tr>
+              <a:tr h="298909">
+                <a:tc>
+                  <a:txBody>
+                    <a:bodyPr/>
+                    <a:lstStyle/>
+                    <a:p>
+                      <a:pPr algn="ctr"/>
+                      <a:endParaRPr lang="zh-CN" altLang="en-US" sz="1400" dirty="0"/>
+                    </a:p>
+                  </a:txBody>
+                  <a:tcPr anchor="ctr"/>
+                </a:tc>
+                <a:tc>
+                  <a:txBody>
+                    <a:bodyPr/>
+                    <a:lstStyle/>
+                    <a:p>
+                      <a:pPr algn="ctr"/>
+                      <a:r>
+                        <a:rPr lang="zh-CN" altLang="en-US" sz="1400" dirty="0"/>
+                        <a:t>实验组次</a:t>
+                      </a:r>
+                    </a:p>
+                  </a:txBody>
+                  <a:tcPr anchor="ctr"/>
+                </a:tc>
+                <a:extLst>
+                  <a:ext uri="{0D108BD9-81ED-4DB2-BD59-A6C34878D82A}">
+                    <a16:rowId xmlns:a16="http://schemas.microsoft.com/office/drawing/2014/main" val="1989044876"/>
+                  </a:ext>
+                </a:extLst>
+              </a:tr>
+            </a:tbl>
+          </a:graphicData>
+        </a:graphic>
+      </p:graphicFrame>
+      <p:graphicFrame>
+        <p:nvGraphicFramePr>
+          <p:cNvPr id="30" name="Table 2">
+            <a:extLst>
+              <a:ext uri="{FF2B5EF4-FFF2-40B4-BE49-F238E27FC236}">
+                <a16:creationId xmlns:a16="http://schemas.microsoft.com/office/drawing/2014/main" id="{1B3A220F-653D-4BF0-80B4-7F8AA2650624}"/>
+              </a:ext>
+            </a:extLst>
+          </p:cNvPr>
+          <p:cNvGraphicFramePr>
+            <a:graphicFrameLocks noGrp="1"/>
+          </p:cNvGraphicFramePr>
+          <p:nvPr>
+            <p:extLst>
+              <p:ext uri="{D42A27DB-BD31-4B8C-83A1-F6EECF244321}">
+                <p14:modId xmlns:p14="http://schemas.microsoft.com/office/powerpoint/2010/main" val="1104777837"/>
+              </p:ext>
+            </p:extLst>
+          </p:nvPr>
+        </p:nvGraphicFramePr>
+        <p:xfrm>
+          <a:off x="137159" y="5045893"/>
+          <a:ext cx="2566778" cy="1219200"/>
+        </p:xfrm>
+        <a:graphic>
+          <a:graphicData uri="http://schemas.openxmlformats.org/drawingml/2006/table">
+            <a:tbl>
+              <a:tblPr firstRow="1" bandRow="1">
+                <a:tableStyleId>{5FD0F851-EC5A-4D38-B0AD-8093EC10F338}</a:tableStyleId>
+              </a:tblPr>
+              <a:tblGrid>
+                <a:gridCol w="1283389">
+                  <a:extLst>
+                    <a:ext uri="{9D8B030D-6E8A-4147-A177-3AD203B41FA5}">
+                      <a16:colId xmlns:a16="http://schemas.microsoft.com/office/drawing/2014/main" val="1705216484"/>
+                    </a:ext>
+                  </a:extLst>
+                </a:gridCol>
+                <a:gridCol w="1283389">
+                  <a:extLst>
+                    <a:ext uri="{9D8B030D-6E8A-4147-A177-3AD203B41FA5}">
+                      <a16:colId xmlns:a16="http://schemas.microsoft.com/office/drawing/2014/main" val="3733953455"/>
+                    </a:ext>
+                  </a:extLst>
+                </a:gridCol>
+              </a:tblGrid>
+              <a:tr h="264150">
+                <a:tc>
+                  <a:txBody>
+                    <a:bodyPr/>
+                    <a:lstStyle/>
+                    <a:p>
+                      <a:pPr algn="ctr"/>
+                      <a:r>
+                        <a:rPr lang="zh-CN" altLang="en-US" sz="1400" dirty="0"/>
+                        <a:t>实验信息</a:t>
+                      </a:r>
+                    </a:p>
+                  </a:txBody>
+                  <a:tcPr anchor="ctr"/>
+                </a:tc>
+                <a:tc>
+                  <a:txBody>
+                    <a:bodyPr/>
+                    <a:lstStyle/>
+                    <a:p>
+                      <a:pPr algn="ctr"/>
+                      <a:r>
+                        <a:rPr lang="zh-CN" altLang="en-US" sz="1400" dirty="0"/>
+                        <a:t>动作参数</a:t>
+                      </a:r>
+                    </a:p>
+                  </a:txBody>
+                  <a:tcPr anchor="ctr"/>
+                </a:tc>
+                <a:extLst>
+                  <a:ext uri="{0D108BD9-81ED-4DB2-BD59-A6C34878D82A}">
+                    <a16:rowId xmlns:a16="http://schemas.microsoft.com/office/drawing/2014/main" val="4192788905"/>
+                  </a:ext>
+                </a:extLst>
+              </a:tr>
+              <a:tr h="264150">
+                <a:tc>
+                  <a:txBody>
+                    <a:bodyPr/>
+                    <a:lstStyle/>
+                    <a:p>
+                      <a:pPr marL="0" marR="0" lvl="0" indent="0" algn="ctr" defTabSz="914400" rtl="0" eaLnBrk="1" fontAlgn="auto" latinLnBrk="0" hangingPunct="1">
+                        <a:lnSpc>
+                          <a:spcPct val="100000"/>
+                        </a:lnSpc>
+                        <a:spcBef>
+                          <a:spcPts val="0"/>
+                        </a:spcBef>
+                        <a:spcAft>
+                          <a:spcPts val="0"/>
+                        </a:spcAft>
+                        <a:buClrTx/>
+                        <a:buSzTx/>
+                        <a:buFontTx/>
+                        <a:buNone/>
+                        <a:tabLst/>
+                        <a:defRPr/>
+                      </a:pPr>
+                      <a:r>
+                        <a:rPr lang="zh-CN" altLang="en-US" sz="1400" dirty="0"/>
+                        <a:t>模型路径</a:t>
+                      </a:r>
+                    </a:p>
+                  </a:txBody>
+                  <a:tcPr anchor="ctr"/>
+                </a:tc>
+                <a:tc>
+                  <a:txBody>
+                    <a:bodyPr/>
+                    <a:lstStyle/>
+                    <a:p>
+                      <a:pPr algn="ctr"/>
+                      <a:r>
+                        <a:rPr lang="zh-CN" altLang="en-US" sz="1400" dirty="0"/>
+                        <a:t>想象次数</a:t>
+                      </a:r>
+                    </a:p>
+                  </a:txBody>
+                  <a:tcPr anchor="ctr"/>
+                </a:tc>
+                <a:extLst>
+                  <a:ext uri="{0D108BD9-81ED-4DB2-BD59-A6C34878D82A}">
+                    <a16:rowId xmlns:a16="http://schemas.microsoft.com/office/drawing/2014/main" val="4265954373"/>
+                  </a:ext>
+                </a:extLst>
+              </a:tr>
+              <a:tr h="264150">
+                <a:tc>
+                  <a:txBody>
+                    <a:bodyPr/>
+                    <a:lstStyle/>
+                    <a:p>
+                      <a:pPr algn="ctr"/>
+                      <a:endParaRPr lang="zh-CN" altLang="en-US" sz="1400" dirty="0"/>
+                    </a:p>
+                  </a:txBody>
+                  <a:tcPr anchor="ctr"/>
+                </a:tc>
+                <a:tc>
+                  <a:txBody>
+                    <a:bodyPr/>
+                    <a:lstStyle/>
+                    <a:p>
+                      <a:pPr algn="ctr"/>
+                      <a:r>
+                        <a:rPr lang="zh-CN" altLang="en-US" sz="1400" dirty="0"/>
+                        <a:t>动作类型</a:t>
+                      </a:r>
+                    </a:p>
+                  </a:txBody>
+                  <a:tcPr anchor="ctr"/>
+                </a:tc>
+                <a:extLst>
+                  <a:ext uri="{0D108BD9-81ED-4DB2-BD59-A6C34878D82A}">
+                    <a16:rowId xmlns:a16="http://schemas.microsoft.com/office/drawing/2014/main" val="1965015625"/>
+                  </a:ext>
+                </a:extLst>
+              </a:tr>
+              <a:tr h="264150">
+                <a:tc>
+                  <a:txBody>
+                    <a:bodyPr/>
+                    <a:lstStyle/>
+                    <a:p>
+                      <a:pPr algn="ctr"/>
+                      <a:endParaRPr lang="zh-CN" altLang="en-US" sz="1400" dirty="0"/>
+                    </a:p>
+                  </a:txBody>
+                  <a:tcPr anchor="ctr"/>
+                </a:tc>
+                <a:tc>
+                  <a:txBody>
+                    <a:bodyPr/>
+                    <a:lstStyle/>
+                    <a:p>
+                      <a:pPr algn="ctr"/>
+                      <a:r>
+                        <a:rPr lang="zh-CN" altLang="en-US" sz="1400" dirty="0"/>
+                        <a:t>暂停时间</a:t>
+                      </a:r>
+                    </a:p>
+                  </a:txBody>
+                  <a:tcPr anchor="ctr"/>
+                </a:tc>
+                <a:extLst>
+                  <a:ext uri="{0D108BD9-81ED-4DB2-BD59-A6C34878D82A}">
+                    <a16:rowId xmlns:a16="http://schemas.microsoft.com/office/drawing/2014/main" val="1989044876"/>
+                  </a:ext>
+                </a:extLst>
+              </a:tr>
+            </a:tbl>
+          </a:graphicData>
+        </a:graphic>
+      </p:graphicFrame>
+      <p:graphicFrame>
+        <p:nvGraphicFramePr>
+          <p:cNvPr id="31" name="Table 2">
+            <a:extLst>
+              <a:ext uri="{FF2B5EF4-FFF2-40B4-BE49-F238E27FC236}">
+                <a16:creationId xmlns:a16="http://schemas.microsoft.com/office/drawing/2014/main" id="{6ACE705B-80F4-4272-817B-EA7F126DB607}"/>
+              </a:ext>
+            </a:extLst>
+          </p:cNvPr>
+          <p:cNvGraphicFramePr>
+            <a:graphicFrameLocks noGrp="1"/>
+          </p:cNvGraphicFramePr>
+          <p:nvPr>
+            <p:extLst>
+              <p:ext uri="{D42A27DB-BD31-4B8C-83A1-F6EECF244321}">
+                <p14:modId xmlns:p14="http://schemas.microsoft.com/office/powerpoint/2010/main" val="1572143059"/>
+              </p:ext>
+            </p:extLst>
+          </p:nvPr>
+        </p:nvGraphicFramePr>
+        <p:xfrm>
+          <a:off x="1427583" y="2557257"/>
+          <a:ext cx="1276354" cy="609600"/>
+        </p:xfrm>
+        <a:graphic>
+          <a:graphicData uri="http://schemas.openxmlformats.org/drawingml/2006/table">
+            <a:tbl>
+              <a:tblPr firstRow="1" bandRow="1">
+                <a:tableStyleId>{5FD0F851-EC5A-4D38-B0AD-8093EC10F338}</a:tableStyleId>
+              </a:tblPr>
+              <a:tblGrid>
+                <a:gridCol w="1276354">
+                  <a:extLst>
+                    <a:ext uri="{9D8B030D-6E8A-4147-A177-3AD203B41FA5}">
+                      <a16:colId xmlns:a16="http://schemas.microsoft.com/office/drawing/2014/main" val="1705216484"/>
+                    </a:ext>
+                  </a:extLst>
+                </a:gridCol>
+              </a:tblGrid>
+              <a:tr h="264150">
+                <a:tc>
+                  <a:txBody>
+                    <a:bodyPr/>
+                    <a:lstStyle/>
+                    <a:p>
+                      <a:pPr algn="ctr"/>
+                      <a:r>
+                        <a:rPr lang="zh-CN" altLang="en-US" sz="1400" dirty="0"/>
+                        <a:t>实验信息</a:t>
+                      </a:r>
+                    </a:p>
+                  </a:txBody>
+                  <a:tcPr anchor="ctr"/>
+                </a:tc>
+                <a:extLst>
+                  <a:ext uri="{0D108BD9-81ED-4DB2-BD59-A6C34878D82A}">
+                    <a16:rowId xmlns:a16="http://schemas.microsoft.com/office/drawing/2014/main" val="4192788905"/>
+                  </a:ext>
+                </a:extLst>
+              </a:tr>
+              <a:tr h="248194">
+                <a:tc>
+                  <a:txBody>
+                    <a:bodyPr/>
+                    <a:lstStyle/>
+                    <a:p>
+                      <a:pPr algn="ctr"/>
+                      <a:r>
+                        <a:rPr lang="zh-CN" altLang="en-US" sz="1400" dirty="0"/>
+                        <a:t>数据路径</a:t>
+                      </a:r>
+                    </a:p>
+                  </a:txBody>
+                  <a:tcPr anchor="ctr"/>
+                </a:tc>
+                <a:extLst>
+                  <a:ext uri="{0D108BD9-81ED-4DB2-BD59-A6C34878D82A}">
+                    <a16:rowId xmlns:a16="http://schemas.microsoft.com/office/drawing/2014/main" val="4265954373"/>
+                  </a:ext>
+                </a:extLst>
+              </a:tr>
+            </a:tbl>
+          </a:graphicData>
+        </a:graphic>
+      </p:graphicFrame>
+      <p:graphicFrame>
+        <p:nvGraphicFramePr>
+          <p:cNvPr id="32" name="Table 2">
+            <a:extLst>
+              <a:ext uri="{FF2B5EF4-FFF2-40B4-BE49-F238E27FC236}">
+                <a16:creationId xmlns:a16="http://schemas.microsoft.com/office/drawing/2014/main" id="{5210BD6C-3303-4237-9537-ECC4B5E529A7}"/>
+              </a:ext>
+            </a:extLst>
+          </p:cNvPr>
+          <p:cNvGraphicFramePr>
+            <a:graphicFrameLocks noGrp="1"/>
+          </p:cNvGraphicFramePr>
+          <p:nvPr>
+            <p:extLst>
+              <p:ext uri="{D42A27DB-BD31-4B8C-83A1-F6EECF244321}">
+                <p14:modId xmlns:p14="http://schemas.microsoft.com/office/powerpoint/2010/main" val="2233577407"/>
+              </p:ext>
+            </p:extLst>
+          </p:nvPr>
+        </p:nvGraphicFramePr>
+        <p:xfrm>
+          <a:off x="4133087" y="3396603"/>
+          <a:ext cx="2468882" cy="609600"/>
+        </p:xfrm>
+        <a:graphic>
+          <a:graphicData uri="http://schemas.openxmlformats.org/drawingml/2006/table">
+            <a:tbl>
+              <a:tblPr firstRow="1" bandRow="1">
+                <a:tableStyleId>{68D230F3-CF80-4859-8CE7-A43EE81993B5}</a:tableStyleId>
+              </a:tblPr>
+              <a:tblGrid>
+                <a:gridCol w="1234441">
+                  <a:extLst>
+                    <a:ext uri="{9D8B030D-6E8A-4147-A177-3AD203B41FA5}">
+                      <a16:colId xmlns:a16="http://schemas.microsoft.com/office/drawing/2014/main" val="1705216484"/>
+                    </a:ext>
+                  </a:extLst>
+                </a:gridCol>
+                <a:gridCol w="1234441">
+                  <a:extLst>
+                    <a:ext uri="{9D8B030D-6E8A-4147-A177-3AD203B41FA5}">
+                      <a16:colId xmlns:a16="http://schemas.microsoft.com/office/drawing/2014/main" val="3733953455"/>
+                    </a:ext>
+                  </a:extLst>
+                </a:gridCol>
+              </a:tblGrid>
+              <a:tr h="264150">
+                <a:tc>
+                  <a:txBody>
+                    <a:bodyPr/>
+                    <a:lstStyle/>
+                    <a:p>
+                      <a:pPr algn="ctr"/>
+                      <a:r>
+                        <a:rPr lang="zh-CN" altLang="en-US" sz="1400" dirty="0"/>
+                        <a:t>实验信息</a:t>
+                      </a:r>
+                    </a:p>
+                  </a:txBody>
+                  <a:tcPr anchor="ctr"/>
+                </a:tc>
+                <a:tc>
+                  <a:txBody>
+                    <a:bodyPr/>
+                    <a:lstStyle/>
+                    <a:p>
+                      <a:pPr algn="ctr"/>
+                      <a:r>
+                        <a:rPr lang="zh-CN" altLang="en-US" sz="1400" dirty="0"/>
+                        <a:t>计算参数</a:t>
+                      </a:r>
+                    </a:p>
+                  </a:txBody>
+                  <a:tcPr anchor="ctr"/>
+                </a:tc>
+                <a:extLst>
+                  <a:ext uri="{0D108BD9-81ED-4DB2-BD59-A6C34878D82A}">
+                    <a16:rowId xmlns:a16="http://schemas.microsoft.com/office/drawing/2014/main" val="4192788905"/>
+                  </a:ext>
+                </a:extLst>
+              </a:tr>
+              <a:tr h="264150">
+                <a:tc>
+                  <a:txBody>
+                    <a:bodyPr/>
+                    <a:lstStyle/>
+                    <a:p>
+                      <a:pPr marL="0" marR="0" lvl="0" indent="0" algn="ctr" defTabSz="914400" rtl="0" eaLnBrk="1" fontAlgn="auto" latinLnBrk="0" hangingPunct="1">
+                        <a:lnSpc>
+                          <a:spcPct val="100000"/>
+                        </a:lnSpc>
+                        <a:spcBef>
+                          <a:spcPts val="0"/>
+                        </a:spcBef>
+                        <a:spcAft>
+                          <a:spcPts val="0"/>
+                        </a:spcAft>
+                        <a:buClrTx/>
+                        <a:buSzTx/>
+                        <a:buFontTx/>
+                        <a:buNone/>
+                        <a:tabLst/>
+                        <a:defRPr/>
+                      </a:pPr>
+                      <a:r>
+                        <a:rPr lang="zh-CN" altLang="en-US" sz="1400" dirty="0"/>
+                        <a:t>模型路径</a:t>
+                      </a:r>
+                    </a:p>
+                  </a:txBody>
+                  <a:tcPr anchor="ctr"/>
+                </a:tc>
+                <a:tc>
+                  <a:txBody>
+                    <a:bodyPr/>
+                    <a:lstStyle/>
+                    <a:p>
+                      <a:pPr algn="ctr"/>
+                      <a:r>
+                        <a:rPr lang="zh-CN" altLang="en-US" sz="1400" dirty="0"/>
+                        <a:t>准确率</a:t>
+                      </a:r>
+                    </a:p>
+                  </a:txBody>
+                  <a:tcPr anchor="ctr"/>
+                </a:tc>
+                <a:extLst>
+                  <a:ext uri="{0D108BD9-81ED-4DB2-BD59-A6C34878D82A}">
+                    <a16:rowId xmlns:a16="http://schemas.microsoft.com/office/drawing/2014/main" val="4265954373"/>
+                  </a:ext>
+                </a:extLst>
+              </a:tr>
+            </a:tbl>
+          </a:graphicData>
+        </a:graphic>
+      </p:graphicFrame>
+      <p:sp>
+        <p:nvSpPr>
+          <p:cNvPr id="33" name="Arrow: Right 32">
+            <a:extLst>
+              <a:ext uri="{FF2B5EF4-FFF2-40B4-BE49-F238E27FC236}">
+                <a16:creationId xmlns:a16="http://schemas.microsoft.com/office/drawing/2014/main" id="{5BB16007-DF1E-4CCD-A5EE-AFC286E262F9}"/>
+              </a:ext>
+            </a:extLst>
+          </p:cNvPr>
+          <p:cNvSpPr/>
+          <p:nvPr/>
+        </p:nvSpPr>
+        <p:spPr>
+          <a:xfrm>
+            <a:off x="2703936" y="5330675"/>
+            <a:ext cx="1429151" cy="649635"/>
+          </a:xfrm>
+          <a:prstGeom prst="rightArrow">
+            <a:avLst/>
+          </a:prstGeom>
+        </p:spPr>
+        <p:style>
+          <a:lnRef idx="1">
+            <a:schemeClr val="accent3"/>
+          </a:lnRef>
+          <a:fillRef idx="2">
+            <a:schemeClr val="accent3"/>
+          </a:fillRef>
+          <a:effectRef idx="1">
+            <a:schemeClr val="accent3"/>
+          </a:effectRef>
+          <a:fontRef idx="minor">
+            <a:schemeClr val="dk1"/>
+          </a:fontRef>
+        </p:style>
+        <p:txBody>
+          <a:bodyPr rtlCol="0" anchor="ctr"/>
+          <a:lstStyle/>
+          <a:p>
+            <a:pPr algn="ctr"/>
+            <a:r>
+              <a:rPr lang="zh-CN" altLang="en-US" sz="1400" dirty="0"/>
+              <a:t>开始在线采集</a:t>
+            </a:r>
+          </a:p>
+        </p:txBody>
+      </p:sp>
+      <p:graphicFrame>
+        <p:nvGraphicFramePr>
+          <p:cNvPr id="34" name="Table 2">
+            <a:extLst>
+              <a:ext uri="{FF2B5EF4-FFF2-40B4-BE49-F238E27FC236}">
+                <a16:creationId xmlns:a16="http://schemas.microsoft.com/office/drawing/2014/main" id="{EC7CA713-A208-4A65-8DF2-2EF20BFB8B7F}"/>
+              </a:ext>
+            </a:extLst>
+          </p:cNvPr>
+          <p:cNvGraphicFramePr>
+            <a:graphicFrameLocks noGrp="1"/>
+          </p:cNvGraphicFramePr>
+          <p:nvPr>
+            <p:extLst>
+              <p:ext uri="{D42A27DB-BD31-4B8C-83A1-F6EECF244321}">
+                <p14:modId xmlns:p14="http://schemas.microsoft.com/office/powerpoint/2010/main" val="2548321816"/>
+              </p:ext>
+            </p:extLst>
+          </p:nvPr>
+        </p:nvGraphicFramePr>
+        <p:xfrm>
+          <a:off x="7333755" y="1348678"/>
+          <a:ext cx="1283389" cy="914400"/>
+        </p:xfrm>
+        <a:graphic>
+          <a:graphicData uri="http://schemas.openxmlformats.org/drawingml/2006/table">
+            <a:tbl>
+              <a:tblPr firstRow="1" bandRow="1">
+                <a:tableStyleId>{68D230F3-CF80-4859-8CE7-A43EE81993B5}</a:tableStyleId>
+              </a:tblPr>
+              <a:tblGrid>
+                <a:gridCol w="1283389">
+                  <a:extLst>
+                    <a:ext uri="{9D8B030D-6E8A-4147-A177-3AD203B41FA5}">
+                      <a16:colId xmlns:a16="http://schemas.microsoft.com/office/drawing/2014/main" val="3733953455"/>
+                    </a:ext>
+                  </a:extLst>
+                </a:gridCol>
+              </a:tblGrid>
+              <a:tr h="298909">
+                <a:tc>
+                  <a:txBody>
+                    <a:bodyPr/>
+                    <a:lstStyle/>
+                    <a:p>
+                      <a:pPr algn="ctr"/>
+                      <a:r>
+                        <a:rPr lang="zh-CN" altLang="en-US" sz="1400" dirty="0"/>
+                        <a:t>实验信息</a:t>
+                      </a:r>
+                    </a:p>
+                  </a:txBody>
+                  <a:tcPr anchor="ctr"/>
+                </a:tc>
+                <a:extLst>
+                  <a:ext uri="{0D108BD9-81ED-4DB2-BD59-A6C34878D82A}">
+                    <a16:rowId xmlns:a16="http://schemas.microsoft.com/office/drawing/2014/main" val="4192788905"/>
+                  </a:ext>
+                </a:extLst>
+              </a:tr>
+              <a:tr h="298909">
+                <a:tc>
+                  <a:txBody>
+                    <a:bodyPr/>
+                    <a:lstStyle/>
+                    <a:p>
+                      <a:pPr algn="ctr"/>
+                      <a:r>
+                        <a:rPr lang="en-US" altLang="zh-CN" sz="1400" dirty="0"/>
+                        <a:t>SUBJECTID</a:t>
+                      </a:r>
+                      <a:endParaRPr lang="zh-CN" altLang="en-US" sz="1400" dirty="0"/>
+                    </a:p>
+                  </a:txBody>
+                  <a:tcPr anchor="ctr"/>
+                </a:tc>
+                <a:extLst>
+                  <a:ext uri="{0D108BD9-81ED-4DB2-BD59-A6C34878D82A}">
+                    <a16:rowId xmlns:a16="http://schemas.microsoft.com/office/drawing/2014/main" val="4265954373"/>
+                  </a:ext>
+                </a:extLst>
+              </a:tr>
+              <a:tr h="298909">
+                <a:tc>
+                  <a:txBody>
+                    <a:bodyPr/>
+                    <a:lstStyle/>
+                    <a:p>
+                      <a:pPr algn="ctr"/>
+                      <a:r>
+                        <a:rPr lang="en-US" altLang="zh-CN" sz="1400" dirty="0"/>
+                        <a:t>SESSIONID</a:t>
+                      </a:r>
+                      <a:endParaRPr lang="zh-CN" altLang="en-US" sz="1400" dirty="0"/>
+                    </a:p>
+                  </a:txBody>
+                  <a:tcPr anchor="ctr"/>
+                </a:tc>
+                <a:extLst>
+                  <a:ext uri="{0D108BD9-81ED-4DB2-BD59-A6C34878D82A}">
+                    <a16:rowId xmlns:a16="http://schemas.microsoft.com/office/drawing/2014/main" val="1965015625"/>
+                  </a:ext>
+                </a:extLst>
+              </a:tr>
+            </a:tbl>
+          </a:graphicData>
+        </a:graphic>
+      </p:graphicFrame>
+      <p:graphicFrame>
+        <p:nvGraphicFramePr>
+          <p:cNvPr id="35" name="Table 2">
+            <a:extLst>
+              <a:ext uri="{FF2B5EF4-FFF2-40B4-BE49-F238E27FC236}">
+                <a16:creationId xmlns:a16="http://schemas.microsoft.com/office/drawing/2014/main" id="{2038E28A-6B34-4049-8A0E-75FB0FB18ED7}"/>
+              </a:ext>
+            </a:extLst>
+          </p:cNvPr>
+          <p:cNvGraphicFramePr>
+            <a:graphicFrameLocks noGrp="1"/>
+          </p:cNvGraphicFramePr>
+          <p:nvPr>
+            <p:extLst>
+              <p:ext uri="{D42A27DB-BD31-4B8C-83A1-F6EECF244321}">
+                <p14:modId xmlns:p14="http://schemas.microsoft.com/office/powerpoint/2010/main" val="1873344301"/>
+              </p:ext>
+            </p:extLst>
+          </p:nvPr>
+        </p:nvGraphicFramePr>
+        <p:xfrm>
+          <a:off x="7333755" y="5030329"/>
+          <a:ext cx="1283389" cy="1219200"/>
+        </p:xfrm>
+        <a:graphic>
+          <a:graphicData uri="http://schemas.openxmlformats.org/drawingml/2006/table">
+            <a:tbl>
+              <a:tblPr firstRow="1" bandRow="1">
+                <a:tableStyleId>{68D230F3-CF80-4859-8CE7-A43EE81993B5}</a:tableStyleId>
+              </a:tblPr>
+              <a:tblGrid>
+                <a:gridCol w="1283389">
+                  <a:extLst>
+                    <a:ext uri="{9D8B030D-6E8A-4147-A177-3AD203B41FA5}">
+                      <a16:colId xmlns:a16="http://schemas.microsoft.com/office/drawing/2014/main" val="3733953455"/>
+                    </a:ext>
+                  </a:extLst>
+                </a:gridCol>
+              </a:tblGrid>
+              <a:tr h="264150">
+                <a:tc>
+                  <a:txBody>
+                    <a:bodyPr/>
+                    <a:lstStyle/>
+                    <a:p>
+                      <a:pPr algn="ctr"/>
+                      <a:r>
+                        <a:rPr lang="zh-CN" altLang="en-US" sz="1400" dirty="0"/>
+                        <a:t>动作参数</a:t>
+                      </a:r>
+                    </a:p>
+                  </a:txBody>
+                  <a:tcPr anchor="ctr"/>
+                </a:tc>
+                <a:extLst>
+                  <a:ext uri="{0D108BD9-81ED-4DB2-BD59-A6C34878D82A}">
+                    <a16:rowId xmlns:a16="http://schemas.microsoft.com/office/drawing/2014/main" val="4192788905"/>
+                  </a:ext>
+                </a:extLst>
+              </a:tr>
+              <a:tr h="264150">
+                <a:tc>
+                  <a:txBody>
+                    <a:bodyPr/>
+                    <a:lstStyle/>
+                    <a:p>
+                      <a:pPr algn="ctr"/>
+                      <a:r>
+                        <a:rPr lang="zh-CN" altLang="en-US" sz="1400" dirty="0"/>
+                        <a:t>想象次数</a:t>
+                      </a:r>
+                    </a:p>
+                  </a:txBody>
+                  <a:tcPr anchor="ctr"/>
+                </a:tc>
+                <a:extLst>
+                  <a:ext uri="{0D108BD9-81ED-4DB2-BD59-A6C34878D82A}">
+                    <a16:rowId xmlns:a16="http://schemas.microsoft.com/office/drawing/2014/main" val="4265954373"/>
+                  </a:ext>
+                </a:extLst>
+              </a:tr>
+              <a:tr h="264150">
+                <a:tc>
+                  <a:txBody>
+                    <a:bodyPr/>
+                    <a:lstStyle/>
+                    <a:p>
+                      <a:pPr algn="ctr"/>
+                      <a:r>
+                        <a:rPr lang="zh-CN" altLang="en-US" sz="1400" dirty="0"/>
+                        <a:t>动作类型</a:t>
+                      </a:r>
+                    </a:p>
+                  </a:txBody>
+                  <a:tcPr anchor="ctr"/>
+                </a:tc>
+                <a:extLst>
+                  <a:ext uri="{0D108BD9-81ED-4DB2-BD59-A6C34878D82A}">
+                    <a16:rowId xmlns:a16="http://schemas.microsoft.com/office/drawing/2014/main" val="1965015625"/>
+                  </a:ext>
+                </a:extLst>
+              </a:tr>
+              <a:tr h="264150">
+                <a:tc>
+                  <a:txBody>
+                    <a:bodyPr/>
+                    <a:lstStyle/>
+                    <a:p>
+                      <a:pPr algn="ctr"/>
+                      <a:r>
+                        <a:rPr lang="zh-CN" altLang="en-US" sz="1400" dirty="0"/>
+                        <a:t>暂停时间</a:t>
+                      </a:r>
+                    </a:p>
+                  </a:txBody>
+                  <a:tcPr anchor="ctr"/>
+                </a:tc>
+                <a:extLst>
+                  <a:ext uri="{0D108BD9-81ED-4DB2-BD59-A6C34878D82A}">
+                    <a16:rowId xmlns:a16="http://schemas.microsoft.com/office/drawing/2014/main" val="1989044876"/>
+                  </a:ext>
+                </a:extLst>
+              </a:tr>
+            </a:tbl>
+          </a:graphicData>
+        </a:graphic>
+      </p:graphicFrame>
+      <p:sp>
+        <p:nvSpPr>
+          <p:cNvPr id="36" name="Arrow: Right 35">
+            <a:extLst>
+              <a:ext uri="{FF2B5EF4-FFF2-40B4-BE49-F238E27FC236}">
+                <a16:creationId xmlns:a16="http://schemas.microsoft.com/office/drawing/2014/main" id="{02AF2B33-2938-4FEC-8E01-BB6675D5BF31}"/>
+              </a:ext>
+            </a:extLst>
+          </p:cNvPr>
+          <p:cNvSpPr/>
+          <p:nvPr/>
+        </p:nvSpPr>
+        <p:spPr>
+          <a:xfrm>
+            <a:off x="8617144" y="5267847"/>
+            <a:ext cx="1429151" cy="649635"/>
+          </a:xfrm>
+          <a:prstGeom prst="rightArrow">
+            <a:avLst/>
+          </a:prstGeom>
+        </p:spPr>
+        <p:style>
+          <a:lnRef idx="1">
+            <a:schemeClr val="accent3"/>
+          </a:lnRef>
+          <a:fillRef idx="2">
+            <a:schemeClr val="accent3"/>
+          </a:fillRef>
+          <a:effectRef idx="1">
+            <a:schemeClr val="accent3"/>
+          </a:effectRef>
+          <a:fontRef idx="minor">
+            <a:schemeClr val="dk1"/>
+          </a:fontRef>
+        </p:style>
+        <p:txBody>
+          <a:bodyPr rtlCol="0" anchor="ctr"/>
+          <a:lstStyle/>
+          <a:p>
+            <a:pPr algn="ctr"/>
+            <a:r>
+              <a:rPr lang="zh-CN" altLang="en-US" sz="1400" dirty="0"/>
+              <a:t>开始在线显示</a:t>
+            </a:r>
+          </a:p>
+        </p:txBody>
+      </p:sp>
+      <p:graphicFrame>
+        <p:nvGraphicFramePr>
+          <p:cNvPr id="37" name="Table 2">
+            <a:extLst>
+              <a:ext uri="{FF2B5EF4-FFF2-40B4-BE49-F238E27FC236}">
+                <a16:creationId xmlns:a16="http://schemas.microsoft.com/office/drawing/2014/main" id="{ACF70B53-0396-4359-AB5C-66B049CAA015}"/>
+              </a:ext>
+            </a:extLst>
+          </p:cNvPr>
+          <p:cNvGraphicFramePr>
+            <a:graphicFrameLocks noGrp="1"/>
+          </p:cNvGraphicFramePr>
+          <p:nvPr>
+            <p:extLst>
+              <p:ext uri="{D42A27DB-BD31-4B8C-83A1-F6EECF244321}">
+                <p14:modId xmlns:p14="http://schemas.microsoft.com/office/powerpoint/2010/main" val="1699819086"/>
+              </p:ext>
+            </p:extLst>
+          </p:nvPr>
+        </p:nvGraphicFramePr>
+        <p:xfrm>
+          <a:off x="7338531" y="2554209"/>
+          <a:ext cx="1278613" cy="609600"/>
+        </p:xfrm>
+        <a:graphic>
+          <a:graphicData uri="http://schemas.openxmlformats.org/drawingml/2006/table">
+            <a:tbl>
+              <a:tblPr firstRow="1" bandRow="1">
+                <a:tableStyleId>{68D230F3-CF80-4859-8CE7-A43EE81993B5}</a:tableStyleId>
+              </a:tblPr>
+              <a:tblGrid>
+                <a:gridCol w="1278613">
+                  <a:extLst>
+                    <a:ext uri="{9D8B030D-6E8A-4147-A177-3AD203B41FA5}">
+                      <a16:colId xmlns:a16="http://schemas.microsoft.com/office/drawing/2014/main" val="1705216484"/>
+                    </a:ext>
+                  </a:extLst>
+                </a:gridCol>
+              </a:tblGrid>
+              <a:tr h="264150">
+                <a:tc>
+                  <a:txBody>
+                    <a:bodyPr/>
+                    <a:lstStyle/>
+                    <a:p>
+                      <a:pPr algn="ctr"/>
+                      <a:r>
+                        <a:rPr lang="zh-CN" altLang="en-US" sz="1400" dirty="0"/>
+                        <a:t>实验信息</a:t>
+                      </a:r>
+                    </a:p>
+                  </a:txBody>
+                  <a:tcPr anchor="ctr"/>
+                </a:tc>
+                <a:extLst>
+                  <a:ext uri="{0D108BD9-81ED-4DB2-BD59-A6C34878D82A}">
+                    <a16:rowId xmlns:a16="http://schemas.microsoft.com/office/drawing/2014/main" val="4192788905"/>
+                  </a:ext>
+                </a:extLst>
+              </a:tr>
+              <a:tr h="264150">
+                <a:tc>
+                  <a:txBody>
+                    <a:bodyPr/>
+                    <a:lstStyle/>
+                    <a:p>
+                      <a:pPr marL="0" marR="0" lvl="0" indent="0" algn="ctr" defTabSz="914400" rtl="0" eaLnBrk="1" fontAlgn="auto" latinLnBrk="0" hangingPunct="1">
+                        <a:lnSpc>
+                          <a:spcPct val="100000"/>
+                        </a:lnSpc>
+                        <a:spcBef>
+                          <a:spcPts val="0"/>
+                        </a:spcBef>
+                        <a:spcAft>
+                          <a:spcPts val="0"/>
+                        </a:spcAft>
+                        <a:buClrTx/>
+                        <a:buSzTx/>
+                        <a:buFontTx/>
+                        <a:buNone/>
+                        <a:tabLst/>
+                        <a:defRPr/>
+                      </a:pPr>
+                      <a:r>
+                        <a:rPr lang="zh-CN" altLang="en-US" sz="1400" dirty="0"/>
+                        <a:t>数据路径</a:t>
+                      </a:r>
+                    </a:p>
+                  </a:txBody>
+                  <a:tcPr anchor="ctr"/>
+                </a:tc>
+                <a:extLst>
+                  <a:ext uri="{0D108BD9-81ED-4DB2-BD59-A6C34878D82A}">
+                    <a16:rowId xmlns:a16="http://schemas.microsoft.com/office/drawing/2014/main" val="4265954373"/>
+                  </a:ext>
+                </a:extLst>
+              </a:tr>
+            </a:tbl>
+          </a:graphicData>
+        </a:graphic>
+      </p:graphicFrame>
+      <p:sp>
+        <p:nvSpPr>
+          <p:cNvPr id="38" name="Arrow: Right 37">
+            <a:extLst>
+              <a:ext uri="{FF2B5EF4-FFF2-40B4-BE49-F238E27FC236}">
+                <a16:creationId xmlns:a16="http://schemas.microsoft.com/office/drawing/2014/main" id="{81E0FAC2-3B7D-4203-95EF-C82680B1F6C5}"/>
+              </a:ext>
+            </a:extLst>
+          </p:cNvPr>
+          <p:cNvSpPr/>
+          <p:nvPr/>
+        </p:nvSpPr>
+        <p:spPr>
+          <a:xfrm>
+            <a:off x="8617144" y="627996"/>
+            <a:ext cx="1429151" cy="649635"/>
+          </a:xfrm>
+          <a:prstGeom prst="rightArrow">
+            <a:avLst/>
+          </a:prstGeom>
+        </p:spPr>
+        <p:style>
+          <a:lnRef idx="1">
+            <a:schemeClr val="accent3"/>
+          </a:lnRef>
+          <a:fillRef idx="2">
+            <a:schemeClr val="accent3"/>
+          </a:fillRef>
+          <a:effectRef idx="1">
+            <a:schemeClr val="accent3"/>
+          </a:effectRef>
+          <a:fontRef idx="minor">
+            <a:schemeClr val="dk1"/>
+          </a:fontRef>
+        </p:style>
+        <p:txBody>
+          <a:bodyPr rtlCol="0" anchor="ctr"/>
+          <a:lstStyle/>
+          <a:p>
+            <a:pPr algn="ctr"/>
+            <a:r>
+              <a:rPr lang="zh-CN" altLang="en-US" sz="1400" dirty="0"/>
+              <a:t>开始离线显示</a:t>
+            </a:r>
+          </a:p>
+        </p:txBody>
+      </p:sp>
+      <p:sp>
+        <p:nvSpPr>
+          <p:cNvPr id="39" name="Oval 38">
+            <a:extLst>
+              <a:ext uri="{FF2B5EF4-FFF2-40B4-BE49-F238E27FC236}">
+                <a16:creationId xmlns:a16="http://schemas.microsoft.com/office/drawing/2014/main" id="{1FF63591-99CD-46E5-97BD-80F2B1C74BC3}"/>
+              </a:ext>
+            </a:extLst>
+          </p:cNvPr>
+          <p:cNvSpPr/>
+          <p:nvPr/>
+        </p:nvSpPr>
+        <p:spPr>
+          <a:xfrm>
+            <a:off x="10139447" y="690033"/>
+            <a:ext cx="1656313" cy="525560"/>
+          </a:xfrm>
+          <a:prstGeom prst="ellipse">
+            <a:avLst/>
+          </a:prstGeom>
+        </p:spPr>
+        <p:style>
+          <a:lnRef idx="1">
+            <a:schemeClr val="accent4"/>
+          </a:lnRef>
+          <a:fillRef idx="2">
+            <a:schemeClr val="accent4"/>
+          </a:fillRef>
+          <a:effectRef idx="1">
+            <a:schemeClr val="accent4"/>
+          </a:effectRef>
+          <a:fontRef idx="minor">
+            <a:schemeClr val="dk1"/>
+          </a:fontRef>
+        </p:style>
+        <p:txBody>
+          <a:bodyPr rtlCol="0" anchor="ctr"/>
+          <a:lstStyle/>
+          <a:p>
+            <a:pPr algn="ctr"/>
+            <a:r>
+              <a:rPr lang="zh-CN" altLang="en-US" sz="1200" dirty="0"/>
+              <a:t>显示</a:t>
+            </a:r>
+          </a:p>
+        </p:txBody>
+      </p:sp>
+      <p:sp>
+        <p:nvSpPr>
+          <p:cNvPr id="40" name="Oval 39">
+            <a:extLst>
+              <a:ext uri="{FF2B5EF4-FFF2-40B4-BE49-F238E27FC236}">
+                <a16:creationId xmlns:a16="http://schemas.microsoft.com/office/drawing/2014/main" id="{D0C16648-6567-47FE-96D6-0D870738D3C8}"/>
+              </a:ext>
+            </a:extLst>
+          </p:cNvPr>
+          <p:cNvSpPr/>
+          <p:nvPr/>
+        </p:nvSpPr>
+        <p:spPr>
+          <a:xfrm>
+            <a:off x="10139446" y="5330675"/>
+            <a:ext cx="1656313" cy="525560"/>
+          </a:xfrm>
+          <a:prstGeom prst="ellipse">
+            <a:avLst/>
+          </a:prstGeom>
+        </p:spPr>
+        <p:style>
+          <a:lnRef idx="1">
+            <a:schemeClr val="accent4"/>
+          </a:lnRef>
+          <a:fillRef idx="2">
+            <a:schemeClr val="accent4"/>
+          </a:fillRef>
+          <a:effectRef idx="1">
+            <a:schemeClr val="accent4"/>
+          </a:effectRef>
+          <a:fontRef idx="minor">
+            <a:schemeClr val="dk1"/>
+          </a:fontRef>
+        </p:style>
+        <p:txBody>
+          <a:bodyPr rtlCol="0" anchor="ctr"/>
+          <a:lstStyle/>
+          <a:p>
+            <a:pPr algn="ctr"/>
+            <a:r>
+              <a:rPr lang="zh-CN" altLang="en-US" sz="1200" dirty="0"/>
+              <a:t>显示</a:t>
+            </a:r>
+          </a:p>
+        </p:txBody>
+      </p:sp>
+      <p:sp>
+        <p:nvSpPr>
+          <p:cNvPr id="41" name="Arrow: Right 40">
+            <a:extLst>
+              <a:ext uri="{FF2B5EF4-FFF2-40B4-BE49-F238E27FC236}">
+                <a16:creationId xmlns:a16="http://schemas.microsoft.com/office/drawing/2014/main" id="{EA6F8287-8973-45B3-913A-34FFEC27416A}"/>
+              </a:ext>
+            </a:extLst>
+          </p:cNvPr>
+          <p:cNvSpPr/>
+          <p:nvPr/>
+        </p:nvSpPr>
+        <p:spPr>
+          <a:xfrm>
+            <a:off x="8617144" y="1502853"/>
+            <a:ext cx="1429151" cy="649635"/>
+          </a:xfrm>
+          <a:prstGeom prst="rightArrow">
+            <a:avLst/>
+          </a:prstGeom>
+        </p:spPr>
+        <p:style>
+          <a:lnRef idx="1">
+            <a:schemeClr val="accent3"/>
+          </a:lnRef>
+          <a:fillRef idx="2">
+            <a:schemeClr val="accent3"/>
+          </a:fillRef>
+          <a:effectRef idx="1">
+            <a:schemeClr val="accent3"/>
+          </a:effectRef>
+          <a:fontRef idx="minor">
+            <a:schemeClr val="dk1"/>
+          </a:fontRef>
+        </p:style>
+        <p:txBody>
+          <a:bodyPr rtlCol="0" anchor="ctr"/>
+          <a:lstStyle/>
+          <a:p>
+            <a:pPr algn="ctr"/>
+            <a:r>
+              <a:rPr lang="zh-CN" altLang="en-US" sz="1400" dirty="0"/>
+              <a:t>开始离线保存</a:t>
+            </a:r>
+          </a:p>
+        </p:txBody>
+      </p:sp>
+      <p:sp>
+        <p:nvSpPr>
+          <p:cNvPr id="42" name="Oval 41">
+            <a:extLst>
+              <a:ext uri="{FF2B5EF4-FFF2-40B4-BE49-F238E27FC236}">
+                <a16:creationId xmlns:a16="http://schemas.microsoft.com/office/drawing/2014/main" id="{9CA67C1B-59C2-486F-95B4-E86363339280}"/>
+              </a:ext>
+            </a:extLst>
+          </p:cNvPr>
+          <p:cNvSpPr/>
+          <p:nvPr/>
+        </p:nvSpPr>
+        <p:spPr>
+          <a:xfrm>
+            <a:off x="10139446" y="1577977"/>
+            <a:ext cx="1656313" cy="525560"/>
+          </a:xfrm>
+          <a:prstGeom prst="ellipse">
+            <a:avLst/>
+          </a:prstGeom>
+        </p:spPr>
+        <p:style>
+          <a:lnRef idx="1">
+            <a:schemeClr val="accent2"/>
+          </a:lnRef>
+          <a:fillRef idx="2">
+            <a:schemeClr val="accent2"/>
+          </a:fillRef>
+          <a:effectRef idx="1">
+            <a:schemeClr val="accent2"/>
+          </a:effectRef>
+          <a:fontRef idx="minor">
+            <a:schemeClr val="dk1"/>
+          </a:fontRef>
+        </p:style>
+        <p:txBody>
+          <a:bodyPr rtlCol="0" anchor="ctr"/>
+          <a:lstStyle/>
+          <a:p>
+            <a:pPr algn="ctr"/>
+            <a:r>
+              <a:rPr lang="zh-CN" altLang="en-US" sz="1200" dirty="0"/>
+              <a:t>保存数据</a:t>
+            </a:r>
+          </a:p>
+        </p:txBody>
+      </p:sp>
+      <p:sp>
+        <p:nvSpPr>
+          <p:cNvPr id="43" name="Arrow: Right 42">
+            <a:extLst>
+              <a:ext uri="{FF2B5EF4-FFF2-40B4-BE49-F238E27FC236}">
+                <a16:creationId xmlns:a16="http://schemas.microsoft.com/office/drawing/2014/main" id="{02BF0C63-B286-406B-ADB3-C4231A654B14}"/>
+              </a:ext>
+            </a:extLst>
+          </p:cNvPr>
+          <p:cNvSpPr/>
+          <p:nvPr/>
+        </p:nvSpPr>
+        <p:spPr>
+          <a:xfrm>
+            <a:off x="8617144" y="5941264"/>
+            <a:ext cx="1429151" cy="649635"/>
+          </a:xfrm>
+          <a:prstGeom prst="rightArrow">
+            <a:avLst/>
+          </a:prstGeom>
+        </p:spPr>
+        <p:style>
+          <a:lnRef idx="1">
+            <a:schemeClr val="accent3"/>
+          </a:lnRef>
+          <a:fillRef idx="2">
+            <a:schemeClr val="accent3"/>
+          </a:fillRef>
+          <a:effectRef idx="1">
+            <a:schemeClr val="accent3"/>
+          </a:effectRef>
+          <a:fontRef idx="minor">
+            <a:schemeClr val="dk1"/>
+          </a:fontRef>
+        </p:style>
+        <p:txBody>
+          <a:bodyPr rtlCol="0" anchor="ctr"/>
+          <a:lstStyle/>
+          <a:p>
+            <a:pPr algn="ctr"/>
+            <a:r>
+              <a:rPr lang="zh-CN" altLang="en-US" sz="1400" dirty="0"/>
+              <a:t>开始在线保存</a:t>
+            </a:r>
+          </a:p>
+        </p:txBody>
+      </p:sp>
+      <p:sp>
+        <p:nvSpPr>
+          <p:cNvPr id="44" name="Oval 43">
+            <a:extLst>
+              <a:ext uri="{FF2B5EF4-FFF2-40B4-BE49-F238E27FC236}">
+                <a16:creationId xmlns:a16="http://schemas.microsoft.com/office/drawing/2014/main" id="{7FBC4E2B-14D9-4F9E-B6D6-A8FDF6F2C2F7}"/>
+              </a:ext>
+            </a:extLst>
+          </p:cNvPr>
+          <p:cNvSpPr/>
+          <p:nvPr/>
+        </p:nvSpPr>
+        <p:spPr>
+          <a:xfrm>
+            <a:off x="10139446" y="6016388"/>
+            <a:ext cx="1656313" cy="525560"/>
+          </a:xfrm>
+          <a:prstGeom prst="ellipse">
+            <a:avLst/>
+          </a:prstGeom>
+        </p:spPr>
+        <p:style>
+          <a:lnRef idx="1">
+            <a:schemeClr val="accent2"/>
+          </a:lnRef>
+          <a:fillRef idx="2">
+            <a:schemeClr val="accent2"/>
+          </a:fillRef>
+          <a:effectRef idx="1">
+            <a:schemeClr val="accent2"/>
+          </a:effectRef>
+          <a:fontRef idx="minor">
+            <a:schemeClr val="dk1"/>
+          </a:fontRef>
+        </p:style>
+        <p:txBody>
+          <a:bodyPr rtlCol="0" anchor="ctr"/>
+          <a:lstStyle/>
+          <a:p>
+            <a:pPr algn="ctr"/>
+            <a:r>
+              <a:rPr lang="zh-CN" altLang="en-US" sz="1200" dirty="0"/>
+              <a:t>保存数据</a:t>
+            </a:r>
+          </a:p>
+        </p:txBody>
+      </p:sp>
+      <p:graphicFrame>
+        <p:nvGraphicFramePr>
+          <p:cNvPr id="45" name="Table 2">
+            <a:extLst>
+              <a:ext uri="{FF2B5EF4-FFF2-40B4-BE49-F238E27FC236}">
+                <a16:creationId xmlns:a16="http://schemas.microsoft.com/office/drawing/2014/main" id="{22693D5D-B633-4765-BFF7-627C475D3163}"/>
+              </a:ext>
+            </a:extLst>
+          </p:cNvPr>
+          <p:cNvGraphicFramePr>
+            <a:graphicFrameLocks noGrp="1"/>
+          </p:cNvGraphicFramePr>
+          <p:nvPr>
+            <p:extLst>
+              <p:ext uri="{D42A27DB-BD31-4B8C-83A1-F6EECF244321}">
+                <p14:modId xmlns:p14="http://schemas.microsoft.com/office/powerpoint/2010/main" val="1232960606"/>
+              </p:ext>
+            </p:extLst>
+          </p:nvPr>
+        </p:nvGraphicFramePr>
+        <p:xfrm>
+          <a:off x="7332498" y="326890"/>
+          <a:ext cx="1283389" cy="914400"/>
+        </p:xfrm>
+        <a:graphic>
+          <a:graphicData uri="http://schemas.openxmlformats.org/drawingml/2006/table">
+            <a:tbl>
+              <a:tblPr firstRow="1" bandRow="1">
+                <a:tableStyleId>{68D230F3-CF80-4859-8CE7-A43EE81993B5}</a:tableStyleId>
+              </a:tblPr>
+              <a:tblGrid>
+                <a:gridCol w="1283389">
+                  <a:extLst>
+                    <a:ext uri="{9D8B030D-6E8A-4147-A177-3AD203B41FA5}">
+                      <a16:colId xmlns:a16="http://schemas.microsoft.com/office/drawing/2014/main" val="3733953455"/>
+                    </a:ext>
+                  </a:extLst>
+                </a:gridCol>
+              </a:tblGrid>
+              <a:tr h="298909">
+                <a:tc>
+                  <a:txBody>
+                    <a:bodyPr/>
+                    <a:lstStyle/>
+                    <a:p>
+                      <a:pPr algn="ctr"/>
+                      <a:r>
+                        <a:rPr lang="zh-CN" altLang="en-US" sz="1400" dirty="0"/>
+                        <a:t>动作参数</a:t>
+                      </a:r>
+                    </a:p>
+                  </a:txBody>
+                  <a:tcPr anchor="ctr"/>
+                </a:tc>
+                <a:extLst>
+                  <a:ext uri="{0D108BD9-81ED-4DB2-BD59-A6C34878D82A}">
+                    <a16:rowId xmlns:a16="http://schemas.microsoft.com/office/drawing/2014/main" val="4192788905"/>
+                  </a:ext>
+                </a:extLst>
+              </a:tr>
+              <a:tr h="298909">
+                <a:tc>
+                  <a:txBody>
+                    <a:bodyPr/>
+                    <a:lstStyle/>
+                    <a:p>
+                      <a:pPr algn="ctr"/>
+                      <a:r>
+                        <a:rPr lang="en-US" altLang="zh-CN" sz="1400" dirty="0"/>
+                        <a:t>SUBJECTID</a:t>
+                      </a:r>
+                      <a:endParaRPr lang="zh-CN" altLang="en-US" sz="1400" dirty="0"/>
+                    </a:p>
+                  </a:txBody>
+                  <a:tcPr anchor="ctr"/>
+                </a:tc>
+                <a:extLst>
+                  <a:ext uri="{0D108BD9-81ED-4DB2-BD59-A6C34878D82A}">
+                    <a16:rowId xmlns:a16="http://schemas.microsoft.com/office/drawing/2014/main" val="4265954373"/>
+                  </a:ext>
+                </a:extLst>
+              </a:tr>
+              <a:tr h="298909">
+                <a:tc>
+                  <a:txBody>
+                    <a:bodyPr/>
+                    <a:lstStyle/>
+                    <a:p>
+                      <a:pPr algn="ctr"/>
+                      <a:r>
+                        <a:rPr lang="en-US" altLang="zh-CN" sz="1400" dirty="0"/>
+                        <a:t>SESSIONID</a:t>
+                      </a:r>
+                      <a:endParaRPr lang="zh-CN" altLang="en-US" sz="1400" dirty="0"/>
+                    </a:p>
+                  </a:txBody>
+                  <a:tcPr anchor="ctr"/>
+                </a:tc>
+                <a:extLst>
+                  <a:ext uri="{0D108BD9-81ED-4DB2-BD59-A6C34878D82A}">
+                    <a16:rowId xmlns:a16="http://schemas.microsoft.com/office/drawing/2014/main" val="1965015625"/>
+                  </a:ext>
+                </a:extLst>
+              </a:tr>
+            </a:tbl>
+          </a:graphicData>
+        </a:graphic>
+      </p:graphicFrame>
+    </p:spTree>
+    <p:extLst>
+      <p:ext uri="{BB962C8B-B14F-4D97-AF65-F5344CB8AC3E}">
+        <p14:creationId xmlns:p14="http://schemas.microsoft.com/office/powerpoint/2010/main" val="247731711"/>
+      </p:ext>
+    </p:extLst>
+  </p:cSld>
+  <p:clrMapOvr>
+    <a:masterClrMapping/>
+  </p:clrMapOvr>
+</p:sld>
+</file>
+
 <file path=ppt/theme/theme1.xml><?xml version="1.0" encoding="utf-8"?>
 <a:theme xmlns:a="http://schemas.openxmlformats.org/drawingml/2006/main" name="Office Theme">
   <a:themeElements>

--- a/structure.pptx
+++ b/structure.pptx
@@ -29968,7 +29968,7 @@
         </p:nvSpPr>
         <p:spPr>
           <a:xfrm>
-            <a:off x="3988583" y="580732"/>
+            <a:off x="4113050" y="596295"/>
             <a:ext cx="3343915" cy="744164"/>
           </a:xfrm>
           <a:prstGeom prst="ellipse">
@@ -30028,7 +30028,7 @@
         </p:nvSpPr>
         <p:spPr>
           <a:xfrm>
-            <a:off x="3989703" y="2506709"/>
+            <a:off x="3694679" y="2482887"/>
             <a:ext cx="3343915" cy="744164"/>
           </a:xfrm>
           <a:prstGeom prst="ellipse">
@@ -30088,7 +30088,7 @@
         </p:nvSpPr>
         <p:spPr>
           <a:xfrm>
-            <a:off x="1014119" y="3480525"/>
+            <a:off x="575207" y="3500118"/>
             <a:ext cx="1851063" cy="441756"/>
           </a:xfrm>
           <a:prstGeom prst="ellipse">
@@ -30135,7 +30135,7 @@
         </p:nvSpPr>
         <p:spPr>
           <a:xfrm>
-            <a:off x="2703937" y="643560"/>
+            <a:off x="2693918" y="643560"/>
             <a:ext cx="1429151" cy="649635"/>
           </a:xfrm>
           <a:prstGeom prst="rightArrow">
@@ -30182,7 +30182,7 @@
         </p:nvSpPr>
         <p:spPr>
           <a:xfrm>
-            <a:off x="2703937" y="2557257"/>
+            <a:off x="2265276" y="2530152"/>
             <a:ext cx="1429152" cy="649635"/>
           </a:xfrm>
           <a:prstGeom prst="rightArrow">
@@ -30229,7 +30229,7 @@
         </p:nvSpPr>
         <p:spPr>
           <a:xfrm flipH="1">
-            <a:off x="2703937" y="3378786"/>
+            <a:off x="2265025" y="3398379"/>
             <a:ext cx="1429152" cy="649635"/>
           </a:xfrm>
           <a:prstGeom prst="rightArrow">
@@ -30337,7 +30337,7 @@
           <p:nvPr>
             <p:extLst>
               <p:ext uri="{D42A27DB-BD31-4B8C-83A1-F6EECF244321}">
-                <p14:modId xmlns:p14="http://schemas.microsoft.com/office/powerpoint/2010/main" val="4054744107"/>
+                <p14:modId xmlns:p14="http://schemas.microsoft.com/office/powerpoint/2010/main" val="476012"/>
               </p:ext>
             </p:extLst>
           </p:nvPr>
@@ -30726,13 +30726,13 @@
           <p:nvPr>
             <p:extLst>
               <p:ext uri="{D42A27DB-BD31-4B8C-83A1-F6EECF244321}">
-                <p14:modId xmlns:p14="http://schemas.microsoft.com/office/powerpoint/2010/main" val="1572143059"/>
+                <p14:modId xmlns:p14="http://schemas.microsoft.com/office/powerpoint/2010/main" val="1706701660"/>
               </p:ext>
             </p:extLst>
           </p:nvPr>
         </p:nvGraphicFramePr>
         <p:xfrm>
-          <a:off x="1427583" y="2557257"/>
+          <a:off x="988671" y="2550169"/>
           <a:ext cx="1276354" cy="609600"/>
         </p:xfrm>
         <a:graphic>
@@ -30811,13 +30811,13 @@
           <p:nvPr>
             <p:extLst>
               <p:ext uri="{D42A27DB-BD31-4B8C-83A1-F6EECF244321}">
-                <p14:modId xmlns:p14="http://schemas.microsoft.com/office/powerpoint/2010/main" val="2233577407"/>
+                <p14:modId xmlns:p14="http://schemas.microsoft.com/office/powerpoint/2010/main" val="3638977098"/>
               </p:ext>
             </p:extLst>
           </p:nvPr>
         </p:nvGraphicFramePr>
         <p:xfrm>
-          <a:off x="4133087" y="3396603"/>
+          <a:off x="3694175" y="3416196"/>
           <a:ext cx="2468882" cy="609600"/>
         </p:xfrm>
         <a:graphic>
@@ -30994,13 +30994,13 @@
           <p:nvPr>
             <p:extLst>
               <p:ext uri="{D42A27DB-BD31-4B8C-83A1-F6EECF244321}">
-                <p14:modId xmlns:p14="http://schemas.microsoft.com/office/powerpoint/2010/main" val="2548321816"/>
+                <p14:modId xmlns:p14="http://schemas.microsoft.com/office/powerpoint/2010/main" val="4230194207"/>
               </p:ext>
             </p:extLst>
           </p:nvPr>
         </p:nvGraphicFramePr>
         <p:xfrm>
-          <a:off x="7333755" y="1348678"/>
+          <a:off x="7446946" y="511177"/>
           <a:ext cx="1283389" cy="914400"/>
         </p:xfrm>
         <a:graphic>
@@ -31276,13 +31276,13 @@
           <p:nvPr>
             <p:extLst>
               <p:ext uri="{D42A27DB-BD31-4B8C-83A1-F6EECF244321}">
-                <p14:modId xmlns:p14="http://schemas.microsoft.com/office/powerpoint/2010/main" val="1699819086"/>
+                <p14:modId xmlns:p14="http://schemas.microsoft.com/office/powerpoint/2010/main" val="3125594808"/>
               </p:ext>
             </p:extLst>
           </p:nvPr>
         </p:nvGraphicFramePr>
         <p:xfrm>
-          <a:off x="7338531" y="2554209"/>
+          <a:off x="7038845" y="2550169"/>
           <a:ext cx="1278613" cy="609600"/>
         </p:xfrm>
         <a:graphic>
@@ -31364,100 +31364,6 @@
       </p:graphicFrame>
       <p:sp>
         <p:nvSpPr>
-          <p:cNvPr id="38" name="Arrow: Right 37">
-            <a:extLst>
-              <a:ext uri="{FF2B5EF4-FFF2-40B4-BE49-F238E27FC236}">
-                <a16:creationId xmlns:a16="http://schemas.microsoft.com/office/drawing/2014/main" id="{81E0FAC2-3B7D-4203-95EF-C82680B1F6C5}"/>
-              </a:ext>
-            </a:extLst>
-          </p:cNvPr>
-          <p:cNvSpPr/>
-          <p:nvPr/>
-        </p:nvSpPr>
-        <p:spPr>
-          <a:xfrm>
-            <a:off x="8617144" y="627996"/>
-            <a:ext cx="1429151" cy="649635"/>
-          </a:xfrm>
-          <a:prstGeom prst="rightArrow">
-            <a:avLst/>
-          </a:prstGeom>
-        </p:spPr>
-        <p:style>
-          <a:lnRef idx="1">
-            <a:schemeClr val="accent3"/>
-          </a:lnRef>
-          <a:fillRef idx="2">
-            <a:schemeClr val="accent3"/>
-          </a:fillRef>
-          <a:effectRef idx="1">
-            <a:schemeClr val="accent3"/>
-          </a:effectRef>
-          <a:fontRef idx="minor">
-            <a:schemeClr val="dk1"/>
-          </a:fontRef>
-        </p:style>
-        <p:txBody>
-          <a:bodyPr rtlCol="0" anchor="ctr"/>
-          <a:lstStyle/>
-          <a:p>
-            <a:pPr algn="ctr"/>
-            <a:r>
-              <a:rPr lang="zh-CN" altLang="en-US" sz="1400" dirty="0"/>
-              <a:t>开始离线显示</a:t>
-            </a:r>
-          </a:p>
-        </p:txBody>
-      </p:sp>
-      <p:sp>
-        <p:nvSpPr>
-          <p:cNvPr id="39" name="Oval 38">
-            <a:extLst>
-              <a:ext uri="{FF2B5EF4-FFF2-40B4-BE49-F238E27FC236}">
-                <a16:creationId xmlns:a16="http://schemas.microsoft.com/office/drawing/2014/main" id="{1FF63591-99CD-46E5-97BD-80F2B1C74BC3}"/>
-              </a:ext>
-            </a:extLst>
-          </p:cNvPr>
-          <p:cNvSpPr/>
-          <p:nvPr/>
-        </p:nvSpPr>
-        <p:spPr>
-          <a:xfrm>
-            <a:off x="10139447" y="690033"/>
-            <a:ext cx="1656313" cy="525560"/>
-          </a:xfrm>
-          <a:prstGeom prst="ellipse">
-            <a:avLst/>
-          </a:prstGeom>
-        </p:spPr>
-        <p:style>
-          <a:lnRef idx="1">
-            <a:schemeClr val="accent4"/>
-          </a:lnRef>
-          <a:fillRef idx="2">
-            <a:schemeClr val="accent4"/>
-          </a:fillRef>
-          <a:effectRef idx="1">
-            <a:schemeClr val="accent4"/>
-          </a:effectRef>
-          <a:fontRef idx="minor">
-            <a:schemeClr val="dk1"/>
-          </a:fontRef>
-        </p:style>
-        <p:txBody>
-          <a:bodyPr rtlCol="0" anchor="ctr"/>
-          <a:lstStyle/>
-          <a:p>
-            <a:pPr algn="ctr"/>
-            <a:r>
-              <a:rPr lang="zh-CN" altLang="en-US" sz="1200" dirty="0"/>
-              <a:t>显示</a:t>
-            </a:r>
-          </a:p>
-        </p:txBody>
-      </p:sp>
-      <p:sp>
-        <p:nvSpPr>
           <p:cNvPr id="40" name="Oval 39">
             <a:extLst>
               <a:ext uri="{FF2B5EF4-FFF2-40B4-BE49-F238E27FC236}">
@@ -31517,7 +31423,7 @@
         </p:nvSpPr>
         <p:spPr>
           <a:xfrm>
-            <a:off x="8617144" y="1502853"/>
+            <a:off x="8720316" y="643560"/>
             <a:ext cx="1429151" cy="649635"/>
           </a:xfrm>
           <a:prstGeom prst="rightArrow">
@@ -31545,7 +31451,7 @@
             <a:pPr algn="ctr"/>
             <a:r>
               <a:rPr lang="zh-CN" altLang="en-US" sz="1400" dirty="0"/>
-              <a:t>开始离线保存</a:t>
+              <a:t>开始离线采集</a:t>
             </a:r>
           </a:p>
         </p:txBody>
@@ -31564,8 +31470,8 @@
         </p:nvSpPr>
         <p:spPr>
           <a:xfrm>
-            <a:off x="10139446" y="1577977"/>
-            <a:ext cx="1656313" cy="525560"/>
+            <a:off x="10139446" y="705597"/>
+            <a:ext cx="1802618" cy="525560"/>
           </a:xfrm>
           <a:prstGeom prst="ellipse">
             <a:avLst/>
@@ -31592,7 +31498,7 @@
             <a:pPr algn="ctr"/>
             <a:r>
               <a:rPr lang="zh-CN" altLang="en-US" sz="1200" dirty="0"/>
-              <a:t>保存数据</a:t>
+              <a:t>采集并保存数据</a:t>
             </a:r>
           </a:p>
         </p:txBody>
@@ -31691,114 +31597,241 @@
           </a:p>
         </p:txBody>
       </p:sp>
-      <p:graphicFrame>
-        <p:nvGraphicFramePr>
-          <p:cNvPr id="45" name="Table 2">
+      <p:sp>
+        <p:nvSpPr>
+          <p:cNvPr id="26" name="Arrow: Right 25">
             <a:extLst>
               <a:ext uri="{FF2B5EF4-FFF2-40B4-BE49-F238E27FC236}">
-                <a16:creationId xmlns:a16="http://schemas.microsoft.com/office/drawing/2014/main" id="{22693D5D-B633-4765-BFF7-627C475D3163}"/>
+                <a16:creationId xmlns:a16="http://schemas.microsoft.com/office/drawing/2014/main" id="{9A7EE530-970F-4F82-804B-EADB0704FC29}"/>
               </a:ext>
             </a:extLst>
           </p:cNvPr>
-          <p:cNvGraphicFramePr>
-            <a:graphicFrameLocks noGrp="1"/>
-          </p:cNvGraphicFramePr>
-          <p:nvPr>
-            <p:extLst>
-              <p:ext uri="{D42A27DB-BD31-4B8C-83A1-F6EECF244321}">
-                <p14:modId xmlns:p14="http://schemas.microsoft.com/office/powerpoint/2010/main" val="1232960606"/>
-              </p:ext>
-            </p:extLst>
-          </p:nvPr>
-        </p:nvGraphicFramePr>
-        <p:xfrm>
-          <a:off x="7332498" y="326890"/>
-          <a:ext cx="1283389" cy="914400"/>
-        </p:xfrm>
-        <a:graphic>
-          <a:graphicData uri="http://schemas.openxmlformats.org/drawingml/2006/table">
-            <a:tbl>
-              <a:tblPr firstRow="1" bandRow="1">
-                <a:tableStyleId>{68D230F3-CF80-4859-8CE7-A43EE81993B5}</a:tableStyleId>
-              </a:tblPr>
-              <a:tblGrid>
-                <a:gridCol w="1283389">
-                  <a:extLst>
-                    <a:ext uri="{9D8B030D-6E8A-4147-A177-3AD203B41FA5}">
-                      <a16:colId xmlns:a16="http://schemas.microsoft.com/office/drawing/2014/main" val="3733953455"/>
-                    </a:ext>
-                  </a:extLst>
-                </a:gridCol>
-              </a:tblGrid>
-              <a:tr h="298909">
-                <a:tc>
-                  <a:txBody>
-                    <a:bodyPr/>
-                    <a:lstStyle/>
-                    <a:p>
-                      <a:pPr algn="ctr"/>
-                      <a:r>
-                        <a:rPr lang="zh-CN" altLang="en-US" sz="1400" dirty="0"/>
-                        <a:t>动作参数</a:t>
-                      </a:r>
-                    </a:p>
-                  </a:txBody>
-                  <a:tcPr anchor="ctr"/>
-                </a:tc>
-                <a:extLst>
-                  <a:ext uri="{0D108BD9-81ED-4DB2-BD59-A6C34878D82A}">
-                    <a16:rowId xmlns:a16="http://schemas.microsoft.com/office/drawing/2014/main" val="4192788905"/>
-                  </a:ext>
-                </a:extLst>
-              </a:tr>
-              <a:tr h="298909">
-                <a:tc>
-                  <a:txBody>
-                    <a:bodyPr/>
-                    <a:lstStyle/>
-                    <a:p>
-                      <a:pPr algn="ctr"/>
-                      <a:r>
-                        <a:rPr lang="en-US" altLang="zh-CN" sz="1400" dirty="0"/>
-                        <a:t>SUBJECTID</a:t>
-                      </a:r>
-                      <a:endParaRPr lang="zh-CN" altLang="en-US" sz="1400" dirty="0"/>
-                    </a:p>
-                  </a:txBody>
-                  <a:tcPr anchor="ctr"/>
-                </a:tc>
-                <a:extLst>
-                  <a:ext uri="{0D108BD9-81ED-4DB2-BD59-A6C34878D82A}">
-                    <a16:rowId xmlns:a16="http://schemas.microsoft.com/office/drawing/2014/main" val="4265954373"/>
-                  </a:ext>
-                </a:extLst>
-              </a:tr>
-              <a:tr h="298909">
-                <a:tc>
-                  <a:txBody>
-                    <a:bodyPr/>
-                    <a:lstStyle/>
-                    <a:p>
-                      <a:pPr algn="ctr"/>
-                      <a:r>
-                        <a:rPr lang="en-US" altLang="zh-CN" sz="1400" dirty="0"/>
-                        <a:t>SESSIONID</a:t>
-                      </a:r>
-                      <a:endParaRPr lang="zh-CN" altLang="en-US" sz="1400" dirty="0"/>
-                    </a:p>
-                  </a:txBody>
-                  <a:tcPr anchor="ctr"/>
-                </a:tc>
-                <a:extLst>
-                  <a:ext uri="{0D108BD9-81ED-4DB2-BD59-A6C34878D82A}">
-                    <a16:rowId xmlns:a16="http://schemas.microsoft.com/office/drawing/2014/main" val="1965015625"/>
-                  </a:ext>
-                </a:extLst>
-              </a:tr>
-            </a:tbl>
-          </a:graphicData>
-        </a:graphic>
-      </p:graphicFrame>
+          <p:cNvSpPr/>
+          <p:nvPr/>
+        </p:nvSpPr>
+        <p:spPr>
+          <a:xfrm>
+            <a:off x="8328723" y="2313982"/>
+            <a:ext cx="1429151" cy="649635"/>
+          </a:xfrm>
+          <a:prstGeom prst="rightArrow">
+            <a:avLst/>
+          </a:prstGeom>
+        </p:spPr>
+        <p:style>
+          <a:lnRef idx="1">
+            <a:schemeClr val="accent3"/>
+          </a:lnRef>
+          <a:fillRef idx="2">
+            <a:schemeClr val="accent3"/>
+          </a:fillRef>
+          <a:effectRef idx="1">
+            <a:schemeClr val="accent3"/>
+          </a:effectRef>
+          <a:fontRef idx="minor">
+            <a:schemeClr val="dk1"/>
+          </a:fontRef>
+        </p:style>
+        <p:txBody>
+          <a:bodyPr rtlCol="0" anchor="ctr"/>
+          <a:lstStyle/>
+          <a:p>
+            <a:pPr algn="ctr"/>
+            <a:r>
+              <a:rPr lang="zh-CN" altLang="en-US" sz="1400" dirty="0"/>
+              <a:t>模型训练</a:t>
+            </a:r>
+          </a:p>
+        </p:txBody>
+      </p:sp>
+      <p:sp>
+        <p:nvSpPr>
+          <p:cNvPr id="27" name="Oval 26">
+            <a:extLst>
+              <a:ext uri="{FF2B5EF4-FFF2-40B4-BE49-F238E27FC236}">
+                <a16:creationId xmlns:a16="http://schemas.microsoft.com/office/drawing/2014/main" id="{B146B41E-A950-4F79-A6D3-D9B2170E7416}"/>
+              </a:ext>
+            </a:extLst>
+          </p:cNvPr>
+          <p:cNvSpPr/>
+          <p:nvPr/>
+        </p:nvSpPr>
+        <p:spPr>
+          <a:xfrm>
+            <a:off x="9747110" y="2592189"/>
+            <a:ext cx="1802618" cy="525560"/>
+          </a:xfrm>
+          <a:prstGeom prst="ellipse">
+            <a:avLst/>
+          </a:prstGeom>
+        </p:spPr>
+        <p:style>
+          <a:lnRef idx="1">
+            <a:schemeClr val="accent2"/>
+          </a:lnRef>
+          <a:fillRef idx="2">
+            <a:schemeClr val="accent2"/>
+          </a:fillRef>
+          <a:effectRef idx="1">
+            <a:schemeClr val="accent2"/>
+          </a:effectRef>
+          <a:fontRef idx="minor">
+            <a:schemeClr val="dk1"/>
+          </a:fontRef>
+        </p:style>
+        <p:txBody>
+          <a:bodyPr rtlCol="0" anchor="ctr"/>
+          <a:lstStyle/>
+          <a:p>
+            <a:pPr algn="ctr"/>
+            <a:r>
+              <a:rPr lang="zh-CN" altLang="en-US" sz="1200" dirty="0"/>
+              <a:t>训练模型</a:t>
+            </a:r>
+          </a:p>
+        </p:txBody>
+      </p:sp>
+      <p:sp>
+        <p:nvSpPr>
+          <p:cNvPr id="28" name="Arrow: Right 27">
+            <a:extLst>
+              <a:ext uri="{FF2B5EF4-FFF2-40B4-BE49-F238E27FC236}">
+                <a16:creationId xmlns:a16="http://schemas.microsoft.com/office/drawing/2014/main" id="{3DDFFF3C-8354-4543-AFAC-1DB39FF2C2EE}"/>
+              </a:ext>
+            </a:extLst>
+          </p:cNvPr>
+          <p:cNvSpPr/>
+          <p:nvPr/>
+        </p:nvSpPr>
+        <p:spPr>
+          <a:xfrm flipH="1">
+            <a:off x="8283406" y="2868593"/>
+            <a:ext cx="1429152" cy="649635"/>
+          </a:xfrm>
+          <a:prstGeom prst="rightArrow">
+            <a:avLst/>
+          </a:prstGeom>
+        </p:spPr>
+        <p:style>
+          <a:lnRef idx="1">
+            <a:schemeClr val="accent3"/>
+          </a:lnRef>
+          <a:fillRef idx="2">
+            <a:schemeClr val="accent3"/>
+          </a:fillRef>
+          <a:effectRef idx="1">
+            <a:schemeClr val="accent3"/>
+          </a:effectRef>
+          <a:fontRef idx="minor">
+            <a:schemeClr val="dk1"/>
+          </a:fontRef>
+        </p:style>
+        <p:txBody>
+          <a:bodyPr rtlCol="0" anchor="ctr"/>
+          <a:lstStyle/>
+          <a:p>
+            <a:pPr algn="ctr"/>
+            <a:r>
+              <a:rPr lang="zh-CN" altLang="en-US" sz="1400" dirty="0"/>
+              <a:t>模型准确率</a:t>
+            </a:r>
+          </a:p>
+        </p:txBody>
+      </p:sp>
+      <p:sp>
+        <p:nvSpPr>
+          <p:cNvPr id="29" name="Arrow: Right 28">
+            <a:extLst>
+              <a:ext uri="{FF2B5EF4-FFF2-40B4-BE49-F238E27FC236}">
+                <a16:creationId xmlns:a16="http://schemas.microsoft.com/office/drawing/2014/main" id="{536D04F0-8FD8-482F-8F73-A315035D361D}"/>
+              </a:ext>
+            </a:extLst>
+          </p:cNvPr>
+          <p:cNvSpPr/>
+          <p:nvPr/>
+        </p:nvSpPr>
+        <p:spPr>
+          <a:xfrm>
+            <a:off x="2703936" y="1599349"/>
+            <a:ext cx="1429151" cy="649635"/>
+          </a:xfrm>
+          <a:prstGeom prst="rightArrow">
+            <a:avLst/>
+          </a:prstGeom>
+        </p:spPr>
+        <p:style>
+          <a:lnRef idx="1">
+            <a:schemeClr val="accent3"/>
+          </a:lnRef>
+          <a:fillRef idx="2">
+            <a:schemeClr val="accent3"/>
+          </a:fillRef>
+          <a:effectRef idx="1">
+            <a:schemeClr val="accent3"/>
+          </a:effectRef>
+          <a:fontRef idx="minor">
+            <a:schemeClr val="dk1"/>
+          </a:fontRef>
+        </p:style>
+        <p:txBody>
+          <a:bodyPr rtlCol="0" anchor="ctr"/>
+          <a:lstStyle/>
+          <a:p>
+            <a:pPr algn="ctr"/>
+            <a:r>
+              <a:rPr lang="zh-CN" altLang="en-US" sz="1400" dirty="0"/>
+              <a:t>结束离线采集</a:t>
+            </a:r>
+          </a:p>
+        </p:txBody>
+      </p:sp>
+      <p:sp>
+        <p:nvSpPr>
+          <p:cNvPr id="46" name="Arrow: Right 45">
+            <a:extLst>
+              <a:ext uri="{FF2B5EF4-FFF2-40B4-BE49-F238E27FC236}">
+                <a16:creationId xmlns:a16="http://schemas.microsoft.com/office/drawing/2014/main" id="{C38E1EDB-1201-4E29-AE3B-7E6BD4182C1C}"/>
+              </a:ext>
+            </a:extLst>
+          </p:cNvPr>
+          <p:cNvSpPr/>
+          <p:nvPr/>
+        </p:nvSpPr>
+        <p:spPr>
+          <a:xfrm>
+            <a:off x="8663719" y="1463172"/>
+            <a:ext cx="1429151" cy="649635"/>
+          </a:xfrm>
+          <a:prstGeom prst="rightArrow">
+            <a:avLst/>
+          </a:prstGeom>
+        </p:spPr>
+        <p:style>
+          <a:lnRef idx="1">
+            <a:schemeClr val="accent3"/>
+          </a:lnRef>
+          <a:fillRef idx="2">
+            <a:schemeClr val="accent3"/>
+          </a:fillRef>
+          <a:effectRef idx="1">
+            <a:schemeClr val="accent3"/>
+          </a:effectRef>
+          <a:fontRef idx="minor">
+            <a:schemeClr val="dk1"/>
+          </a:fontRef>
+        </p:style>
+        <p:txBody>
+          <a:bodyPr rtlCol="0" anchor="ctr"/>
+          <a:lstStyle/>
+          <a:p>
+            <a:pPr algn="ctr"/>
+            <a:r>
+              <a:rPr lang="zh-CN" altLang="en-US" sz="1400" dirty="0"/>
+              <a:t>结束离线采集</a:t>
+            </a:r>
+          </a:p>
+        </p:txBody>
+      </p:sp>
     </p:spTree>
     <p:extLst>
       <p:ext uri="{BB962C8B-B14F-4D97-AF65-F5344CB8AC3E}">

--- a/structure.pptx
+++ b/structure.pptx
@@ -9,6 +9,8 @@
     <p:sldId id="259" r:id="rId3"/>
     <p:sldId id="258" r:id="rId4"/>
     <p:sldId id="260" r:id="rId5"/>
+    <p:sldId id="261" r:id="rId6"/>
+    <p:sldId id="262" r:id="rId7"/>
   </p:sldIdLst>
   <p:sldSz cx="12192000" cy="6858000"/>
   <p:notesSz cx="6858000" cy="9144000"/>
@@ -25222,7 +25224,7 @@
           <a:p>
             <a:fld id="{0793B7A2-8215-4AD8-839E-1FE26618B247}" type="datetimeFigureOut">
               <a:rPr lang="zh-CN" altLang="en-US" smtClean="0"/>
-              <a:t>2020/3/27</a:t>
+              <a:t>2020/3/30</a:t>
             </a:fld>
             <a:endParaRPr lang="zh-CN" altLang="en-US"/>
           </a:p>
@@ -25422,7 +25424,7 @@
           <a:p>
             <a:fld id="{0793B7A2-8215-4AD8-839E-1FE26618B247}" type="datetimeFigureOut">
               <a:rPr lang="zh-CN" altLang="en-US" smtClean="0"/>
-              <a:t>2020/3/27</a:t>
+              <a:t>2020/3/30</a:t>
             </a:fld>
             <a:endParaRPr lang="zh-CN" altLang="en-US"/>
           </a:p>
@@ -25632,7 +25634,7 @@
           <a:p>
             <a:fld id="{0793B7A2-8215-4AD8-839E-1FE26618B247}" type="datetimeFigureOut">
               <a:rPr lang="zh-CN" altLang="en-US" smtClean="0"/>
-              <a:t>2020/3/27</a:t>
+              <a:t>2020/3/30</a:t>
             </a:fld>
             <a:endParaRPr lang="zh-CN" altLang="en-US"/>
           </a:p>
@@ -25832,7 +25834,7 @@
           <a:p>
             <a:fld id="{0793B7A2-8215-4AD8-839E-1FE26618B247}" type="datetimeFigureOut">
               <a:rPr lang="zh-CN" altLang="en-US" smtClean="0"/>
-              <a:t>2020/3/27</a:t>
+              <a:t>2020/3/30</a:t>
             </a:fld>
             <a:endParaRPr lang="zh-CN" altLang="en-US"/>
           </a:p>
@@ -26108,7 +26110,7 @@
           <a:p>
             <a:fld id="{0793B7A2-8215-4AD8-839E-1FE26618B247}" type="datetimeFigureOut">
               <a:rPr lang="zh-CN" altLang="en-US" smtClean="0"/>
-              <a:t>2020/3/27</a:t>
+              <a:t>2020/3/30</a:t>
             </a:fld>
             <a:endParaRPr lang="zh-CN" altLang="en-US"/>
           </a:p>
@@ -26376,7 +26378,7 @@
           <a:p>
             <a:fld id="{0793B7A2-8215-4AD8-839E-1FE26618B247}" type="datetimeFigureOut">
               <a:rPr lang="zh-CN" altLang="en-US" smtClean="0"/>
-              <a:t>2020/3/27</a:t>
+              <a:t>2020/3/30</a:t>
             </a:fld>
             <a:endParaRPr lang="zh-CN" altLang="en-US"/>
           </a:p>
@@ -26791,7 +26793,7 @@
           <a:p>
             <a:fld id="{0793B7A2-8215-4AD8-839E-1FE26618B247}" type="datetimeFigureOut">
               <a:rPr lang="zh-CN" altLang="en-US" smtClean="0"/>
-              <a:t>2020/3/27</a:t>
+              <a:t>2020/3/30</a:t>
             </a:fld>
             <a:endParaRPr lang="zh-CN" altLang="en-US"/>
           </a:p>
@@ -26933,7 +26935,7 @@
           <a:p>
             <a:fld id="{0793B7A2-8215-4AD8-839E-1FE26618B247}" type="datetimeFigureOut">
               <a:rPr lang="zh-CN" altLang="en-US" smtClean="0"/>
-              <a:t>2020/3/27</a:t>
+              <a:t>2020/3/30</a:t>
             </a:fld>
             <a:endParaRPr lang="zh-CN" altLang="en-US"/>
           </a:p>
@@ -27046,7 +27048,7 @@
           <a:p>
             <a:fld id="{0793B7A2-8215-4AD8-839E-1FE26618B247}" type="datetimeFigureOut">
               <a:rPr lang="zh-CN" altLang="en-US" smtClean="0"/>
-              <a:t>2020/3/27</a:t>
+              <a:t>2020/3/30</a:t>
             </a:fld>
             <a:endParaRPr lang="zh-CN" altLang="en-US"/>
           </a:p>
@@ -27359,7 +27361,7 @@
           <a:p>
             <a:fld id="{0793B7A2-8215-4AD8-839E-1FE26618B247}" type="datetimeFigureOut">
               <a:rPr lang="zh-CN" altLang="en-US" smtClean="0"/>
-              <a:t>2020/3/27</a:t>
+              <a:t>2020/3/30</a:t>
             </a:fld>
             <a:endParaRPr lang="zh-CN" altLang="en-US"/>
           </a:p>
@@ -27648,7 +27650,7 @@
           <a:p>
             <a:fld id="{0793B7A2-8215-4AD8-839E-1FE26618B247}" type="datetimeFigureOut">
               <a:rPr lang="zh-CN" altLang="en-US" smtClean="0"/>
-              <a:t>2020/3/27</a:t>
+              <a:t>2020/3/30</a:t>
             </a:fld>
             <a:endParaRPr lang="zh-CN" altLang="en-US"/>
           </a:p>
@@ -27891,7 +27893,7 @@
           <a:p>
             <a:fld id="{0793B7A2-8215-4AD8-839E-1FE26618B247}" type="datetimeFigureOut">
               <a:rPr lang="zh-CN" altLang="en-US" smtClean="0"/>
-              <a:t>2020/3/27</a:t>
+              <a:t>2020/3/30</a:t>
             </a:fld>
             <a:endParaRPr lang="zh-CN" altLang="en-US"/>
           </a:p>
@@ -31845,6 +31847,2753 @@
 </p:sld>
 </file>
 
+<file path=ppt/slides/slide5.xml><?xml version="1.0" encoding="utf-8"?>
+<p:sld xmlns:a="http://schemas.openxmlformats.org/drawingml/2006/main" xmlns:r="http://schemas.openxmlformats.org/officeDocument/2006/relationships" xmlns:p="http://schemas.openxmlformats.org/presentationml/2006/main">
+  <p:cSld>
+    <p:spTree>
+      <p:nvGrpSpPr>
+        <p:cNvPr id="1" name=""/>
+        <p:cNvGrpSpPr/>
+        <p:nvPr/>
+      </p:nvGrpSpPr>
+      <p:grpSpPr>
+        <a:xfrm>
+          <a:off x="0" y="0"/>
+          <a:ext cx="0" cy="0"/>
+          <a:chOff x="0" y="0"/>
+          <a:chExt cx="0" cy="0"/>
+        </a:xfrm>
+      </p:grpSpPr>
+      <p:sp>
+        <p:nvSpPr>
+          <p:cNvPr id="4" name="TextBox 3">
+            <a:extLst>
+              <a:ext uri="{FF2B5EF4-FFF2-40B4-BE49-F238E27FC236}">
+                <a16:creationId xmlns:a16="http://schemas.microsoft.com/office/drawing/2014/main" id="{83981FA7-9572-4A50-9599-A0952E697B80}"/>
+              </a:ext>
+            </a:extLst>
+          </p:cNvPr>
+          <p:cNvSpPr txBox="1"/>
+          <p:nvPr/>
+        </p:nvSpPr>
+        <p:spPr>
+          <a:xfrm>
+            <a:off x="5063674" y="623219"/>
+            <a:ext cx="1569660" cy="369332"/>
+          </a:xfrm>
+          <a:prstGeom prst="rect">
+            <a:avLst/>
+          </a:prstGeom>
+          <a:noFill/>
+        </p:spPr>
+        <p:txBody>
+          <a:bodyPr wrap="none" rtlCol="0">
+            <a:spAutoFit/>
+          </a:bodyPr>
+          <a:lstStyle/>
+          <a:p>
+            <a:r>
+              <a:rPr lang="zh-CN" altLang="en-US" dirty="0"/>
+              <a:t>离线实验时序</a:t>
+            </a:r>
+          </a:p>
+        </p:txBody>
+      </p:sp>
+      <p:sp>
+        <p:nvSpPr>
+          <p:cNvPr id="6" name="Arrow: Right 5">
+            <a:extLst>
+              <a:ext uri="{FF2B5EF4-FFF2-40B4-BE49-F238E27FC236}">
+                <a16:creationId xmlns:a16="http://schemas.microsoft.com/office/drawing/2014/main" id="{EF6AE603-18E5-42A9-BFE2-7149B8E11643}"/>
+              </a:ext>
+            </a:extLst>
+          </p:cNvPr>
+          <p:cNvSpPr/>
+          <p:nvPr/>
+        </p:nvSpPr>
+        <p:spPr>
+          <a:xfrm>
+            <a:off x="1078089" y="2010059"/>
+            <a:ext cx="9657213" cy="1051560"/>
+          </a:xfrm>
+          <a:prstGeom prst="rightArrow">
+            <a:avLst/>
+          </a:prstGeom>
+        </p:spPr>
+        <p:style>
+          <a:lnRef idx="1">
+            <a:schemeClr val="accent6"/>
+          </a:lnRef>
+          <a:fillRef idx="2">
+            <a:schemeClr val="accent6"/>
+          </a:fillRef>
+          <a:effectRef idx="1">
+            <a:schemeClr val="accent6"/>
+          </a:effectRef>
+          <a:fontRef idx="minor">
+            <a:schemeClr val="dk1"/>
+          </a:fontRef>
+        </p:style>
+        <p:txBody>
+          <a:bodyPr rtlCol="0" anchor="ctr"/>
+          <a:lstStyle/>
+          <a:p>
+            <a:r>
+              <a:rPr lang="en-US" altLang="zh-CN" sz="1600" dirty="0"/>
+              <a:t>UI</a:t>
+            </a:r>
+            <a:endParaRPr lang="zh-CN" altLang="en-US" sz="1600" dirty="0"/>
+          </a:p>
+        </p:txBody>
+      </p:sp>
+      <p:sp>
+        <p:nvSpPr>
+          <p:cNvPr id="7" name="Arrow: Right 6">
+            <a:extLst>
+              <a:ext uri="{FF2B5EF4-FFF2-40B4-BE49-F238E27FC236}">
+                <a16:creationId xmlns:a16="http://schemas.microsoft.com/office/drawing/2014/main" id="{4095CECF-4746-493C-A1E0-11E21F1C2659}"/>
+              </a:ext>
+            </a:extLst>
+          </p:cNvPr>
+          <p:cNvSpPr/>
+          <p:nvPr/>
+        </p:nvSpPr>
+        <p:spPr>
+          <a:xfrm>
+            <a:off x="1078089" y="3297208"/>
+            <a:ext cx="10123311" cy="1051560"/>
+          </a:xfrm>
+          <a:prstGeom prst="rightArrow">
+            <a:avLst/>
+          </a:prstGeom>
+        </p:spPr>
+        <p:style>
+          <a:lnRef idx="1">
+            <a:schemeClr val="accent5"/>
+          </a:lnRef>
+          <a:fillRef idx="2">
+            <a:schemeClr val="accent5"/>
+          </a:fillRef>
+          <a:effectRef idx="1">
+            <a:schemeClr val="accent5"/>
+          </a:effectRef>
+          <a:fontRef idx="minor">
+            <a:schemeClr val="dk1"/>
+          </a:fontRef>
+        </p:style>
+        <p:txBody>
+          <a:bodyPr rtlCol="0" anchor="ctr"/>
+          <a:lstStyle/>
+          <a:p>
+            <a:r>
+              <a:rPr lang="en-US" altLang="zh-CN" sz="1600" dirty="0"/>
+              <a:t>BCI</a:t>
+            </a:r>
+            <a:endParaRPr lang="zh-CN" altLang="en-US" sz="1600" dirty="0"/>
+          </a:p>
+        </p:txBody>
+      </p:sp>
+      <p:sp>
+        <p:nvSpPr>
+          <p:cNvPr id="9" name="Arrow: Right 8">
+            <a:extLst>
+              <a:ext uri="{FF2B5EF4-FFF2-40B4-BE49-F238E27FC236}">
+                <a16:creationId xmlns:a16="http://schemas.microsoft.com/office/drawing/2014/main" id="{2BD92491-A24F-4DD0-98F6-70F781FB9D2B}"/>
+              </a:ext>
+            </a:extLst>
+          </p:cNvPr>
+          <p:cNvSpPr/>
+          <p:nvPr/>
+        </p:nvSpPr>
+        <p:spPr>
+          <a:xfrm>
+            <a:off x="1078090" y="4584357"/>
+            <a:ext cx="9196554" cy="1051560"/>
+          </a:xfrm>
+          <a:prstGeom prst="rightArrow">
+            <a:avLst/>
+          </a:prstGeom>
+        </p:spPr>
+        <p:style>
+          <a:lnRef idx="1">
+            <a:schemeClr val="accent4"/>
+          </a:lnRef>
+          <a:fillRef idx="2">
+            <a:schemeClr val="accent4"/>
+          </a:fillRef>
+          <a:effectRef idx="1">
+            <a:schemeClr val="accent4"/>
+          </a:effectRef>
+          <a:fontRef idx="minor">
+            <a:schemeClr val="dk1"/>
+          </a:fontRef>
+        </p:style>
+        <p:txBody>
+          <a:bodyPr rtlCol="0" anchor="ctr"/>
+          <a:lstStyle/>
+          <a:p>
+            <a:r>
+              <a:rPr lang="en-US" altLang="zh-CN" sz="1600" dirty="0"/>
+              <a:t>GAME</a:t>
+            </a:r>
+            <a:endParaRPr lang="zh-CN" altLang="en-US" sz="1600" dirty="0"/>
+          </a:p>
+        </p:txBody>
+      </p:sp>
+      <p:sp>
+        <p:nvSpPr>
+          <p:cNvPr id="10" name="TextBox 9">
+            <a:extLst>
+              <a:ext uri="{FF2B5EF4-FFF2-40B4-BE49-F238E27FC236}">
+                <a16:creationId xmlns:a16="http://schemas.microsoft.com/office/drawing/2014/main" id="{438E22B5-0D9A-45A5-8EE4-708BE4475409}"/>
+              </a:ext>
+            </a:extLst>
+          </p:cNvPr>
+          <p:cNvSpPr txBox="1"/>
+          <p:nvPr/>
+        </p:nvSpPr>
+        <p:spPr>
+          <a:xfrm>
+            <a:off x="1684720" y="1750086"/>
+            <a:ext cx="1106393" cy="369332"/>
+          </a:xfrm>
+          <a:prstGeom prst="rect">
+            <a:avLst/>
+          </a:prstGeom>
+          <a:noFill/>
+        </p:spPr>
+        <p:txBody>
+          <a:bodyPr wrap="none" rtlCol="0">
+            <a:spAutoFit/>
+          </a:bodyPr>
+          <a:lstStyle/>
+          <a:p>
+            <a:r>
+              <a:rPr lang="zh-CN" altLang="en-US" dirty="0"/>
+              <a:t>实验开始</a:t>
+            </a:r>
+          </a:p>
+        </p:txBody>
+      </p:sp>
+      <p:sp>
+        <p:nvSpPr>
+          <p:cNvPr id="11" name="TextBox 10">
+            <a:extLst>
+              <a:ext uri="{FF2B5EF4-FFF2-40B4-BE49-F238E27FC236}">
+                <a16:creationId xmlns:a16="http://schemas.microsoft.com/office/drawing/2014/main" id="{CDC67CAA-FF39-49C4-A9C5-862DF1E7BAF9}"/>
+              </a:ext>
+            </a:extLst>
+          </p:cNvPr>
+          <p:cNvSpPr txBox="1"/>
+          <p:nvPr/>
+        </p:nvSpPr>
+        <p:spPr>
+          <a:xfrm>
+            <a:off x="3047000" y="1750086"/>
+            <a:ext cx="1229824" cy="369332"/>
+          </a:xfrm>
+          <a:prstGeom prst="rect">
+            <a:avLst/>
+          </a:prstGeom>
+          <a:noFill/>
+        </p:spPr>
+        <p:txBody>
+          <a:bodyPr wrap="none" rtlCol="0">
+            <a:spAutoFit/>
+          </a:bodyPr>
+          <a:lstStyle/>
+          <a:p>
+            <a:r>
+              <a:rPr lang="zh-CN" altLang="en-US" dirty="0">
+                <a:solidFill>
+                  <a:schemeClr val="bg1">
+                    <a:lumMod val="65000"/>
+                  </a:schemeClr>
+                </a:solidFill>
+              </a:rPr>
+              <a:t>动作</a:t>
+            </a:r>
+            <a:r>
+              <a:rPr lang="en-US" altLang="zh-CN" dirty="0">
+                <a:solidFill>
+                  <a:schemeClr val="bg1">
+                    <a:lumMod val="65000"/>
+                  </a:schemeClr>
+                </a:solidFill>
+              </a:rPr>
+              <a:t>1</a:t>
+            </a:r>
+            <a:r>
+              <a:rPr lang="zh-CN" altLang="en-US" dirty="0">
+                <a:solidFill>
+                  <a:schemeClr val="bg1">
+                    <a:lumMod val="65000"/>
+                  </a:schemeClr>
+                </a:solidFill>
+              </a:rPr>
+              <a:t>开始</a:t>
+            </a:r>
+          </a:p>
+        </p:txBody>
+      </p:sp>
+      <p:sp>
+        <p:nvSpPr>
+          <p:cNvPr id="12" name="TextBox 11">
+            <a:extLst>
+              <a:ext uri="{FF2B5EF4-FFF2-40B4-BE49-F238E27FC236}">
+                <a16:creationId xmlns:a16="http://schemas.microsoft.com/office/drawing/2014/main" id="{DA4466AE-1CD3-4F05-B5BE-48736D0F7C19}"/>
+              </a:ext>
+            </a:extLst>
+          </p:cNvPr>
+          <p:cNvSpPr txBox="1"/>
+          <p:nvPr/>
+        </p:nvSpPr>
+        <p:spPr>
+          <a:xfrm>
+            <a:off x="4532711" y="1750086"/>
+            <a:ext cx="1229824" cy="369332"/>
+          </a:xfrm>
+          <a:prstGeom prst="rect">
+            <a:avLst/>
+          </a:prstGeom>
+          <a:noFill/>
+        </p:spPr>
+        <p:txBody>
+          <a:bodyPr wrap="none" rtlCol="0">
+            <a:spAutoFit/>
+          </a:bodyPr>
+          <a:lstStyle/>
+          <a:p>
+            <a:r>
+              <a:rPr lang="zh-CN" altLang="en-US" dirty="0"/>
+              <a:t>动作</a:t>
+            </a:r>
+            <a:r>
+              <a:rPr lang="en-US" altLang="zh-CN" dirty="0"/>
+              <a:t>1</a:t>
+            </a:r>
+            <a:r>
+              <a:rPr lang="zh-CN" altLang="en-US" dirty="0"/>
+              <a:t>结束</a:t>
+            </a:r>
+          </a:p>
+        </p:txBody>
+      </p:sp>
+      <p:sp>
+        <p:nvSpPr>
+          <p:cNvPr id="13" name="TextBox 12">
+            <a:extLst>
+              <a:ext uri="{FF2B5EF4-FFF2-40B4-BE49-F238E27FC236}">
+                <a16:creationId xmlns:a16="http://schemas.microsoft.com/office/drawing/2014/main" id="{66D96BA6-6AE0-4A72-BAAB-16B8DCEA9CB8}"/>
+              </a:ext>
+            </a:extLst>
+          </p:cNvPr>
+          <p:cNvSpPr txBox="1"/>
+          <p:nvPr/>
+        </p:nvSpPr>
+        <p:spPr>
+          <a:xfrm>
+            <a:off x="6018422" y="1750086"/>
+            <a:ext cx="1229824" cy="369332"/>
+          </a:xfrm>
+          <a:prstGeom prst="rect">
+            <a:avLst/>
+          </a:prstGeom>
+          <a:noFill/>
+        </p:spPr>
+        <p:txBody>
+          <a:bodyPr wrap="none" rtlCol="0">
+            <a:spAutoFit/>
+          </a:bodyPr>
+          <a:lstStyle/>
+          <a:p>
+            <a:r>
+              <a:rPr lang="zh-CN" altLang="en-US" dirty="0">
+                <a:solidFill>
+                  <a:schemeClr val="bg1">
+                    <a:lumMod val="65000"/>
+                  </a:schemeClr>
+                </a:solidFill>
+              </a:rPr>
+              <a:t>动作</a:t>
+            </a:r>
+            <a:r>
+              <a:rPr lang="en-US" altLang="zh-CN" dirty="0">
+                <a:solidFill>
+                  <a:schemeClr val="bg1">
+                    <a:lumMod val="65000"/>
+                  </a:schemeClr>
+                </a:solidFill>
+              </a:rPr>
+              <a:t>n</a:t>
+            </a:r>
+            <a:r>
+              <a:rPr lang="zh-CN" altLang="en-US" dirty="0">
+                <a:solidFill>
+                  <a:schemeClr val="bg1">
+                    <a:lumMod val="65000"/>
+                  </a:schemeClr>
+                </a:solidFill>
+              </a:rPr>
+              <a:t>开始</a:t>
+            </a:r>
+          </a:p>
+        </p:txBody>
+      </p:sp>
+      <p:sp>
+        <p:nvSpPr>
+          <p:cNvPr id="14" name="TextBox 13">
+            <a:extLst>
+              <a:ext uri="{FF2B5EF4-FFF2-40B4-BE49-F238E27FC236}">
+                <a16:creationId xmlns:a16="http://schemas.microsoft.com/office/drawing/2014/main" id="{E6001901-317F-473B-9DD4-B26A3A76D54A}"/>
+              </a:ext>
+            </a:extLst>
+          </p:cNvPr>
+          <p:cNvSpPr txBox="1"/>
+          <p:nvPr/>
+        </p:nvSpPr>
+        <p:spPr>
+          <a:xfrm>
+            <a:off x="8994654" y="1750086"/>
+            <a:ext cx="1107996" cy="369332"/>
+          </a:xfrm>
+          <a:prstGeom prst="rect">
+            <a:avLst/>
+          </a:prstGeom>
+          <a:noFill/>
+        </p:spPr>
+        <p:txBody>
+          <a:bodyPr wrap="none" rtlCol="0">
+            <a:spAutoFit/>
+          </a:bodyPr>
+          <a:lstStyle/>
+          <a:p>
+            <a:r>
+              <a:rPr lang="zh-CN" altLang="en-US" dirty="0"/>
+              <a:t>实验结束</a:t>
+            </a:r>
+          </a:p>
+        </p:txBody>
+      </p:sp>
+      <p:cxnSp>
+        <p:nvCxnSpPr>
+          <p:cNvPr id="18" name="Straight Arrow Connector 17">
+            <a:extLst>
+              <a:ext uri="{FF2B5EF4-FFF2-40B4-BE49-F238E27FC236}">
+                <a16:creationId xmlns:a16="http://schemas.microsoft.com/office/drawing/2014/main" id="{6B68D5DA-D666-442D-B6F5-1F8A61E0703C}"/>
+              </a:ext>
+            </a:extLst>
+          </p:cNvPr>
+          <p:cNvCxnSpPr/>
+          <p:nvPr/>
+        </p:nvCxnSpPr>
+        <p:spPr>
+          <a:xfrm>
+            <a:off x="2178828" y="2447642"/>
+            <a:ext cx="0" cy="1463040"/>
+          </a:xfrm>
+          <a:prstGeom prst="straightConnector1">
+            <a:avLst/>
+          </a:prstGeom>
+          <a:ln w="76200" cap="flat" cmpd="sng" algn="ctr">
+            <a:solidFill>
+              <a:srgbClr val="ABCF9A"/>
+            </a:solidFill>
+            <a:prstDash val="solid"/>
+            <a:round/>
+            <a:headEnd type="none" w="med" len="med"/>
+            <a:tailEnd type="arrow" w="med" len="med"/>
+          </a:ln>
+        </p:spPr>
+        <p:style>
+          <a:lnRef idx="0">
+            <a:scrgbClr r="0" g="0" b="0"/>
+          </a:lnRef>
+          <a:fillRef idx="0">
+            <a:scrgbClr r="0" g="0" b="0"/>
+          </a:fillRef>
+          <a:effectRef idx="0">
+            <a:scrgbClr r="0" g="0" b="0"/>
+          </a:effectRef>
+          <a:fontRef idx="minor">
+            <a:schemeClr val="tx1"/>
+          </a:fontRef>
+        </p:style>
+      </p:cxnSp>
+      <p:cxnSp>
+        <p:nvCxnSpPr>
+          <p:cNvPr id="19" name="Straight Arrow Connector 18">
+            <a:extLst>
+              <a:ext uri="{FF2B5EF4-FFF2-40B4-BE49-F238E27FC236}">
+                <a16:creationId xmlns:a16="http://schemas.microsoft.com/office/drawing/2014/main" id="{2A4B1468-EBCB-47D2-915D-96C376F8617B}"/>
+              </a:ext>
+            </a:extLst>
+          </p:cNvPr>
+          <p:cNvCxnSpPr>
+            <a:cxnSpLocks/>
+          </p:cNvCxnSpPr>
+          <p:nvPr/>
+        </p:nvCxnSpPr>
+        <p:spPr>
+          <a:xfrm>
+            <a:off x="2514108" y="2447642"/>
+            <a:ext cx="0" cy="2697480"/>
+          </a:xfrm>
+          <a:prstGeom prst="straightConnector1">
+            <a:avLst/>
+          </a:prstGeom>
+          <a:ln w="76200" cap="flat" cmpd="sng" algn="ctr">
+            <a:solidFill>
+              <a:srgbClr val="ABCF9A"/>
+            </a:solidFill>
+            <a:prstDash val="solid"/>
+            <a:round/>
+            <a:headEnd type="none" w="med" len="med"/>
+            <a:tailEnd type="arrow" w="med" len="med"/>
+          </a:ln>
+        </p:spPr>
+        <p:style>
+          <a:lnRef idx="0">
+            <a:scrgbClr r="0" g="0" b="0"/>
+          </a:lnRef>
+          <a:fillRef idx="0">
+            <a:scrgbClr r="0" g="0" b="0"/>
+          </a:fillRef>
+          <a:effectRef idx="0">
+            <a:scrgbClr r="0" g="0" b="0"/>
+          </a:effectRef>
+          <a:fontRef idx="minor">
+            <a:schemeClr val="tx1"/>
+          </a:fontRef>
+        </p:style>
+      </p:cxnSp>
+      <p:cxnSp>
+        <p:nvCxnSpPr>
+          <p:cNvPr id="21" name="Straight Arrow Connector 20">
+            <a:extLst>
+              <a:ext uri="{FF2B5EF4-FFF2-40B4-BE49-F238E27FC236}">
+                <a16:creationId xmlns:a16="http://schemas.microsoft.com/office/drawing/2014/main" id="{08DA0AAA-6EBE-44C9-A799-AB85FEBBAD75}"/>
+              </a:ext>
+            </a:extLst>
+          </p:cNvPr>
+          <p:cNvCxnSpPr/>
+          <p:nvPr/>
+        </p:nvCxnSpPr>
+        <p:spPr>
+          <a:xfrm>
+            <a:off x="10032621" y="2472093"/>
+            <a:ext cx="0" cy="1463040"/>
+          </a:xfrm>
+          <a:prstGeom prst="straightConnector1">
+            <a:avLst/>
+          </a:prstGeom>
+          <a:ln w="76200" cap="flat" cmpd="sng" algn="ctr">
+            <a:solidFill>
+              <a:srgbClr val="ABCF9A"/>
+            </a:solidFill>
+            <a:prstDash val="solid"/>
+            <a:round/>
+            <a:headEnd type="none" w="med" len="med"/>
+            <a:tailEnd type="arrow" w="med" len="med"/>
+          </a:ln>
+        </p:spPr>
+        <p:style>
+          <a:lnRef idx="0">
+            <a:scrgbClr r="0" g="0" b="0"/>
+          </a:lnRef>
+          <a:fillRef idx="0">
+            <a:scrgbClr r="0" g="0" b="0"/>
+          </a:fillRef>
+          <a:effectRef idx="0">
+            <a:scrgbClr r="0" g="0" b="0"/>
+          </a:effectRef>
+          <a:fontRef idx="minor">
+            <a:schemeClr val="tx1"/>
+          </a:fontRef>
+        </p:style>
+      </p:cxnSp>
+      <p:cxnSp>
+        <p:nvCxnSpPr>
+          <p:cNvPr id="22" name="Straight Arrow Connector 21">
+            <a:extLst>
+              <a:ext uri="{FF2B5EF4-FFF2-40B4-BE49-F238E27FC236}">
+                <a16:creationId xmlns:a16="http://schemas.microsoft.com/office/drawing/2014/main" id="{E02E329F-1405-4D70-A38A-8DB1E31D6BD5}"/>
+              </a:ext>
+            </a:extLst>
+          </p:cNvPr>
+          <p:cNvCxnSpPr>
+            <a:cxnSpLocks/>
+          </p:cNvCxnSpPr>
+          <p:nvPr/>
+        </p:nvCxnSpPr>
+        <p:spPr>
+          <a:xfrm flipV="1">
+            <a:off x="9643960" y="2511249"/>
+            <a:ext cx="0" cy="2697480"/>
+          </a:xfrm>
+          <a:prstGeom prst="straightConnector1">
+            <a:avLst/>
+          </a:prstGeom>
+          <a:ln w="76200" cap="flat" cmpd="sng" algn="ctr">
+            <a:solidFill>
+              <a:srgbClr val="FFD78E"/>
+            </a:solidFill>
+            <a:prstDash val="solid"/>
+            <a:round/>
+            <a:headEnd type="none" w="med" len="med"/>
+            <a:tailEnd type="arrow" w="med" len="med"/>
+          </a:ln>
+        </p:spPr>
+        <p:style>
+          <a:lnRef idx="0">
+            <a:scrgbClr r="0" g="0" b="0"/>
+          </a:lnRef>
+          <a:fillRef idx="0">
+            <a:scrgbClr r="0" g="0" b="0"/>
+          </a:fillRef>
+          <a:effectRef idx="0">
+            <a:scrgbClr r="0" g="0" b="0"/>
+          </a:effectRef>
+          <a:fontRef idx="minor">
+            <a:schemeClr val="tx1"/>
+          </a:fontRef>
+        </p:style>
+      </p:cxnSp>
+      <p:sp>
+        <p:nvSpPr>
+          <p:cNvPr id="27" name="TextBox 26">
+            <a:extLst>
+              <a:ext uri="{FF2B5EF4-FFF2-40B4-BE49-F238E27FC236}">
+                <a16:creationId xmlns:a16="http://schemas.microsoft.com/office/drawing/2014/main" id="{0BDCCBD9-71BB-4D26-A875-FC78436616CD}"/>
+              </a:ext>
+            </a:extLst>
+          </p:cNvPr>
+          <p:cNvSpPr txBox="1"/>
+          <p:nvPr/>
+        </p:nvSpPr>
+        <p:spPr>
+          <a:xfrm>
+            <a:off x="7504133" y="1750086"/>
+            <a:ext cx="1234633" cy="369332"/>
+          </a:xfrm>
+          <a:prstGeom prst="rect">
+            <a:avLst/>
+          </a:prstGeom>
+          <a:noFill/>
+        </p:spPr>
+        <p:txBody>
+          <a:bodyPr wrap="none" rtlCol="0">
+            <a:spAutoFit/>
+          </a:bodyPr>
+          <a:lstStyle/>
+          <a:p>
+            <a:r>
+              <a:rPr lang="zh-CN" altLang="en-US" dirty="0"/>
+              <a:t>动作</a:t>
+            </a:r>
+            <a:r>
+              <a:rPr lang="en-US" altLang="zh-CN" dirty="0"/>
+              <a:t>n</a:t>
+            </a:r>
+            <a:r>
+              <a:rPr lang="zh-CN" altLang="en-US" dirty="0"/>
+              <a:t>结束</a:t>
+            </a:r>
+          </a:p>
+        </p:txBody>
+      </p:sp>
+      <p:sp>
+        <p:nvSpPr>
+          <p:cNvPr id="28" name="TextBox 27">
+            <a:extLst>
+              <a:ext uri="{FF2B5EF4-FFF2-40B4-BE49-F238E27FC236}">
+                <a16:creationId xmlns:a16="http://schemas.microsoft.com/office/drawing/2014/main" id="{A3EB31A2-15C7-4ACF-9908-7BCBBE113E0E}"/>
+              </a:ext>
+            </a:extLst>
+          </p:cNvPr>
+          <p:cNvSpPr txBox="1"/>
+          <p:nvPr/>
+        </p:nvSpPr>
+        <p:spPr>
+          <a:xfrm>
+            <a:off x="1639161" y="3171279"/>
+            <a:ext cx="349626" cy="954107"/>
+          </a:xfrm>
+          <a:prstGeom prst="rect">
+            <a:avLst/>
+          </a:prstGeom>
+        </p:spPr>
+        <p:style>
+          <a:lnRef idx="1">
+            <a:schemeClr val="accent6"/>
+          </a:lnRef>
+          <a:fillRef idx="2">
+            <a:schemeClr val="accent6"/>
+          </a:fillRef>
+          <a:effectRef idx="1">
+            <a:schemeClr val="accent6"/>
+          </a:effectRef>
+          <a:fontRef idx="minor">
+            <a:schemeClr val="dk1"/>
+          </a:fontRef>
+        </p:style>
+        <p:txBody>
+          <a:bodyPr wrap="square" rtlCol="0">
+            <a:spAutoFit/>
+          </a:bodyPr>
+          <a:lstStyle/>
+          <a:p>
+            <a:r>
+              <a:rPr lang="zh-CN" altLang="en-US" sz="1400" dirty="0"/>
+              <a:t>开始指令</a:t>
+            </a:r>
+          </a:p>
+        </p:txBody>
+      </p:sp>
+      <p:sp>
+        <p:nvSpPr>
+          <p:cNvPr id="29" name="TextBox 28">
+            <a:extLst>
+              <a:ext uri="{FF2B5EF4-FFF2-40B4-BE49-F238E27FC236}">
+                <a16:creationId xmlns:a16="http://schemas.microsoft.com/office/drawing/2014/main" id="{694C184B-8DA0-44C5-A13A-7111FDC0C14C}"/>
+              </a:ext>
+            </a:extLst>
+          </p:cNvPr>
+          <p:cNvSpPr txBox="1"/>
+          <p:nvPr/>
+        </p:nvSpPr>
+        <p:spPr>
+          <a:xfrm>
+            <a:off x="2622486" y="4348768"/>
+            <a:ext cx="351082" cy="954107"/>
+          </a:xfrm>
+          <a:prstGeom prst="rect">
+            <a:avLst/>
+          </a:prstGeom>
+        </p:spPr>
+        <p:style>
+          <a:lnRef idx="1">
+            <a:schemeClr val="accent6"/>
+          </a:lnRef>
+          <a:fillRef idx="2">
+            <a:schemeClr val="accent6"/>
+          </a:fillRef>
+          <a:effectRef idx="1">
+            <a:schemeClr val="accent6"/>
+          </a:effectRef>
+          <a:fontRef idx="minor">
+            <a:schemeClr val="dk1"/>
+          </a:fontRef>
+        </p:style>
+        <p:txBody>
+          <a:bodyPr wrap="square" rtlCol="0">
+            <a:spAutoFit/>
+          </a:bodyPr>
+          <a:lstStyle/>
+          <a:p>
+            <a:r>
+              <a:rPr lang="zh-CN" altLang="en-US" sz="1400" dirty="0"/>
+              <a:t>开始指令</a:t>
+            </a:r>
+          </a:p>
+        </p:txBody>
+      </p:sp>
+      <p:sp>
+        <p:nvSpPr>
+          <p:cNvPr id="30" name="TextBox 29">
+            <a:extLst>
+              <a:ext uri="{FF2B5EF4-FFF2-40B4-BE49-F238E27FC236}">
+                <a16:creationId xmlns:a16="http://schemas.microsoft.com/office/drawing/2014/main" id="{A6560178-6101-4249-B670-F78390B08170}"/>
+              </a:ext>
+            </a:extLst>
+          </p:cNvPr>
+          <p:cNvSpPr txBox="1"/>
+          <p:nvPr/>
+        </p:nvSpPr>
+        <p:spPr>
+          <a:xfrm>
+            <a:off x="9107112" y="2630849"/>
+            <a:ext cx="347241" cy="954107"/>
+          </a:xfrm>
+          <a:prstGeom prst="rect">
+            <a:avLst/>
+          </a:prstGeom>
+        </p:spPr>
+        <p:style>
+          <a:lnRef idx="1">
+            <a:schemeClr val="accent4"/>
+          </a:lnRef>
+          <a:fillRef idx="2">
+            <a:schemeClr val="accent4"/>
+          </a:fillRef>
+          <a:effectRef idx="1">
+            <a:schemeClr val="accent4"/>
+          </a:effectRef>
+          <a:fontRef idx="minor">
+            <a:schemeClr val="dk1"/>
+          </a:fontRef>
+        </p:style>
+        <p:txBody>
+          <a:bodyPr wrap="square" rtlCol="0">
+            <a:spAutoFit/>
+          </a:bodyPr>
+          <a:lstStyle/>
+          <a:p>
+            <a:r>
+              <a:rPr lang="zh-CN" altLang="en-US" sz="1400" dirty="0"/>
+              <a:t>结束通知</a:t>
+            </a:r>
+          </a:p>
+        </p:txBody>
+      </p:sp>
+      <p:sp>
+        <p:nvSpPr>
+          <p:cNvPr id="31" name="TextBox 30">
+            <a:extLst>
+              <a:ext uri="{FF2B5EF4-FFF2-40B4-BE49-F238E27FC236}">
+                <a16:creationId xmlns:a16="http://schemas.microsoft.com/office/drawing/2014/main" id="{B1C8EE6E-3305-4274-8983-02FB961F18E0}"/>
+              </a:ext>
+            </a:extLst>
+          </p:cNvPr>
+          <p:cNvSpPr txBox="1"/>
+          <p:nvPr/>
+        </p:nvSpPr>
+        <p:spPr>
+          <a:xfrm>
+            <a:off x="10144369" y="3154186"/>
+            <a:ext cx="371226" cy="954107"/>
+          </a:xfrm>
+          <a:prstGeom prst="rect">
+            <a:avLst/>
+          </a:prstGeom>
+        </p:spPr>
+        <p:style>
+          <a:lnRef idx="1">
+            <a:schemeClr val="accent6"/>
+          </a:lnRef>
+          <a:fillRef idx="2">
+            <a:schemeClr val="accent6"/>
+          </a:fillRef>
+          <a:effectRef idx="1">
+            <a:schemeClr val="accent6"/>
+          </a:effectRef>
+          <a:fontRef idx="minor">
+            <a:schemeClr val="dk1"/>
+          </a:fontRef>
+        </p:style>
+        <p:txBody>
+          <a:bodyPr wrap="square" rtlCol="0">
+            <a:spAutoFit/>
+          </a:bodyPr>
+          <a:lstStyle/>
+          <a:p>
+            <a:r>
+              <a:rPr lang="zh-CN" altLang="en-US" sz="1400" dirty="0"/>
+              <a:t>结束通知</a:t>
+            </a:r>
+          </a:p>
+        </p:txBody>
+      </p:sp>
+      <p:sp>
+        <p:nvSpPr>
+          <p:cNvPr id="32" name="TextBox 31">
+            <a:extLst>
+              <a:ext uri="{FF2B5EF4-FFF2-40B4-BE49-F238E27FC236}">
+                <a16:creationId xmlns:a16="http://schemas.microsoft.com/office/drawing/2014/main" id="{AAF6E727-A0BD-4580-A8EE-B56BA0FD80EE}"/>
+              </a:ext>
+            </a:extLst>
+          </p:cNvPr>
+          <p:cNvSpPr txBox="1"/>
+          <p:nvPr/>
+        </p:nvSpPr>
+        <p:spPr>
+          <a:xfrm>
+            <a:off x="3558173" y="4734557"/>
+            <a:ext cx="401835" cy="738664"/>
+          </a:xfrm>
+          <a:prstGeom prst="rect">
+            <a:avLst/>
+          </a:prstGeom>
+        </p:spPr>
+        <p:style>
+          <a:lnRef idx="1">
+            <a:schemeClr val="accent4"/>
+          </a:lnRef>
+          <a:fillRef idx="2">
+            <a:schemeClr val="accent4"/>
+          </a:fillRef>
+          <a:effectRef idx="1">
+            <a:schemeClr val="accent4"/>
+          </a:effectRef>
+          <a:fontRef idx="minor">
+            <a:schemeClr val="dk1"/>
+          </a:fontRef>
+        </p:style>
+        <p:txBody>
+          <a:bodyPr wrap="square" rtlCol="0">
+            <a:spAutoFit/>
+          </a:bodyPr>
+          <a:lstStyle/>
+          <a:p>
+            <a:r>
+              <a:rPr lang="zh-CN" altLang="en-US" sz="1400" dirty="0"/>
+              <a:t>打并口</a:t>
+            </a:r>
+          </a:p>
+        </p:txBody>
+      </p:sp>
+      <p:sp>
+        <p:nvSpPr>
+          <p:cNvPr id="33" name="TextBox 32">
+            <a:extLst>
+              <a:ext uri="{FF2B5EF4-FFF2-40B4-BE49-F238E27FC236}">
+                <a16:creationId xmlns:a16="http://schemas.microsoft.com/office/drawing/2014/main" id="{C9288D43-87E8-4957-A138-A6F3DCCAE900}"/>
+              </a:ext>
+            </a:extLst>
+          </p:cNvPr>
+          <p:cNvSpPr txBox="1"/>
+          <p:nvPr/>
+        </p:nvSpPr>
+        <p:spPr>
+          <a:xfrm>
+            <a:off x="6526150" y="4720417"/>
+            <a:ext cx="401835" cy="738664"/>
+          </a:xfrm>
+          <a:prstGeom prst="rect">
+            <a:avLst/>
+          </a:prstGeom>
+        </p:spPr>
+        <p:style>
+          <a:lnRef idx="1">
+            <a:schemeClr val="accent4"/>
+          </a:lnRef>
+          <a:fillRef idx="2">
+            <a:schemeClr val="accent4"/>
+          </a:fillRef>
+          <a:effectRef idx="1">
+            <a:schemeClr val="accent4"/>
+          </a:effectRef>
+          <a:fontRef idx="minor">
+            <a:schemeClr val="dk1"/>
+          </a:fontRef>
+        </p:style>
+        <p:txBody>
+          <a:bodyPr wrap="square" rtlCol="0">
+            <a:spAutoFit/>
+          </a:bodyPr>
+          <a:lstStyle/>
+          <a:p>
+            <a:r>
+              <a:rPr lang="zh-CN" altLang="en-US" sz="1400" dirty="0"/>
+              <a:t>打并口</a:t>
+            </a:r>
+          </a:p>
+        </p:txBody>
+      </p:sp>
+      <p:cxnSp>
+        <p:nvCxnSpPr>
+          <p:cNvPr id="37" name="Straight Connector 36">
+            <a:extLst>
+              <a:ext uri="{FF2B5EF4-FFF2-40B4-BE49-F238E27FC236}">
+                <a16:creationId xmlns:a16="http://schemas.microsoft.com/office/drawing/2014/main" id="{F5938333-6ADD-462D-837D-860588825342}"/>
+              </a:ext>
+            </a:extLst>
+          </p:cNvPr>
+          <p:cNvCxnSpPr/>
+          <p:nvPr/>
+        </p:nvCxnSpPr>
+        <p:spPr>
+          <a:xfrm>
+            <a:off x="2990335" y="1210962"/>
+            <a:ext cx="0" cy="4924168"/>
+          </a:xfrm>
+          <a:prstGeom prst="line">
+            <a:avLst/>
+          </a:prstGeom>
+        </p:spPr>
+        <p:style>
+          <a:lnRef idx="3">
+            <a:schemeClr val="accent3"/>
+          </a:lnRef>
+          <a:fillRef idx="0">
+            <a:schemeClr val="accent3"/>
+          </a:fillRef>
+          <a:effectRef idx="2">
+            <a:schemeClr val="accent3"/>
+          </a:effectRef>
+          <a:fontRef idx="minor">
+            <a:schemeClr val="tx1"/>
+          </a:fontRef>
+        </p:style>
+      </p:cxnSp>
+      <p:cxnSp>
+        <p:nvCxnSpPr>
+          <p:cNvPr id="38" name="Straight Connector 37">
+            <a:extLst>
+              <a:ext uri="{FF2B5EF4-FFF2-40B4-BE49-F238E27FC236}">
+                <a16:creationId xmlns:a16="http://schemas.microsoft.com/office/drawing/2014/main" id="{F5D9F6B2-842C-49F8-8DA4-96741F7F279D}"/>
+              </a:ext>
+            </a:extLst>
+          </p:cNvPr>
+          <p:cNvCxnSpPr/>
+          <p:nvPr/>
+        </p:nvCxnSpPr>
+        <p:spPr>
+          <a:xfrm>
+            <a:off x="4403124" y="1210962"/>
+            <a:ext cx="0" cy="4924168"/>
+          </a:xfrm>
+          <a:prstGeom prst="line">
+            <a:avLst/>
+          </a:prstGeom>
+        </p:spPr>
+        <p:style>
+          <a:lnRef idx="3">
+            <a:schemeClr val="accent3"/>
+          </a:lnRef>
+          <a:fillRef idx="0">
+            <a:schemeClr val="accent3"/>
+          </a:fillRef>
+          <a:effectRef idx="2">
+            <a:schemeClr val="accent3"/>
+          </a:effectRef>
+          <a:fontRef idx="minor">
+            <a:schemeClr val="tx1"/>
+          </a:fontRef>
+        </p:style>
+      </p:cxnSp>
+      <p:cxnSp>
+        <p:nvCxnSpPr>
+          <p:cNvPr id="39" name="Straight Connector 38">
+            <a:extLst>
+              <a:ext uri="{FF2B5EF4-FFF2-40B4-BE49-F238E27FC236}">
+                <a16:creationId xmlns:a16="http://schemas.microsoft.com/office/drawing/2014/main" id="{FCBA0099-8EB9-4D2B-9E3E-6C6B53E414C3}"/>
+              </a:ext>
+            </a:extLst>
+          </p:cNvPr>
+          <p:cNvCxnSpPr/>
+          <p:nvPr/>
+        </p:nvCxnSpPr>
+        <p:spPr>
+          <a:xfrm>
+            <a:off x="5890054" y="1210962"/>
+            <a:ext cx="0" cy="4924168"/>
+          </a:xfrm>
+          <a:prstGeom prst="line">
+            <a:avLst/>
+          </a:prstGeom>
+        </p:spPr>
+        <p:style>
+          <a:lnRef idx="3">
+            <a:schemeClr val="accent3"/>
+          </a:lnRef>
+          <a:fillRef idx="0">
+            <a:schemeClr val="accent3"/>
+          </a:fillRef>
+          <a:effectRef idx="2">
+            <a:schemeClr val="accent3"/>
+          </a:effectRef>
+          <a:fontRef idx="minor">
+            <a:schemeClr val="tx1"/>
+          </a:fontRef>
+        </p:style>
+      </p:cxnSp>
+      <p:cxnSp>
+        <p:nvCxnSpPr>
+          <p:cNvPr id="40" name="Straight Connector 39">
+            <a:extLst>
+              <a:ext uri="{FF2B5EF4-FFF2-40B4-BE49-F238E27FC236}">
+                <a16:creationId xmlns:a16="http://schemas.microsoft.com/office/drawing/2014/main" id="{C1A25E20-9166-4F3C-9C73-B5B4BDF86E46}"/>
+              </a:ext>
+            </a:extLst>
+          </p:cNvPr>
+          <p:cNvCxnSpPr/>
+          <p:nvPr/>
+        </p:nvCxnSpPr>
+        <p:spPr>
+          <a:xfrm>
+            <a:off x="7401697" y="1186249"/>
+            <a:ext cx="0" cy="4924168"/>
+          </a:xfrm>
+          <a:prstGeom prst="line">
+            <a:avLst/>
+          </a:prstGeom>
+        </p:spPr>
+        <p:style>
+          <a:lnRef idx="3">
+            <a:schemeClr val="accent3"/>
+          </a:lnRef>
+          <a:fillRef idx="0">
+            <a:schemeClr val="accent3"/>
+          </a:fillRef>
+          <a:effectRef idx="2">
+            <a:schemeClr val="accent3"/>
+          </a:effectRef>
+          <a:fontRef idx="minor">
+            <a:schemeClr val="tx1"/>
+          </a:fontRef>
+        </p:style>
+      </p:cxnSp>
+      <p:cxnSp>
+        <p:nvCxnSpPr>
+          <p:cNvPr id="41" name="Straight Connector 40">
+            <a:extLst>
+              <a:ext uri="{FF2B5EF4-FFF2-40B4-BE49-F238E27FC236}">
+                <a16:creationId xmlns:a16="http://schemas.microsoft.com/office/drawing/2014/main" id="{BC875562-89C5-448A-9858-D9EC6158FEE3}"/>
+              </a:ext>
+            </a:extLst>
+          </p:cNvPr>
+          <p:cNvCxnSpPr/>
+          <p:nvPr/>
+        </p:nvCxnSpPr>
+        <p:spPr>
+          <a:xfrm>
+            <a:off x="8814486" y="1186249"/>
+            <a:ext cx="0" cy="4924168"/>
+          </a:xfrm>
+          <a:prstGeom prst="line">
+            <a:avLst/>
+          </a:prstGeom>
+        </p:spPr>
+        <p:style>
+          <a:lnRef idx="3">
+            <a:schemeClr val="accent3"/>
+          </a:lnRef>
+          <a:fillRef idx="0">
+            <a:schemeClr val="accent3"/>
+          </a:fillRef>
+          <a:effectRef idx="2">
+            <a:schemeClr val="accent3"/>
+          </a:effectRef>
+          <a:fontRef idx="minor">
+            <a:schemeClr val="tx1"/>
+          </a:fontRef>
+        </p:style>
+      </p:cxnSp>
+    </p:spTree>
+    <p:extLst>
+      <p:ext uri="{BB962C8B-B14F-4D97-AF65-F5344CB8AC3E}">
+        <p14:creationId xmlns:p14="http://schemas.microsoft.com/office/powerpoint/2010/main" val="2278602906"/>
+      </p:ext>
+    </p:extLst>
+  </p:cSld>
+  <p:clrMapOvr>
+    <a:masterClrMapping/>
+  </p:clrMapOvr>
+</p:sld>
+</file>
+
+<file path=ppt/slides/slide6.xml><?xml version="1.0" encoding="utf-8"?>
+<p:sld xmlns:a="http://schemas.openxmlformats.org/drawingml/2006/main" xmlns:r="http://schemas.openxmlformats.org/officeDocument/2006/relationships" xmlns:p="http://schemas.openxmlformats.org/presentationml/2006/main">
+  <p:cSld>
+    <p:spTree>
+      <p:nvGrpSpPr>
+        <p:cNvPr id="1" name=""/>
+        <p:cNvGrpSpPr/>
+        <p:nvPr/>
+      </p:nvGrpSpPr>
+      <p:grpSpPr>
+        <a:xfrm>
+          <a:off x="0" y="0"/>
+          <a:ext cx="0" cy="0"/>
+          <a:chOff x="0" y="0"/>
+          <a:chExt cx="0" cy="0"/>
+        </a:xfrm>
+      </p:grpSpPr>
+      <p:sp>
+        <p:nvSpPr>
+          <p:cNvPr id="6" name="Arrow: Right 5">
+            <a:extLst>
+              <a:ext uri="{FF2B5EF4-FFF2-40B4-BE49-F238E27FC236}">
+                <a16:creationId xmlns:a16="http://schemas.microsoft.com/office/drawing/2014/main" id="{EF6AE603-18E5-42A9-BFE2-7149B8E11643}"/>
+              </a:ext>
+            </a:extLst>
+          </p:cNvPr>
+          <p:cNvSpPr/>
+          <p:nvPr/>
+        </p:nvSpPr>
+        <p:spPr>
+          <a:xfrm>
+            <a:off x="429358" y="1979167"/>
+            <a:ext cx="11340449" cy="1051560"/>
+          </a:xfrm>
+          <a:prstGeom prst="rightArrow">
+            <a:avLst/>
+          </a:prstGeom>
+        </p:spPr>
+        <p:style>
+          <a:lnRef idx="1">
+            <a:schemeClr val="accent6"/>
+          </a:lnRef>
+          <a:fillRef idx="2">
+            <a:schemeClr val="accent6"/>
+          </a:fillRef>
+          <a:effectRef idx="1">
+            <a:schemeClr val="accent6"/>
+          </a:effectRef>
+          <a:fontRef idx="minor">
+            <a:schemeClr val="dk1"/>
+          </a:fontRef>
+        </p:style>
+        <p:txBody>
+          <a:bodyPr rtlCol="0" anchor="ctr"/>
+          <a:lstStyle/>
+          <a:p>
+            <a:r>
+              <a:rPr lang="en-US" altLang="zh-CN" sz="1600" dirty="0"/>
+              <a:t>UI</a:t>
+            </a:r>
+            <a:endParaRPr lang="zh-CN" altLang="en-US" sz="1600" dirty="0"/>
+          </a:p>
+        </p:txBody>
+      </p:sp>
+      <p:sp>
+        <p:nvSpPr>
+          <p:cNvPr id="7" name="Arrow: Right 6">
+            <a:extLst>
+              <a:ext uri="{FF2B5EF4-FFF2-40B4-BE49-F238E27FC236}">
+                <a16:creationId xmlns:a16="http://schemas.microsoft.com/office/drawing/2014/main" id="{4095CECF-4746-493C-A1E0-11E21F1C2659}"/>
+              </a:ext>
+            </a:extLst>
+          </p:cNvPr>
+          <p:cNvSpPr/>
+          <p:nvPr/>
+        </p:nvSpPr>
+        <p:spPr>
+          <a:xfrm>
+            <a:off x="429358" y="3266316"/>
+            <a:ext cx="10877067" cy="1051560"/>
+          </a:xfrm>
+          <a:prstGeom prst="rightArrow">
+            <a:avLst/>
+          </a:prstGeom>
+        </p:spPr>
+        <p:style>
+          <a:lnRef idx="1">
+            <a:schemeClr val="accent5"/>
+          </a:lnRef>
+          <a:fillRef idx="2">
+            <a:schemeClr val="accent5"/>
+          </a:fillRef>
+          <a:effectRef idx="1">
+            <a:schemeClr val="accent5"/>
+          </a:effectRef>
+          <a:fontRef idx="minor">
+            <a:schemeClr val="dk1"/>
+          </a:fontRef>
+        </p:style>
+        <p:txBody>
+          <a:bodyPr rtlCol="0" anchor="ctr"/>
+          <a:lstStyle/>
+          <a:p>
+            <a:r>
+              <a:rPr lang="en-US" altLang="zh-CN" sz="1600" dirty="0"/>
+              <a:t>BCI</a:t>
+            </a:r>
+            <a:endParaRPr lang="zh-CN" altLang="en-US" sz="1600" dirty="0"/>
+          </a:p>
+        </p:txBody>
+      </p:sp>
+      <p:sp>
+        <p:nvSpPr>
+          <p:cNvPr id="9" name="Arrow: Right 8">
+            <a:extLst>
+              <a:ext uri="{FF2B5EF4-FFF2-40B4-BE49-F238E27FC236}">
+                <a16:creationId xmlns:a16="http://schemas.microsoft.com/office/drawing/2014/main" id="{2BD92491-A24F-4DD0-98F6-70F781FB9D2B}"/>
+              </a:ext>
+            </a:extLst>
+          </p:cNvPr>
+          <p:cNvSpPr/>
+          <p:nvPr/>
+        </p:nvSpPr>
+        <p:spPr>
+          <a:xfrm>
+            <a:off x="429359" y="4553465"/>
+            <a:ext cx="9657213" cy="1051560"/>
+          </a:xfrm>
+          <a:prstGeom prst="rightArrow">
+            <a:avLst/>
+          </a:prstGeom>
+        </p:spPr>
+        <p:style>
+          <a:lnRef idx="1">
+            <a:schemeClr val="accent4"/>
+          </a:lnRef>
+          <a:fillRef idx="2">
+            <a:schemeClr val="accent4"/>
+          </a:fillRef>
+          <a:effectRef idx="1">
+            <a:schemeClr val="accent4"/>
+          </a:effectRef>
+          <a:fontRef idx="minor">
+            <a:schemeClr val="dk1"/>
+          </a:fontRef>
+        </p:style>
+        <p:txBody>
+          <a:bodyPr rtlCol="0" anchor="ctr"/>
+          <a:lstStyle/>
+          <a:p>
+            <a:r>
+              <a:rPr lang="en-US" altLang="zh-CN" sz="1600" dirty="0"/>
+              <a:t>GAME</a:t>
+            </a:r>
+            <a:endParaRPr lang="zh-CN" altLang="en-US" sz="1600" dirty="0"/>
+          </a:p>
+        </p:txBody>
+      </p:sp>
+      <p:sp>
+        <p:nvSpPr>
+          <p:cNvPr id="10" name="TextBox 9">
+            <a:extLst>
+              <a:ext uri="{FF2B5EF4-FFF2-40B4-BE49-F238E27FC236}">
+                <a16:creationId xmlns:a16="http://schemas.microsoft.com/office/drawing/2014/main" id="{438E22B5-0D9A-45A5-8EE4-708BE4475409}"/>
+              </a:ext>
+            </a:extLst>
+          </p:cNvPr>
+          <p:cNvSpPr txBox="1"/>
+          <p:nvPr/>
+        </p:nvSpPr>
+        <p:spPr>
+          <a:xfrm>
+            <a:off x="686175" y="1714012"/>
+            <a:ext cx="1106393" cy="369332"/>
+          </a:xfrm>
+          <a:prstGeom prst="rect">
+            <a:avLst/>
+          </a:prstGeom>
+          <a:noFill/>
+        </p:spPr>
+        <p:txBody>
+          <a:bodyPr wrap="none" rtlCol="0">
+            <a:spAutoFit/>
+          </a:bodyPr>
+          <a:lstStyle/>
+          <a:p>
+            <a:r>
+              <a:rPr lang="zh-CN" altLang="en-US" dirty="0"/>
+              <a:t>实验开始</a:t>
+            </a:r>
+          </a:p>
+        </p:txBody>
+      </p:sp>
+      <p:sp>
+        <p:nvSpPr>
+          <p:cNvPr id="11" name="TextBox 10">
+            <a:extLst>
+              <a:ext uri="{FF2B5EF4-FFF2-40B4-BE49-F238E27FC236}">
+                <a16:creationId xmlns:a16="http://schemas.microsoft.com/office/drawing/2014/main" id="{CDC67CAA-FF39-49C4-A9C5-862DF1E7BAF9}"/>
+              </a:ext>
+            </a:extLst>
+          </p:cNvPr>
+          <p:cNvSpPr txBox="1"/>
+          <p:nvPr/>
+        </p:nvSpPr>
+        <p:spPr>
+          <a:xfrm>
+            <a:off x="2323658" y="1706533"/>
+            <a:ext cx="1229824" cy="369332"/>
+          </a:xfrm>
+          <a:prstGeom prst="rect">
+            <a:avLst/>
+          </a:prstGeom>
+          <a:noFill/>
+        </p:spPr>
+        <p:txBody>
+          <a:bodyPr wrap="none" rtlCol="0">
+            <a:spAutoFit/>
+          </a:bodyPr>
+          <a:lstStyle/>
+          <a:p>
+            <a:r>
+              <a:rPr lang="zh-CN" altLang="en-US" dirty="0">
+                <a:solidFill>
+                  <a:schemeClr val="bg1">
+                    <a:lumMod val="65000"/>
+                  </a:schemeClr>
+                </a:solidFill>
+              </a:rPr>
+              <a:t>动作</a:t>
+            </a:r>
+            <a:r>
+              <a:rPr lang="en-US" altLang="zh-CN" dirty="0">
+                <a:solidFill>
+                  <a:schemeClr val="bg1">
+                    <a:lumMod val="65000"/>
+                  </a:schemeClr>
+                </a:solidFill>
+              </a:rPr>
+              <a:t>1</a:t>
+            </a:r>
+            <a:r>
+              <a:rPr lang="zh-CN" altLang="en-US" dirty="0">
+                <a:solidFill>
+                  <a:schemeClr val="bg1">
+                    <a:lumMod val="65000"/>
+                  </a:schemeClr>
+                </a:solidFill>
+              </a:rPr>
+              <a:t>开始</a:t>
+            </a:r>
+          </a:p>
+        </p:txBody>
+      </p:sp>
+      <p:sp>
+        <p:nvSpPr>
+          <p:cNvPr id="12" name="TextBox 11">
+            <a:extLst>
+              <a:ext uri="{FF2B5EF4-FFF2-40B4-BE49-F238E27FC236}">
+                <a16:creationId xmlns:a16="http://schemas.microsoft.com/office/drawing/2014/main" id="{DA4466AE-1CD3-4F05-B5BE-48736D0F7C19}"/>
+              </a:ext>
+            </a:extLst>
+          </p:cNvPr>
+          <p:cNvSpPr txBox="1"/>
+          <p:nvPr/>
+        </p:nvSpPr>
+        <p:spPr>
+          <a:xfrm>
+            <a:off x="4084572" y="1706533"/>
+            <a:ext cx="1229824" cy="369332"/>
+          </a:xfrm>
+          <a:prstGeom prst="rect">
+            <a:avLst/>
+          </a:prstGeom>
+          <a:noFill/>
+        </p:spPr>
+        <p:txBody>
+          <a:bodyPr wrap="none" rtlCol="0">
+            <a:spAutoFit/>
+          </a:bodyPr>
+          <a:lstStyle/>
+          <a:p>
+            <a:r>
+              <a:rPr lang="zh-CN" altLang="en-US" dirty="0"/>
+              <a:t>动作</a:t>
+            </a:r>
+            <a:r>
+              <a:rPr lang="en-US" altLang="zh-CN" dirty="0"/>
+              <a:t>1</a:t>
+            </a:r>
+            <a:r>
+              <a:rPr lang="zh-CN" altLang="en-US" dirty="0"/>
+              <a:t>结束</a:t>
+            </a:r>
+          </a:p>
+        </p:txBody>
+      </p:sp>
+      <p:sp>
+        <p:nvSpPr>
+          <p:cNvPr id="13" name="TextBox 12">
+            <a:extLst>
+              <a:ext uri="{FF2B5EF4-FFF2-40B4-BE49-F238E27FC236}">
+                <a16:creationId xmlns:a16="http://schemas.microsoft.com/office/drawing/2014/main" id="{66D96BA6-6AE0-4A72-BAAB-16B8DCEA9CB8}"/>
+              </a:ext>
+            </a:extLst>
+          </p:cNvPr>
+          <p:cNvSpPr txBox="1"/>
+          <p:nvPr/>
+        </p:nvSpPr>
+        <p:spPr>
+          <a:xfrm>
+            <a:off x="5845486" y="1706533"/>
+            <a:ext cx="1229824" cy="369332"/>
+          </a:xfrm>
+          <a:prstGeom prst="rect">
+            <a:avLst/>
+          </a:prstGeom>
+          <a:noFill/>
+        </p:spPr>
+        <p:txBody>
+          <a:bodyPr wrap="none" rtlCol="0">
+            <a:spAutoFit/>
+          </a:bodyPr>
+          <a:lstStyle/>
+          <a:p>
+            <a:r>
+              <a:rPr lang="zh-CN" altLang="en-US" dirty="0">
+                <a:solidFill>
+                  <a:schemeClr val="bg1">
+                    <a:lumMod val="65000"/>
+                  </a:schemeClr>
+                </a:solidFill>
+              </a:rPr>
+              <a:t>动作</a:t>
+            </a:r>
+            <a:r>
+              <a:rPr lang="en-US" altLang="zh-CN" dirty="0">
+                <a:solidFill>
+                  <a:schemeClr val="bg1">
+                    <a:lumMod val="65000"/>
+                  </a:schemeClr>
+                </a:solidFill>
+              </a:rPr>
+              <a:t>n</a:t>
+            </a:r>
+            <a:r>
+              <a:rPr lang="zh-CN" altLang="en-US" dirty="0">
+                <a:solidFill>
+                  <a:schemeClr val="bg1">
+                    <a:lumMod val="65000"/>
+                  </a:schemeClr>
+                </a:solidFill>
+              </a:rPr>
+              <a:t>开始</a:t>
+            </a:r>
+          </a:p>
+        </p:txBody>
+      </p:sp>
+      <p:sp>
+        <p:nvSpPr>
+          <p:cNvPr id="14" name="TextBox 13">
+            <a:extLst>
+              <a:ext uri="{FF2B5EF4-FFF2-40B4-BE49-F238E27FC236}">
+                <a16:creationId xmlns:a16="http://schemas.microsoft.com/office/drawing/2014/main" id="{E6001901-317F-473B-9DD4-B26A3A76D54A}"/>
+              </a:ext>
+            </a:extLst>
+          </p:cNvPr>
+          <p:cNvSpPr txBox="1"/>
+          <p:nvPr/>
+        </p:nvSpPr>
+        <p:spPr>
+          <a:xfrm>
+            <a:off x="9372121" y="1723914"/>
+            <a:ext cx="1107996" cy="369332"/>
+          </a:xfrm>
+          <a:prstGeom prst="rect">
+            <a:avLst/>
+          </a:prstGeom>
+          <a:noFill/>
+        </p:spPr>
+        <p:txBody>
+          <a:bodyPr wrap="none" rtlCol="0">
+            <a:spAutoFit/>
+          </a:bodyPr>
+          <a:lstStyle/>
+          <a:p>
+            <a:r>
+              <a:rPr lang="zh-CN" altLang="en-US" dirty="0"/>
+              <a:t>实验结束</a:t>
+            </a:r>
+          </a:p>
+        </p:txBody>
+      </p:sp>
+      <p:cxnSp>
+        <p:nvCxnSpPr>
+          <p:cNvPr id="18" name="Straight Arrow Connector 17">
+            <a:extLst>
+              <a:ext uri="{FF2B5EF4-FFF2-40B4-BE49-F238E27FC236}">
+                <a16:creationId xmlns:a16="http://schemas.microsoft.com/office/drawing/2014/main" id="{6B68D5DA-D666-442D-B6F5-1F8A61E0703C}"/>
+              </a:ext>
+            </a:extLst>
+          </p:cNvPr>
+          <p:cNvCxnSpPr/>
+          <p:nvPr/>
+        </p:nvCxnSpPr>
+        <p:spPr>
+          <a:xfrm>
+            <a:off x="1419586" y="2478534"/>
+            <a:ext cx="0" cy="1463040"/>
+          </a:xfrm>
+          <a:prstGeom prst="straightConnector1">
+            <a:avLst/>
+          </a:prstGeom>
+          <a:ln w="76200" cap="flat" cmpd="sng" algn="ctr">
+            <a:solidFill>
+              <a:srgbClr val="ABCF9A"/>
+            </a:solidFill>
+            <a:prstDash val="solid"/>
+            <a:round/>
+            <a:headEnd type="none" w="med" len="med"/>
+            <a:tailEnd type="arrow" w="med" len="med"/>
+          </a:ln>
+        </p:spPr>
+        <p:style>
+          <a:lnRef idx="0">
+            <a:scrgbClr r="0" g="0" b="0"/>
+          </a:lnRef>
+          <a:fillRef idx="0">
+            <a:scrgbClr r="0" g="0" b="0"/>
+          </a:fillRef>
+          <a:effectRef idx="0">
+            <a:scrgbClr r="0" g="0" b="0"/>
+          </a:effectRef>
+          <a:fontRef idx="minor">
+            <a:schemeClr val="tx1"/>
+          </a:fontRef>
+        </p:style>
+      </p:cxnSp>
+      <p:cxnSp>
+        <p:nvCxnSpPr>
+          <p:cNvPr id="19" name="Straight Arrow Connector 18">
+            <a:extLst>
+              <a:ext uri="{FF2B5EF4-FFF2-40B4-BE49-F238E27FC236}">
+                <a16:creationId xmlns:a16="http://schemas.microsoft.com/office/drawing/2014/main" id="{2A4B1468-EBCB-47D2-915D-96C376F8617B}"/>
+              </a:ext>
+            </a:extLst>
+          </p:cNvPr>
+          <p:cNvCxnSpPr>
+            <a:cxnSpLocks/>
+          </p:cNvCxnSpPr>
+          <p:nvPr/>
+        </p:nvCxnSpPr>
+        <p:spPr>
+          <a:xfrm>
+            <a:off x="1754866" y="2478534"/>
+            <a:ext cx="0" cy="2697480"/>
+          </a:xfrm>
+          <a:prstGeom prst="straightConnector1">
+            <a:avLst/>
+          </a:prstGeom>
+          <a:ln w="76200" cap="flat" cmpd="sng" algn="ctr">
+            <a:solidFill>
+              <a:srgbClr val="ABCF9A"/>
+            </a:solidFill>
+            <a:prstDash val="solid"/>
+            <a:round/>
+            <a:headEnd type="none" w="med" len="med"/>
+            <a:tailEnd type="arrow" w="med" len="med"/>
+          </a:ln>
+        </p:spPr>
+        <p:style>
+          <a:lnRef idx="0">
+            <a:scrgbClr r="0" g="0" b="0"/>
+          </a:lnRef>
+          <a:fillRef idx="0">
+            <a:scrgbClr r="0" g="0" b="0"/>
+          </a:fillRef>
+          <a:effectRef idx="0">
+            <a:scrgbClr r="0" g="0" b="0"/>
+          </a:effectRef>
+          <a:fontRef idx="minor">
+            <a:schemeClr val="tx1"/>
+          </a:fontRef>
+        </p:style>
+      </p:cxnSp>
+      <p:cxnSp>
+        <p:nvCxnSpPr>
+          <p:cNvPr id="21" name="Straight Arrow Connector 20">
+            <a:extLst>
+              <a:ext uri="{FF2B5EF4-FFF2-40B4-BE49-F238E27FC236}">
+                <a16:creationId xmlns:a16="http://schemas.microsoft.com/office/drawing/2014/main" id="{08DA0AAA-6EBE-44C9-A799-AB85FEBBAD75}"/>
+              </a:ext>
+            </a:extLst>
+          </p:cNvPr>
+          <p:cNvCxnSpPr/>
+          <p:nvPr/>
+        </p:nvCxnSpPr>
+        <p:spPr>
+          <a:xfrm>
+            <a:off x="10022631" y="2375533"/>
+            <a:ext cx="0" cy="1463040"/>
+          </a:xfrm>
+          <a:prstGeom prst="straightConnector1">
+            <a:avLst/>
+          </a:prstGeom>
+          <a:ln w="76200" cap="flat" cmpd="sng" algn="ctr">
+            <a:solidFill>
+              <a:srgbClr val="ABCF9A"/>
+            </a:solidFill>
+            <a:prstDash val="solid"/>
+            <a:round/>
+            <a:headEnd type="none" w="med" len="med"/>
+            <a:tailEnd type="arrow" w="med" len="med"/>
+          </a:ln>
+        </p:spPr>
+        <p:style>
+          <a:lnRef idx="0">
+            <a:scrgbClr r="0" g="0" b="0"/>
+          </a:lnRef>
+          <a:fillRef idx="0">
+            <a:scrgbClr r="0" g="0" b="0"/>
+          </a:fillRef>
+          <a:effectRef idx="0">
+            <a:scrgbClr r="0" g="0" b="0"/>
+          </a:effectRef>
+          <a:fontRef idx="minor">
+            <a:schemeClr val="tx1"/>
+          </a:fontRef>
+        </p:style>
+      </p:cxnSp>
+      <p:cxnSp>
+        <p:nvCxnSpPr>
+          <p:cNvPr id="22" name="Straight Arrow Connector 21">
+            <a:extLst>
+              <a:ext uri="{FF2B5EF4-FFF2-40B4-BE49-F238E27FC236}">
+                <a16:creationId xmlns:a16="http://schemas.microsoft.com/office/drawing/2014/main" id="{E02E329F-1405-4D70-A38A-8DB1E31D6BD5}"/>
+              </a:ext>
+            </a:extLst>
+          </p:cNvPr>
+          <p:cNvCxnSpPr>
+            <a:cxnSpLocks/>
+          </p:cNvCxnSpPr>
+          <p:nvPr/>
+        </p:nvCxnSpPr>
+        <p:spPr>
+          <a:xfrm flipV="1">
+            <a:off x="9372121" y="2383758"/>
+            <a:ext cx="0" cy="2697480"/>
+          </a:xfrm>
+          <a:prstGeom prst="straightConnector1">
+            <a:avLst/>
+          </a:prstGeom>
+          <a:ln w="76200" cap="flat" cmpd="sng" algn="ctr">
+            <a:solidFill>
+              <a:srgbClr val="FFD78E"/>
+            </a:solidFill>
+            <a:prstDash val="solid"/>
+            <a:round/>
+            <a:headEnd type="none" w="med" len="med"/>
+            <a:tailEnd type="arrow" w="med" len="med"/>
+          </a:ln>
+        </p:spPr>
+        <p:style>
+          <a:lnRef idx="0">
+            <a:scrgbClr r="0" g="0" b="0"/>
+          </a:lnRef>
+          <a:fillRef idx="0">
+            <a:scrgbClr r="0" g="0" b="0"/>
+          </a:fillRef>
+          <a:effectRef idx="0">
+            <a:scrgbClr r="0" g="0" b="0"/>
+          </a:effectRef>
+          <a:fontRef idx="minor">
+            <a:schemeClr val="tx1"/>
+          </a:fontRef>
+        </p:style>
+      </p:cxnSp>
+      <p:sp>
+        <p:nvSpPr>
+          <p:cNvPr id="27" name="TextBox 26">
+            <a:extLst>
+              <a:ext uri="{FF2B5EF4-FFF2-40B4-BE49-F238E27FC236}">
+                <a16:creationId xmlns:a16="http://schemas.microsoft.com/office/drawing/2014/main" id="{0BDCCBD9-71BB-4D26-A875-FC78436616CD}"/>
+              </a:ext>
+            </a:extLst>
+          </p:cNvPr>
+          <p:cNvSpPr txBox="1"/>
+          <p:nvPr/>
+        </p:nvSpPr>
+        <p:spPr>
+          <a:xfrm>
+            <a:off x="7606400" y="1706533"/>
+            <a:ext cx="1234633" cy="369332"/>
+          </a:xfrm>
+          <a:prstGeom prst="rect">
+            <a:avLst/>
+          </a:prstGeom>
+          <a:noFill/>
+        </p:spPr>
+        <p:txBody>
+          <a:bodyPr wrap="none" rtlCol="0">
+            <a:spAutoFit/>
+          </a:bodyPr>
+          <a:lstStyle/>
+          <a:p>
+            <a:r>
+              <a:rPr lang="zh-CN" altLang="en-US" dirty="0"/>
+              <a:t>动作</a:t>
+            </a:r>
+            <a:r>
+              <a:rPr lang="en-US" altLang="zh-CN" dirty="0"/>
+              <a:t>n</a:t>
+            </a:r>
+            <a:r>
+              <a:rPr lang="zh-CN" altLang="en-US" dirty="0"/>
+              <a:t>结束</a:t>
+            </a:r>
+          </a:p>
+        </p:txBody>
+      </p:sp>
+      <p:cxnSp>
+        <p:nvCxnSpPr>
+          <p:cNvPr id="16" name="Straight Arrow Connector 15">
+            <a:extLst>
+              <a:ext uri="{FF2B5EF4-FFF2-40B4-BE49-F238E27FC236}">
+                <a16:creationId xmlns:a16="http://schemas.microsoft.com/office/drawing/2014/main" id="{87D2257D-FBEC-4390-BB42-0AC9D3EBD9E7}"/>
+              </a:ext>
+            </a:extLst>
+          </p:cNvPr>
+          <p:cNvCxnSpPr>
+            <a:cxnSpLocks/>
+          </p:cNvCxnSpPr>
+          <p:nvPr/>
+        </p:nvCxnSpPr>
+        <p:spPr>
+          <a:xfrm flipV="1">
+            <a:off x="4598646" y="3547434"/>
+            <a:ext cx="0" cy="1515062"/>
+          </a:xfrm>
+          <a:prstGeom prst="straightConnector1">
+            <a:avLst/>
+          </a:prstGeom>
+          <a:ln w="76200" cap="flat" cmpd="sng" algn="ctr">
+            <a:solidFill>
+              <a:srgbClr val="FFD78E"/>
+            </a:solidFill>
+            <a:prstDash val="solid"/>
+            <a:round/>
+            <a:headEnd type="none" w="med" len="med"/>
+            <a:tailEnd type="arrow" w="med" len="med"/>
+          </a:ln>
+        </p:spPr>
+        <p:style>
+          <a:lnRef idx="0">
+            <a:scrgbClr r="0" g="0" b="0"/>
+          </a:lnRef>
+          <a:fillRef idx="0">
+            <a:scrgbClr r="0" g="0" b="0"/>
+          </a:fillRef>
+          <a:effectRef idx="0">
+            <a:scrgbClr r="0" g="0" b="0"/>
+          </a:effectRef>
+          <a:fontRef idx="minor">
+            <a:schemeClr val="tx1"/>
+          </a:fontRef>
+        </p:style>
+      </p:cxnSp>
+      <p:cxnSp>
+        <p:nvCxnSpPr>
+          <p:cNvPr id="20" name="Straight Arrow Connector 19">
+            <a:extLst>
+              <a:ext uri="{FF2B5EF4-FFF2-40B4-BE49-F238E27FC236}">
+                <a16:creationId xmlns:a16="http://schemas.microsoft.com/office/drawing/2014/main" id="{E1626FF6-1DE1-4E1C-9C66-97038765F008}"/>
+              </a:ext>
+            </a:extLst>
+          </p:cNvPr>
+          <p:cNvCxnSpPr>
+            <a:cxnSpLocks/>
+          </p:cNvCxnSpPr>
+          <p:nvPr/>
+        </p:nvCxnSpPr>
+        <p:spPr>
+          <a:xfrm flipV="1">
+            <a:off x="7984035" y="3737919"/>
+            <a:ext cx="0" cy="1515062"/>
+          </a:xfrm>
+          <a:prstGeom prst="straightConnector1">
+            <a:avLst/>
+          </a:prstGeom>
+          <a:ln w="76200" cap="flat" cmpd="sng" algn="ctr">
+            <a:solidFill>
+              <a:srgbClr val="FFD78E"/>
+            </a:solidFill>
+            <a:prstDash val="solid"/>
+            <a:round/>
+            <a:headEnd type="none" w="med" len="med"/>
+            <a:tailEnd type="arrow" w="med" len="med"/>
+          </a:ln>
+        </p:spPr>
+        <p:style>
+          <a:lnRef idx="0">
+            <a:scrgbClr r="0" g="0" b="0"/>
+          </a:lnRef>
+          <a:fillRef idx="0">
+            <a:scrgbClr r="0" g="0" b="0"/>
+          </a:fillRef>
+          <a:effectRef idx="0">
+            <a:scrgbClr r="0" g="0" b="0"/>
+          </a:effectRef>
+          <a:fontRef idx="minor">
+            <a:schemeClr val="tx1"/>
+          </a:fontRef>
+        </p:style>
+      </p:cxnSp>
+      <p:cxnSp>
+        <p:nvCxnSpPr>
+          <p:cNvPr id="23" name="Straight Arrow Connector 22">
+            <a:extLst>
+              <a:ext uri="{FF2B5EF4-FFF2-40B4-BE49-F238E27FC236}">
+                <a16:creationId xmlns:a16="http://schemas.microsoft.com/office/drawing/2014/main" id="{FA90E81D-B9C6-4279-BF27-2BEA84860AA9}"/>
+              </a:ext>
+            </a:extLst>
+          </p:cNvPr>
+          <p:cNvCxnSpPr>
+            <a:cxnSpLocks/>
+          </p:cNvCxnSpPr>
+          <p:nvPr/>
+        </p:nvCxnSpPr>
+        <p:spPr>
+          <a:xfrm flipV="1">
+            <a:off x="10590729" y="2457277"/>
+            <a:ext cx="0" cy="1515062"/>
+          </a:xfrm>
+          <a:prstGeom prst="straightConnector1">
+            <a:avLst/>
+          </a:prstGeom>
+          <a:ln w="76200" cap="flat" cmpd="sng" algn="ctr">
+            <a:solidFill>
+              <a:srgbClr val="A6C3E6"/>
+            </a:solidFill>
+            <a:prstDash val="solid"/>
+            <a:round/>
+            <a:headEnd type="none" w="med" len="med"/>
+            <a:tailEnd type="arrow" w="med" len="med"/>
+          </a:ln>
+        </p:spPr>
+        <p:style>
+          <a:lnRef idx="0">
+            <a:scrgbClr r="0" g="0" b="0"/>
+          </a:lnRef>
+          <a:fillRef idx="0">
+            <a:scrgbClr r="0" g="0" b="0"/>
+          </a:fillRef>
+          <a:effectRef idx="0">
+            <a:scrgbClr r="0" g="0" b="0"/>
+          </a:effectRef>
+          <a:fontRef idx="minor">
+            <a:schemeClr val="tx1"/>
+          </a:fontRef>
+        </p:style>
+      </p:cxnSp>
+      <p:sp>
+        <p:nvSpPr>
+          <p:cNvPr id="24" name="TextBox 23">
+            <a:extLst>
+              <a:ext uri="{FF2B5EF4-FFF2-40B4-BE49-F238E27FC236}">
+                <a16:creationId xmlns:a16="http://schemas.microsoft.com/office/drawing/2014/main" id="{DD01F170-F6C7-465A-98BE-E4ED336A13D5}"/>
+              </a:ext>
+            </a:extLst>
+          </p:cNvPr>
+          <p:cNvSpPr txBox="1"/>
+          <p:nvPr/>
+        </p:nvSpPr>
+        <p:spPr>
+          <a:xfrm>
+            <a:off x="931830" y="3214808"/>
+            <a:ext cx="349626" cy="954107"/>
+          </a:xfrm>
+          <a:prstGeom prst="rect">
+            <a:avLst/>
+          </a:prstGeom>
+        </p:spPr>
+        <p:style>
+          <a:lnRef idx="1">
+            <a:schemeClr val="accent6"/>
+          </a:lnRef>
+          <a:fillRef idx="2">
+            <a:schemeClr val="accent6"/>
+          </a:fillRef>
+          <a:effectRef idx="1">
+            <a:schemeClr val="accent6"/>
+          </a:effectRef>
+          <a:fontRef idx="minor">
+            <a:schemeClr val="dk1"/>
+          </a:fontRef>
+        </p:style>
+        <p:txBody>
+          <a:bodyPr wrap="square" rtlCol="0">
+            <a:spAutoFit/>
+          </a:bodyPr>
+          <a:lstStyle/>
+          <a:p>
+            <a:r>
+              <a:rPr lang="zh-CN" altLang="en-US" sz="1400" dirty="0"/>
+              <a:t>开始指令</a:t>
+            </a:r>
+          </a:p>
+        </p:txBody>
+      </p:sp>
+      <p:sp>
+        <p:nvSpPr>
+          <p:cNvPr id="25" name="TextBox 24">
+            <a:extLst>
+              <a:ext uri="{FF2B5EF4-FFF2-40B4-BE49-F238E27FC236}">
+                <a16:creationId xmlns:a16="http://schemas.microsoft.com/office/drawing/2014/main" id="{D816C72A-EA3F-4E20-B3C7-F082D5A87412}"/>
+              </a:ext>
+            </a:extLst>
+          </p:cNvPr>
+          <p:cNvSpPr txBox="1"/>
+          <p:nvPr/>
+        </p:nvSpPr>
+        <p:spPr>
+          <a:xfrm>
+            <a:off x="1234366" y="4584490"/>
+            <a:ext cx="351082" cy="954107"/>
+          </a:xfrm>
+          <a:prstGeom prst="rect">
+            <a:avLst/>
+          </a:prstGeom>
+        </p:spPr>
+        <p:style>
+          <a:lnRef idx="1">
+            <a:schemeClr val="accent6"/>
+          </a:lnRef>
+          <a:fillRef idx="2">
+            <a:schemeClr val="accent6"/>
+          </a:fillRef>
+          <a:effectRef idx="1">
+            <a:schemeClr val="accent6"/>
+          </a:effectRef>
+          <a:fontRef idx="minor">
+            <a:schemeClr val="dk1"/>
+          </a:fontRef>
+        </p:style>
+        <p:txBody>
+          <a:bodyPr wrap="square" rtlCol="0">
+            <a:spAutoFit/>
+          </a:bodyPr>
+          <a:lstStyle/>
+          <a:p>
+            <a:r>
+              <a:rPr lang="zh-CN" altLang="en-US" sz="1400" dirty="0"/>
+              <a:t>开始指令</a:t>
+            </a:r>
+          </a:p>
+        </p:txBody>
+      </p:sp>
+      <p:sp>
+        <p:nvSpPr>
+          <p:cNvPr id="26" name="TextBox 25">
+            <a:extLst>
+              <a:ext uri="{FF2B5EF4-FFF2-40B4-BE49-F238E27FC236}">
+                <a16:creationId xmlns:a16="http://schemas.microsoft.com/office/drawing/2014/main" id="{464B0468-7243-475B-916A-947846FA5D1F}"/>
+              </a:ext>
+            </a:extLst>
+          </p:cNvPr>
+          <p:cNvSpPr txBox="1"/>
+          <p:nvPr/>
+        </p:nvSpPr>
+        <p:spPr>
+          <a:xfrm>
+            <a:off x="9514991" y="2088152"/>
+            <a:ext cx="347241" cy="954107"/>
+          </a:xfrm>
+          <a:prstGeom prst="rect">
+            <a:avLst/>
+          </a:prstGeom>
+        </p:spPr>
+        <p:style>
+          <a:lnRef idx="1">
+            <a:schemeClr val="accent4"/>
+          </a:lnRef>
+          <a:fillRef idx="2">
+            <a:schemeClr val="accent4"/>
+          </a:fillRef>
+          <a:effectRef idx="1">
+            <a:schemeClr val="accent4"/>
+          </a:effectRef>
+          <a:fontRef idx="minor">
+            <a:schemeClr val="dk1"/>
+          </a:fontRef>
+        </p:style>
+        <p:txBody>
+          <a:bodyPr wrap="square" rtlCol="0">
+            <a:spAutoFit/>
+          </a:bodyPr>
+          <a:lstStyle/>
+          <a:p>
+            <a:r>
+              <a:rPr lang="zh-CN" altLang="en-US" sz="1400" dirty="0"/>
+              <a:t>结束通知</a:t>
+            </a:r>
+          </a:p>
+        </p:txBody>
+      </p:sp>
+      <p:sp>
+        <p:nvSpPr>
+          <p:cNvPr id="28" name="TextBox 27">
+            <a:extLst>
+              <a:ext uri="{FF2B5EF4-FFF2-40B4-BE49-F238E27FC236}">
+                <a16:creationId xmlns:a16="http://schemas.microsoft.com/office/drawing/2014/main" id="{EBA577DA-B1AE-4565-9A3B-CDD6D281D696}"/>
+              </a:ext>
+            </a:extLst>
+          </p:cNvPr>
+          <p:cNvSpPr txBox="1"/>
+          <p:nvPr/>
+        </p:nvSpPr>
+        <p:spPr>
+          <a:xfrm>
+            <a:off x="10108891" y="3315042"/>
+            <a:ext cx="371226" cy="954107"/>
+          </a:xfrm>
+          <a:prstGeom prst="rect">
+            <a:avLst/>
+          </a:prstGeom>
+        </p:spPr>
+        <p:style>
+          <a:lnRef idx="1">
+            <a:schemeClr val="accent6"/>
+          </a:lnRef>
+          <a:fillRef idx="2">
+            <a:schemeClr val="accent6"/>
+          </a:fillRef>
+          <a:effectRef idx="1">
+            <a:schemeClr val="accent6"/>
+          </a:effectRef>
+          <a:fontRef idx="minor">
+            <a:schemeClr val="dk1"/>
+          </a:fontRef>
+        </p:style>
+        <p:txBody>
+          <a:bodyPr wrap="square" rtlCol="0">
+            <a:spAutoFit/>
+          </a:bodyPr>
+          <a:lstStyle/>
+          <a:p>
+            <a:r>
+              <a:rPr lang="zh-CN" altLang="en-US" sz="1400" dirty="0"/>
+              <a:t>结束通知</a:t>
+            </a:r>
+          </a:p>
+        </p:txBody>
+      </p:sp>
+      <p:sp>
+        <p:nvSpPr>
+          <p:cNvPr id="29" name="TextBox 28">
+            <a:extLst>
+              <a:ext uri="{FF2B5EF4-FFF2-40B4-BE49-F238E27FC236}">
+                <a16:creationId xmlns:a16="http://schemas.microsoft.com/office/drawing/2014/main" id="{E5AB757B-D769-484A-8C4E-662B627D6FAC}"/>
+              </a:ext>
+            </a:extLst>
+          </p:cNvPr>
+          <p:cNvSpPr txBox="1"/>
+          <p:nvPr/>
+        </p:nvSpPr>
+        <p:spPr>
+          <a:xfrm>
+            <a:off x="10744429" y="1961559"/>
+            <a:ext cx="371226" cy="1169551"/>
+          </a:xfrm>
+          <a:prstGeom prst="rect">
+            <a:avLst/>
+          </a:prstGeom>
+        </p:spPr>
+        <p:style>
+          <a:lnRef idx="1">
+            <a:schemeClr val="accent5"/>
+          </a:lnRef>
+          <a:fillRef idx="2">
+            <a:schemeClr val="accent5"/>
+          </a:fillRef>
+          <a:effectRef idx="1">
+            <a:schemeClr val="accent5"/>
+          </a:effectRef>
+          <a:fontRef idx="minor">
+            <a:schemeClr val="dk1"/>
+          </a:fontRef>
+        </p:style>
+        <p:txBody>
+          <a:bodyPr wrap="square" rtlCol="0">
+            <a:spAutoFit/>
+          </a:bodyPr>
+          <a:lstStyle/>
+          <a:p>
+            <a:r>
+              <a:rPr lang="zh-CN" altLang="en-US" sz="1400" dirty="0"/>
+              <a:t>在线准确率</a:t>
+            </a:r>
+          </a:p>
+        </p:txBody>
+      </p:sp>
+      <p:sp>
+        <p:nvSpPr>
+          <p:cNvPr id="30" name="TextBox 29">
+            <a:extLst>
+              <a:ext uri="{FF2B5EF4-FFF2-40B4-BE49-F238E27FC236}">
+                <a16:creationId xmlns:a16="http://schemas.microsoft.com/office/drawing/2014/main" id="{6D3809EA-3420-40F8-92DF-9C7AD777924B}"/>
+              </a:ext>
+            </a:extLst>
+          </p:cNvPr>
+          <p:cNvSpPr txBox="1"/>
+          <p:nvPr/>
+        </p:nvSpPr>
+        <p:spPr>
+          <a:xfrm>
+            <a:off x="4065767" y="3301080"/>
+            <a:ext cx="347241" cy="954107"/>
+          </a:xfrm>
+          <a:prstGeom prst="rect">
+            <a:avLst/>
+          </a:prstGeom>
+        </p:spPr>
+        <p:style>
+          <a:lnRef idx="1">
+            <a:schemeClr val="accent4"/>
+          </a:lnRef>
+          <a:fillRef idx="2">
+            <a:schemeClr val="accent4"/>
+          </a:fillRef>
+          <a:effectRef idx="1">
+            <a:schemeClr val="accent4"/>
+          </a:effectRef>
+          <a:fontRef idx="minor">
+            <a:schemeClr val="dk1"/>
+          </a:fontRef>
+        </p:style>
+        <p:txBody>
+          <a:bodyPr wrap="square" rtlCol="0">
+            <a:spAutoFit/>
+          </a:bodyPr>
+          <a:lstStyle/>
+          <a:p>
+            <a:r>
+              <a:rPr lang="zh-CN" altLang="en-US" sz="1400" dirty="0"/>
+              <a:t>查询标签</a:t>
+            </a:r>
+          </a:p>
+        </p:txBody>
+      </p:sp>
+      <p:sp>
+        <p:nvSpPr>
+          <p:cNvPr id="31" name="TextBox 30">
+            <a:extLst>
+              <a:ext uri="{FF2B5EF4-FFF2-40B4-BE49-F238E27FC236}">
+                <a16:creationId xmlns:a16="http://schemas.microsoft.com/office/drawing/2014/main" id="{9FB33D9B-7A1F-412C-B7C2-E61EAE899D99}"/>
+              </a:ext>
+            </a:extLst>
+          </p:cNvPr>
+          <p:cNvSpPr txBox="1"/>
+          <p:nvPr/>
+        </p:nvSpPr>
+        <p:spPr>
+          <a:xfrm>
+            <a:off x="7438474" y="3336996"/>
+            <a:ext cx="347241" cy="954107"/>
+          </a:xfrm>
+          <a:prstGeom prst="rect">
+            <a:avLst/>
+          </a:prstGeom>
+        </p:spPr>
+        <p:style>
+          <a:lnRef idx="1">
+            <a:schemeClr val="accent4"/>
+          </a:lnRef>
+          <a:fillRef idx="2">
+            <a:schemeClr val="accent4"/>
+          </a:fillRef>
+          <a:effectRef idx="1">
+            <a:schemeClr val="accent4"/>
+          </a:effectRef>
+          <a:fontRef idx="minor">
+            <a:schemeClr val="dk1"/>
+          </a:fontRef>
+        </p:style>
+        <p:txBody>
+          <a:bodyPr wrap="square" rtlCol="0">
+            <a:spAutoFit/>
+          </a:bodyPr>
+          <a:lstStyle/>
+          <a:p>
+            <a:r>
+              <a:rPr lang="zh-CN" altLang="en-US" sz="1400" dirty="0"/>
+              <a:t>查询标签</a:t>
+            </a:r>
+          </a:p>
+        </p:txBody>
+      </p:sp>
+      <p:cxnSp>
+        <p:nvCxnSpPr>
+          <p:cNvPr id="32" name="Straight Arrow Connector 31">
+            <a:extLst>
+              <a:ext uri="{FF2B5EF4-FFF2-40B4-BE49-F238E27FC236}">
+                <a16:creationId xmlns:a16="http://schemas.microsoft.com/office/drawing/2014/main" id="{F2F0FD63-06DA-4135-B3DF-38D48617DC0D}"/>
+              </a:ext>
+            </a:extLst>
+          </p:cNvPr>
+          <p:cNvCxnSpPr>
+            <a:cxnSpLocks/>
+          </p:cNvCxnSpPr>
+          <p:nvPr/>
+        </p:nvCxnSpPr>
+        <p:spPr>
+          <a:xfrm>
+            <a:off x="4939625" y="3675755"/>
+            <a:ext cx="0" cy="1311597"/>
+          </a:xfrm>
+          <a:prstGeom prst="straightConnector1">
+            <a:avLst/>
+          </a:prstGeom>
+          <a:ln w="76200" cap="flat" cmpd="sng" algn="ctr">
+            <a:solidFill>
+              <a:srgbClr val="A6C3E6"/>
+            </a:solidFill>
+            <a:prstDash val="solid"/>
+            <a:round/>
+            <a:headEnd type="none" w="med" len="med"/>
+            <a:tailEnd type="arrow" w="med" len="med"/>
+          </a:ln>
+        </p:spPr>
+        <p:style>
+          <a:lnRef idx="0">
+            <a:scrgbClr r="0" g="0" b="0"/>
+          </a:lnRef>
+          <a:fillRef idx="0">
+            <a:scrgbClr r="0" g="0" b="0"/>
+          </a:fillRef>
+          <a:effectRef idx="0">
+            <a:scrgbClr r="0" g="0" b="0"/>
+          </a:effectRef>
+          <a:fontRef idx="minor">
+            <a:schemeClr val="tx1"/>
+          </a:fontRef>
+        </p:style>
+      </p:cxnSp>
+      <p:sp>
+        <p:nvSpPr>
+          <p:cNvPr id="33" name="TextBox 32">
+            <a:extLst>
+              <a:ext uri="{FF2B5EF4-FFF2-40B4-BE49-F238E27FC236}">
+                <a16:creationId xmlns:a16="http://schemas.microsoft.com/office/drawing/2014/main" id="{BED273BC-CA93-48E3-870F-CD003D08B573}"/>
+              </a:ext>
+            </a:extLst>
+          </p:cNvPr>
+          <p:cNvSpPr txBox="1"/>
+          <p:nvPr/>
+        </p:nvSpPr>
+        <p:spPr>
+          <a:xfrm>
+            <a:off x="5123642" y="4557197"/>
+            <a:ext cx="371226" cy="954107"/>
+          </a:xfrm>
+          <a:prstGeom prst="rect">
+            <a:avLst/>
+          </a:prstGeom>
+        </p:spPr>
+        <p:style>
+          <a:lnRef idx="1">
+            <a:schemeClr val="accent5"/>
+          </a:lnRef>
+          <a:fillRef idx="2">
+            <a:schemeClr val="accent5"/>
+          </a:fillRef>
+          <a:effectRef idx="1">
+            <a:schemeClr val="accent5"/>
+          </a:effectRef>
+          <a:fontRef idx="minor">
+            <a:schemeClr val="dk1"/>
+          </a:fontRef>
+        </p:style>
+        <p:txBody>
+          <a:bodyPr wrap="square" rtlCol="0">
+            <a:spAutoFit/>
+          </a:bodyPr>
+          <a:lstStyle/>
+          <a:p>
+            <a:r>
+              <a:rPr lang="zh-CN" altLang="en-US" sz="1400" dirty="0"/>
+              <a:t>返回标签</a:t>
+            </a:r>
+          </a:p>
+        </p:txBody>
+      </p:sp>
+      <p:cxnSp>
+        <p:nvCxnSpPr>
+          <p:cNvPr id="35" name="Straight Arrow Connector 34">
+            <a:extLst>
+              <a:ext uri="{FF2B5EF4-FFF2-40B4-BE49-F238E27FC236}">
+                <a16:creationId xmlns:a16="http://schemas.microsoft.com/office/drawing/2014/main" id="{FE32B13F-46C6-463C-89FD-13E242AECD88}"/>
+              </a:ext>
+            </a:extLst>
+          </p:cNvPr>
+          <p:cNvCxnSpPr>
+            <a:cxnSpLocks/>
+          </p:cNvCxnSpPr>
+          <p:nvPr/>
+        </p:nvCxnSpPr>
+        <p:spPr>
+          <a:xfrm>
+            <a:off x="8260296" y="3732498"/>
+            <a:ext cx="0" cy="1311597"/>
+          </a:xfrm>
+          <a:prstGeom prst="straightConnector1">
+            <a:avLst/>
+          </a:prstGeom>
+          <a:ln w="76200" cap="flat" cmpd="sng" algn="ctr">
+            <a:solidFill>
+              <a:srgbClr val="A6C3E6"/>
+            </a:solidFill>
+            <a:prstDash val="solid"/>
+            <a:round/>
+            <a:headEnd type="none" w="med" len="med"/>
+            <a:tailEnd type="arrow" w="med" len="med"/>
+          </a:ln>
+        </p:spPr>
+        <p:style>
+          <a:lnRef idx="0">
+            <a:scrgbClr r="0" g="0" b="0"/>
+          </a:lnRef>
+          <a:fillRef idx="0">
+            <a:scrgbClr r="0" g="0" b="0"/>
+          </a:fillRef>
+          <a:effectRef idx="0">
+            <a:scrgbClr r="0" g="0" b="0"/>
+          </a:effectRef>
+          <a:fontRef idx="minor">
+            <a:schemeClr val="tx1"/>
+          </a:fontRef>
+        </p:style>
+      </p:cxnSp>
+      <p:sp>
+        <p:nvSpPr>
+          <p:cNvPr id="36" name="TextBox 35">
+            <a:extLst>
+              <a:ext uri="{FF2B5EF4-FFF2-40B4-BE49-F238E27FC236}">
+                <a16:creationId xmlns:a16="http://schemas.microsoft.com/office/drawing/2014/main" id="{6B528209-AD5D-47E1-BF46-37B78BD8D659}"/>
+              </a:ext>
+            </a:extLst>
+          </p:cNvPr>
+          <p:cNvSpPr txBox="1"/>
+          <p:nvPr/>
+        </p:nvSpPr>
+        <p:spPr>
+          <a:xfrm>
+            <a:off x="8435008" y="4602191"/>
+            <a:ext cx="371226" cy="954107"/>
+          </a:xfrm>
+          <a:prstGeom prst="rect">
+            <a:avLst/>
+          </a:prstGeom>
+        </p:spPr>
+        <p:style>
+          <a:lnRef idx="1">
+            <a:schemeClr val="accent5"/>
+          </a:lnRef>
+          <a:fillRef idx="2">
+            <a:schemeClr val="accent5"/>
+          </a:fillRef>
+          <a:effectRef idx="1">
+            <a:schemeClr val="accent5"/>
+          </a:effectRef>
+          <a:fontRef idx="minor">
+            <a:schemeClr val="dk1"/>
+          </a:fontRef>
+        </p:style>
+        <p:txBody>
+          <a:bodyPr wrap="square" rtlCol="0">
+            <a:spAutoFit/>
+          </a:bodyPr>
+          <a:lstStyle/>
+          <a:p>
+            <a:r>
+              <a:rPr lang="zh-CN" altLang="en-US" sz="1400" dirty="0"/>
+              <a:t>返回标签</a:t>
+            </a:r>
+          </a:p>
+        </p:txBody>
+      </p:sp>
+      <p:sp>
+        <p:nvSpPr>
+          <p:cNvPr id="38" name="TextBox 37">
+            <a:extLst>
+              <a:ext uri="{FF2B5EF4-FFF2-40B4-BE49-F238E27FC236}">
+                <a16:creationId xmlns:a16="http://schemas.microsoft.com/office/drawing/2014/main" id="{027075D7-33A1-4FB2-92CB-EEDBEA3522BF}"/>
+              </a:ext>
+            </a:extLst>
+          </p:cNvPr>
+          <p:cNvSpPr txBox="1"/>
+          <p:nvPr/>
+        </p:nvSpPr>
+        <p:spPr>
+          <a:xfrm>
+            <a:off x="2737053" y="4709913"/>
+            <a:ext cx="401835" cy="738664"/>
+          </a:xfrm>
+          <a:prstGeom prst="rect">
+            <a:avLst/>
+          </a:prstGeom>
+        </p:spPr>
+        <p:style>
+          <a:lnRef idx="1">
+            <a:schemeClr val="accent4"/>
+          </a:lnRef>
+          <a:fillRef idx="2">
+            <a:schemeClr val="accent4"/>
+          </a:fillRef>
+          <a:effectRef idx="1">
+            <a:schemeClr val="accent4"/>
+          </a:effectRef>
+          <a:fontRef idx="minor">
+            <a:schemeClr val="dk1"/>
+          </a:fontRef>
+        </p:style>
+        <p:txBody>
+          <a:bodyPr wrap="square" rtlCol="0">
+            <a:spAutoFit/>
+          </a:bodyPr>
+          <a:lstStyle/>
+          <a:p>
+            <a:r>
+              <a:rPr lang="zh-CN" altLang="en-US" sz="1400" dirty="0"/>
+              <a:t>打并口</a:t>
+            </a:r>
+          </a:p>
+        </p:txBody>
+      </p:sp>
+      <p:sp>
+        <p:nvSpPr>
+          <p:cNvPr id="39" name="TextBox 38">
+            <a:extLst>
+              <a:ext uri="{FF2B5EF4-FFF2-40B4-BE49-F238E27FC236}">
+                <a16:creationId xmlns:a16="http://schemas.microsoft.com/office/drawing/2014/main" id="{B50241F6-C80D-486A-9175-858E7196ACAF}"/>
+              </a:ext>
+            </a:extLst>
+          </p:cNvPr>
+          <p:cNvSpPr txBox="1"/>
+          <p:nvPr/>
+        </p:nvSpPr>
+        <p:spPr>
+          <a:xfrm>
+            <a:off x="6259966" y="4692211"/>
+            <a:ext cx="401835" cy="738664"/>
+          </a:xfrm>
+          <a:prstGeom prst="rect">
+            <a:avLst/>
+          </a:prstGeom>
+        </p:spPr>
+        <p:style>
+          <a:lnRef idx="1">
+            <a:schemeClr val="accent4"/>
+          </a:lnRef>
+          <a:fillRef idx="2">
+            <a:schemeClr val="accent4"/>
+          </a:fillRef>
+          <a:effectRef idx="1">
+            <a:schemeClr val="accent4"/>
+          </a:effectRef>
+          <a:fontRef idx="minor">
+            <a:schemeClr val="dk1"/>
+          </a:fontRef>
+        </p:style>
+        <p:txBody>
+          <a:bodyPr wrap="square" rtlCol="0">
+            <a:spAutoFit/>
+          </a:bodyPr>
+          <a:lstStyle/>
+          <a:p>
+            <a:r>
+              <a:rPr lang="zh-CN" altLang="en-US" sz="1400" dirty="0"/>
+              <a:t>打并口</a:t>
+            </a:r>
+          </a:p>
+        </p:txBody>
+      </p:sp>
+      <p:cxnSp>
+        <p:nvCxnSpPr>
+          <p:cNvPr id="40" name="Straight Connector 39">
+            <a:extLst>
+              <a:ext uri="{FF2B5EF4-FFF2-40B4-BE49-F238E27FC236}">
+                <a16:creationId xmlns:a16="http://schemas.microsoft.com/office/drawing/2014/main" id="{BB8647E9-9E92-4FDA-98C6-0A5AC98C8EFD}"/>
+              </a:ext>
+            </a:extLst>
+          </p:cNvPr>
+          <p:cNvCxnSpPr/>
+          <p:nvPr/>
+        </p:nvCxnSpPr>
+        <p:spPr>
+          <a:xfrm>
+            <a:off x="2058113" y="1198301"/>
+            <a:ext cx="0" cy="4924168"/>
+          </a:xfrm>
+          <a:prstGeom prst="line">
+            <a:avLst/>
+          </a:prstGeom>
+        </p:spPr>
+        <p:style>
+          <a:lnRef idx="3">
+            <a:schemeClr val="accent3"/>
+          </a:lnRef>
+          <a:fillRef idx="0">
+            <a:schemeClr val="accent3"/>
+          </a:fillRef>
+          <a:effectRef idx="2">
+            <a:schemeClr val="accent3"/>
+          </a:effectRef>
+          <a:fontRef idx="minor">
+            <a:schemeClr val="tx1"/>
+          </a:fontRef>
+        </p:style>
+      </p:cxnSp>
+      <p:cxnSp>
+        <p:nvCxnSpPr>
+          <p:cNvPr id="41" name="Straight Connector 40">
+            <a:extLst>
+              <a:ext uri="{FF2B5EF4-FFF2-40B4-BE49-F238E27FC236}">
+                <a16:creationId xmlns:a16="http://schemas.microsoft.com/office/drawing/2014/main" id="{5A433A45-A539-43A8-A432-53DD5ED27C07}"/>
+              </a:ext>
+            </a:extLst>
+          </p:cNvPr>
+          <p:cNvCxnSpPr/>
+          <p:nvPr/>
+        </p:nvCxnSpPr>
+        <p:spPr>
+          <a:xfrm>
+            <a:off x="3819027" y="1198301"/>
+            <a:ext cx="0" cy="4924168"/>
+          </a:xfrm>
+          <a:prstGeom prst="line">
+            <a:avLst/>
+          </a:prstGeom>
+        </p:spPr>
+        <p:style>
+          <a:lnRef idx="3">
+            <a:schemeClr val="accent3"/>
+          </a:lnRef>
+          <a:fillRef idx="0">
+            <a:schemeClr val="accent3"/>
+          </a:fillRef>
+          <a:effectRef idx="2">
+            <a:schemeClr val="accent3"/>
+          </a:effectRef>
+          <a:fontRef idx="minor">
+            <a:schemeClr val="tx1"/>
+          </a:fontRef>
+        </p:style>
+      </p:cxnSp>
+      <p:cxnSp>
+        <p:nvCxnSpPr>
+          <p:cNvPr id="42" name="Straight Connector 41">
+            <a:extLst>
+              <a:ext uri="{FF2B5EF4-FFF2-40B4-BE49-F238E27FC236}">
+                <a16:creationId xmlns:a16="http://schemas.microsoft.com/office/drawing/2014/main" id="{E4B4D8B4-28C0-462D-947A-7A2AA055D005}"/>
+              </a:ext>
+            </a:extLst>
+          </p:cNvPr>
+          <p:cNvCxnSpPr/>
+          <p:nvPr/>
+        </p:nvCxnSpPr>
+        <p:spPr>
+          <a:xfrm>
+            <a:off x="5579941" y="1198301"/>
+            <a:ext cx="0" cy="4924168"/>
+          </a:xfrm>
+          <a:prstGeom prst="line">
+            <a:avLst/>
+          </a:prstGeom>
+        </p:spPr>
+        <p:style>
+          <a:lnRef idx="3">
+            <a:schemeClr val="accent3"/>
+          </a:lnRef>
+          <a:fillRef idx="0">
+            <a:schemeClr val="accent3"/>
+          </a:fillRef>
+          <a:effectRef idx="2">
+            <a:schemeClr val="accent3"/>
+          </a:effectRef>
+          <a:fontRef idx="minor">
+            <a:schemeClr val="tx1"/>
+          </a:fontRef>
+        </p:style>
+      </p:cxnSp>
+      <p:cxnSp>
+        <p:nvCxnSpPr>
+          <p:cNvPr id="43" name="Straight Connector 42">
+            <a:extLst>
+              <a:ext uri="{FF2B5EF4-FFF2-40B4-BE49-F238E27FC236}">
+                <a16:creationId xmlns:a16="http://schemas.microsoft.com/office/drawing/2014/main" id="{4BDE88FB-1AD1-4C34-8293-0EA38F156E88}"/>
+              </a:ext>
+            </a:extLst>
+          </p:cNvPr>
+          <p:cNvCxnSpPr/>
+          <p:nvPr/>
+        </p:nvCxnSpPr>
+        <p:spPr>
+          <a:xfrm>
+            <a:off x="7340855" y="1173588"/>
+            <a:ext cx="0" cy="4924168"/>
+          </a:xfrm>
+          <a:prstGeom prst="line">
+            <a:avLst/>
+          </a:prstGeom>
+        </p:spPr>
+        <p:style>
+          <a:lnRef idx="3">
+            <a:schemeClr val="accent3"/>
+          </a:lnRef>
+          <a:fillRef idx="0">
+            <a:schemeClr val="accent3"/>
+          </a:fillRef>
+          <a:effectRef idx="2">
+            <a:schemeClr val="accent3"/>
+          </a:effectRef>
+          <a:fontRef idx="minor">
+            <a:schemeClr val="tx1"/>
+          </a:fontRef>
+        </p:style>
+      </p:cxnSp>
+      <p:cxnSp>
+        <p:nvCxnSpPr>
+          <p:cNvPr id="44" name="Straight Connector 43">
+            <a:extLst>
+              <a:ext uri="{FF2B5EF4-FFF2-40B4-BE49-F238E27FC236}">
+                <a16:creationId xmlns:a16="http://schemas.microsoft.com/office/drawing/2014/main" id="{F87F5087-A20E-4E93-B036-D8B63576E1B0}"/>
+              </a:ext>
+            </a:extLst>
+          </p:cNvPr>
+          <p:cNvCxnSpPr/>
+          <p:nvPr/>
+        </p:nvCxnSpPr>
+        <p:spPr>
+          <a:xfrm>
+            <a:off x="9106578" y="1173588"/>
+            <a:ext cx="0" cy="4924168"/>
+          </a:xfrm>
+          <a:prstGeom prst="line">
+            <a:avLst/>
+          </a:prstGeom>
+        </p:spPr>
+        <p:style>
+          <a:lnRef idx="3">
+            <a:schemeClr val="accent3"/>
+          </a:lnRef>
+          <a:fillRef idx="0">
+            <a:schemeClr val="accent3"/>
+          </a:fillRef>
+          <a:effectRef idx="2">
+            <a:schemeClr val="accent3"/>
+          </a:effectRef>
+          <a:fontRef idx="minor">
+            <a:schemeClr val="tx1"/>
+          </a:fontRef>
+        </p:style>
+      </p:cxnSp>
+      <p:sp>
+        <p:nvSpPr>
+          <p:cNvPr id="45" name="TextBox 44">
+            <a:extLst>
+              <a:ext uri="{FF2B5EF4-FFF2-40B4-BE49-F238E27FC236}">
+                <a16:creationId xmlns:a16="http://schemas.microsoft.com/office/drawing/2014/main" id="{F262B52B-091F-42EA-9EB2-8FC8926D4A82}"/>
+              </a:ext>
+            </a:extLst>
+          </p:cNvPr>
+          <p:cNvSpPr txBox="1"/>
+          <p:nvPr/>
+        </p:nvSpPr>
+        <p:spPr>
+          <a:xfrm>
+            <a:off x="4939625" y="574930"/>
+            <a:ext cx="1569660" cy="369332"/>
+          </a:xfrm>
+          <a:prstGeom prst="rect">
+            <a:avLst/>
+          </a:prstGeom>
+          <a:noFill/>
+        </p:spPr>
+        <p:txBody>
+          <a:bodyPr wrap="none" rtlCol="0">
+            <a:spAutoFit/>
+          </a:bodyPr>
+          <a:lstStyle/>
+          <a:p>
+            <a:r>
+              <a:rPr lang="zh-CN" altLang="en-US" dirty="0"/>
+              <a:t>在线实验时序</a:t>
+            </a:r>
+          </a:p>
+        </p:txBody>
+      </p:sp>
+    </p:spTree>
+    <p:extLst>
+      <p:ext uri="{BB962C8B-B14F-4D97-AF65-F5344CB8AC3E}">
+        <p14:creationId xmlns:p14="http://schemas.microsoft.com/office/powerpoint/2010/main" val="324211643"/>
+      </p:ext>
+    </p:extLst>
+  </p:cSld>
+  <p:clrMapOvr>
+    <a:masterClrMapping/>
+  </p:clrMapOvr>
+</p:sld>
+</file>
+
 <file path=ppt/theme/theme1.xml><?xml version="1.0" encoding="utf-8"?>
 <a:theme xmlns:a="http://schemas.openxmlformats.org/drawingml/2006/main" name="Office Theme">
   <a:themeElements>

--- a/structure.pptx
+++ b/structure.pptx
@@ -25224,7 +25224,7 @@
           <a:p>
             <a:fld id="{0793B7A2-8215-4AD8-839E-1FE26618B247}" type="datetimeFigureOut">
               <a:rPr lang="zh-CN" altLang="en-US" smtClean="0"/>
-              <a:t>2020/3/30</a:t>
+              <a:t>2020/4/10</a:t>
             </a:fld>
             <a:endParaRPr lang="zh-CN" altLang="en-US"/>
           </a:p>
@@ -25424,7 +25424,7 @@
           <a:p>
             <a:fld id="{0793B7A2-8215-4AD8-839E-1FE26618B247}" type="datetimeFigureOut">
               <a:rPr lang="zh-CN" altLang="en-US" smtClean="0"/>
-              <a:t>2020/3/30</a:t>
+              <a:t>2020/4/10</a:t>
             </a:fld>
             <a:endParaRPr lang="zh-CN" altLang="en-US"/>
           </a:p>
@@ -25634,7 +25634,7 @@
           <a:p>
             <a:fld id="{0793B7A2-8215-4AD8-839E-1FE26618B247}" type="datetimeFigureOut">
               <a:rPr lang="zh-CN" altLang="en-US" smtClean="0"/>
-              <a:t>2020/3/30</a:t>
+              <a:t>2020/4/10</a:t>
             </a:fld>
             <a:endParaRPr lang="zh-CN" altLang="en-US"/>
           </a:p>
@@ -25834,7 +25834,7 @@
           <a:p>
             <a:fld id="{0793B7A2-8215-4AD8-839E-1FE26618B247}" type="datetimeFigureOut">
               <a:rPr lang="zh-CN" altLang="en-US" smtClean="0"/>
-              <a:t>2020/3/30</a:t>
+              <a:t>2020/4/10</a:t>
             </a:fld>
             <a:endParaRPr lang="zh-CN" altLang="en-US"/>
           </a:p>
@@ -26110,7 +26110,7 @@
           <a:p>
             <a:fld id="{0793B7A2-8215-4AD8-839E-1FE26618B247}" type="datetimeFigureOut">
               <a:rPr lang="zh-CN" altLang="en-US" smtClean="0"/>
-              <a:t>2020/3/30</a:t>
+              <a:t>2020/4/10</a:t>
             </a:fld>
             <a:endParaRPr lang="zh-CN" altLang="en-US"/>
           </a:p>
@@ -26378,7 +26378,7 @@
           <a:p>
             <a:fld id="{0793B7A2-8215-4AD8-839E-1FE26618B247}" type="datetimeFigureOut">
               <a:rPr lang="zh-CN" altLang="en-US" smtClean="0"/>
-              <a:t>2020/3/30</a:t>
+              <a:t>2020/4/10</a:t>
             </a:fld>
             <a:endParaRPr lang="zh-CN" altLang="en-US"/>
           </a:p>
@@ -26793,7 +26793,7 @@
           <a:p>
             <a:fld id="{0793B7A2-8215-4AD8-839E-1FE26618B247}" type="datetimeFigureOut">
               <a:rPr lang="zh-CN" altLang="en-US" smtClean="0"/>
-              <a:t>2020/3/30</a:t>
+              <a:t>2020/4/10</a:t>
             </a:fld>
             <a:endParaRPr lang="zh-CN" altLang="en-US"/>
           </a:p>
@@ -26935,7 +26935,7 @@
           <a:p>
             <a:fld id="{0793B7A2-8215-4AD8-839E-1FE26618B247}" type="datetimeFigureOut">
               <a:rPr lang="zh-CN" altLang="en-US" smtClean="0"/>
-              <a:t>2020/3/30</a:t>
+              <a:t>2020/4/10</a:t>
             </a:fld>
             <a:endParaRPr lang="zh-CN" altLang="en-US"/>
           </a:p>
@@ -27048,7 +27048,7 @@
           <a:p>
             <a:fld id="{0793B7A2-8215-4AD8-839E-1FE26618B247}" type="datetimeFigureOut">
               <a:rPr lang="zh-CN" altLang="en-US" smtClean="0"/>
-              <a:t>2020/3/30</a:t>
+              <a:t>2020/4/10</a:t>
             </a:fld>
             <a:endParaRPr lang="zh-CN" altLang="en-US"/>
           </a:p>
@@ -27361,7 +27361,7 @@
           <a:p>
             <a:fld id="{0793B7A2-8215-4AD8-839E-1FE26618B247}" type="datetimeFigureOut">
               <a:rPr lang="zh-CN" altLang="en-US" smtClean="0"/>
-              <a:t>2020/3/30</a:t>
+              <a:t>2020/4/10</a:t>
             </a:fld>
             <a:endParaRPr lang="zh-CN" altLang="en-US"/>
           </a:p>
@@ -27650,7 +27650,7 @@
           <a:p>
             <a:fld id="{0793B7A2-8215-4AD8-839E-1FE26618B247}" type="datetimeFigureOut">
               <a:rPr lang="zh-CN" altLang="en-US" smtClean="0"/>
-              <a:t>2020/3/30</a:t>
+              <a:t>2020/4/10</a:t>
             </a:fld>
             <a:endParaRPr lang="zh-CN" altLang="en-US"/>
           </a:p>
@@ -27893,7 +27893,7 @@
           <a:p>
             <a:fld id="{0793B7A2-8215-4AD8-839E-1FE26618B247}" type="datetimeFigureOut">
               <a:rPr lang="zh-CN" altLang="en-US" smtClean="0"/>
-              <a:t>2020/3/30</a:t>
+              <a:t>2020/4/10</a:t>
             </a:fld>
             <a:endParaRPr lang="zh-CN" altLang="en-US"/>
           </a:p>
@@ -34096,8 +34096,8 @@
         </p:nvCxnSpPr>
         <p:spPr>
           <a:xfrm>
-            <a:off x="4939625" y="3675755"/>
-            <a:ext cx="0" cy="1311597"/>
+            <a:off x="4939625" y="3827274"/>
+            <a:ext cx="0" cy="1160078"/>
           </a:xfrm>
           <a:prstGeom prst="straightConnector1">
             <a:avLst/>
@@ -34581,6 +34581,196 @@
           </a:p>
         </p:txBody>
       </p:sp>
+      <p:cxnSp>
+        <p:nvCxnSpPr>
+          <p:cNvPr id="37" name="Straight Arrow Connector 36">
+            <a:extLst>
+              <a:ext uri="{FF2B5EF4-FFF2-40B4-BE49-F238E27FC236}">
+                <a16:creationId xmlns:a16="http://schemas.microsoft.com/office/drawing/2014/main" id="{7485E5BD-5A6B-4074-857A-75387FBCA75C}"/>
+              </a:ext>
+            </a:extLst>
+          </p:cNvPr>
+          <p:cNvCxnSpPr>
+            <a:cxnSpLocks/>
+          </p:cNvCxnSpPr>
+          <p:nvPr/>
+        </p:nvCxnSpPr>
+        <p:spPr>
+          <a:xfrm flipV="1">
+            <a:off x="4939625" y="2565205"/>
+            <a:ext cx="0" cy="1126656"/>
+          </a:xfrm>
+          <a:prstGeom prst="straightConnector1">
+            <a:avLst/>
+          </a:prstGeom>
+          <a:ln w="76200" cap="flat" cmpd="sng" algn="ctr">
+            <a:solidFill>
+              <a:srgbClr val="A6C3E6"/>
+            </a:solidFill>
+            <a:prstDash val="solid"/>
+            <a:round/>
+            <a:headEnd type="none" w="med" len="med"/>
+            <a:tailEnd type="arrow" w="med" len="med"/>
+          </a:ln>
+        </p:spPr>
+        <p:style>
+          <a:lnRef idx="0">
+            <a:scrgbClr r="0" g="0" b="0"/>
+          </a:lnRef>
+          <a:fillRef idx="0">
+            <a:scrgbClr r="0" g="0" b="0"/>
+          </a:fillRef>
+          <a:effectRef idx="0">
+            <a:scrgbClr r="0" g="0" b="0"/>
+          </a:effectRef>
+          <a:fontRef idx="minor">
+            <a:schemeClr val="tx1"/>
+          </a:fontRef>
+        </p:style>
+      </p:cxnSp>
+      <p:sp>
+        <p:nvSpPr>
+          <p:cNvPr id="46" name="TextBox 45">
+            <a:extLst>
+              <a:ext uri="{FF2B5EF4-FFF2-40B4-BE49-F238E27FC236}">
+                <a16:creationId xmlns:a16="http://schemas.microsoft.com/office/drawing/2014/main" id="{FEAA722E-8C7C-4B4A-9E9B-FD8524143992}"/>
+              </a:ext>
+            </a:extLst>
+          </p:cNvPr>
+          <p:cNvSpPr txBox="1"/>
+          <p:nvPr/>
+        </p:nvSpPr>
+        <p:spPr>
+          <a:xfrm>
+            <a:off x="5123642" y="2826307"/>
+            <a:ext cx="371226" cy="954107"/>
+          </a:xfrm>
+          <a:prstGeom prst="rect">
+            <a:avLst/>
+          </a:prstGeom>
+        </p:spPr>
+        <p:style>
+          <a:lnRef idx="1">
+            <a:schemeClr val="accent5"/>
+          </a:lnRef>
+          <a:fillRef idx="2">
+            <a:schemeClr val="accent5"/>
+          </a:fillRef>
+          <a:effectRef idx="1">
+            <a:schemeClr val="accent5"/>
+          </a:effectRef>
+          <a:fontRef idx="minor">
+            <a:schemeClr val="dk1"/>
+          </a:fontRef>
+        </p:style>
+        <p:txBody>
+          <a:bodyPr wrap="square" rtlCol="0">
+            <a:spAutoFit/>
+          </a:bodyPr>
+          <a:lstStyle/>
+          <a:p>
+            <a:r>
+              <a:rPr lang="zh-CN" altLang="en-US" sz="1400" dirty="0"/>
+              <a:t>运动指令</a:t>
+            </a:r>
+          </a:p>
+        </p:txBody>
+      </p:sp>
+      <p:cxnSp>
+        <p:nvCxnSpPr>
+          <p:cNvPr id="47" name="Straight Arrow Connector 46">
+            <a:extLst>
+              <a:ext uri="{FF2B5EF4-FFF2-40B4-BE49-F238E27FC236}">
+                <a16:creationId xmlns:a16="http://schemas.microsoft.com/office/drawing/2014/main" id="{FD8FDE1C-A9D9-4514-8C4D-1B124D959C2F}"/>
+              </a:ext>
+            </a:extLst>
+          </p:cNvPr>
+          <p:cNvCxnSpPr>
+            <a:cxnSpLocks/>
+          </p:cNvCxnSpPr>
+          <p:nvPr/>
+        </p:nvCxnSpPr>
+        <p:spPr>
+          <a:xfrm flipV="1">
+            <a:off x="8234096" y="2621097"/>
+            <a:ext cx="0" cy="1126656"/>
+          </a:xfrm>
+          <a:prstGeom prst="straightConnector1">
+            <a:avLst/>
+          </a:prstGeom>
+          <a:ln w="76200" cap="flat" cmpd="sng" algn="ctr">
+            <a:solidFill>
+              <a:srgbClr val="A6C3E6"/>
+            </a:solidFill>
+            <a:prstDash val="solid"/>
+            <a:round/>
+            <a:headEnd type="none" w="med" len="med"/>
+            <a:tailEnd type="arrow" w="med" len="med"/>
+          </a:ln>
+        </p:spPr>
+        <p:style>
+          <a:lnRef idx="0">
+            <a:scrgbClr r="0" g="0" b="0"/>
+          </a:lnRef>
+          <a:fillRef idx="0">
+            <a:scrgbClr r="0" g="0" b="0"/>
+          </a:fillRef>
+          <a:effectRef idx="0">
+            <a:scrgbClr r="0" g="0" b="0"/>
+          </a:effectRef>
+          <a:fontRef idx="minor">
+            <a:schemeClr val="tx1"/>
+          </a:fontRef>
+        </p:style>
+      </p:cxnSp>
+      <p:sp>
+        <p:nvSpPr>
+          <p:cNvPr id="48" name="TextBox 47">
+            <a:extLst>
+              <a:ext uri="{FF2B5EF4-FFF2-40B4-BE49-F238E27FC236}">
+                <a16:creationId xmlns:a16="http://schemas.microsoft.com/office/drawing/2014/main" id="{C6C34A5E-0460-4E7F-AA9C-5B8FD9C07826}"/>
+              </a:ext>
+            </a:extLst>
+          </p:cNvPr>
+          <p:cNvSpPr txBox="1"/>
+          <p:nvPr/>
+        </p:nvSpPr>
+        <p:spPr>
+          <a:xfrm>
+            <a:off x="8418113" y="2882199"/>
+            <a:ext cx="371226" cy="954107"/>
+          </a:xfrm>
+          <a:prstGeom prst="rect">
+            <a:avLst/>
+          </a:prstGeom>
+        </p:spPr>
+        <p:style>
+          <a:lnRef idx="1">
+            <a:schemeClr val="accent5"/>
+          </a:lnRef>
+          <a:fillRef idx="2">
+            <a:schemeClr val="accent5"/>
+          </a:fillRef>
+          <a:effectRef idx="1">
+            <a:schemeClr val="accent5"/>
+          </a:effectRef>
+          <a:fontRef idx="minor">
+            <a:schemeClr val="dk1"/>
+          </a:fontRef>
+        </p:style>
+        <p:txBody>
+          <a:bodyPr wrap="square" rtlCol="0">
+            <a:spAutoFit/>
+          </a:bodyPr>
+          <a:lstStyle/>
+          <a:p>
+            <a:r>
+              <a:rPr lang="zh-CN" altLang="en-US" sz="1400" dirty="0"/>
+              <a:t>运动指令</a:t>
+            </a:r>
+          </a:p>
+        </p:txBody>
+      </p:sp>
     </p:spTree>
     <p:extLst>
       <p:ext uri="{BB962C8B-B14F-4D97-AF65-F5344CB8AC3E}">
